--- a/extending/figures/modules.pptx
+++ b/extending/figures/modules.pptx
@@ -192,7 +192,7 @@
           <a:p>
             <a:fld id="{B331D21E-A933-4E39-927B-0A694CFD8A59}" type="datetimeFigureOut">
               <a:rPr lang="en-US" smtClean="0"/>
-              <a:t>3/18/2014</a:t>
+              <a:t>11/28/2014</a:t>
             </a:fld>
             <a:endParaRPr lang="en-US"/>
           </a:p>
@@ -765,7 +765,7 @@
           <a:p>
             <a:fld id="{4EAC39C6-F0CB-4B34-9E6A-ADED0510816B}" type="datetimeFigureOut">
               <a:rPr lang="en-US" smtClean="0"/>
-              <a:t>3/18/2014</a:t>
+              <a:t>11/28/2014</a:t>
             </a:fld>
             <a:endParaRPr lang="en-US"/>
           </a:p>
@@ -935,7 +935,7 @@
           <a:p>
             <a:fld id="{4EAC39C6-F0CB-4B34-9E6A-ADED0510816B}" type="datetimeFigureOut">
               <a:rPr lang="en-US" smtClean="0"/>
-              <a:t>3/18/2014</a:t>
+              <a:t>11/28/2014</a:t>
             </a:fld>
             <a:endParaRPr lang="en-US"/>
           </a:p>
@@ -1115,7 +1115,7 @@
           <a:p>
             <a:fld id="{4EAC39C6-F0CB-4B34-9E6A-ADED0510816B}" type="datetimeFigureOut">
               <a:rPr lang="en-US" smtClean="0"/>
-              <a:t>3/18/2014</a:t>
+              <a:t>11/28/2014</a:t>
             </a:fld>
             <a:endParaRPr lang="en-US"/>
           </a:p>
@@ -1285,7 +1285,7 @@
           <a:p>
             <a:fld id="{4EAC39C6-F0CB-4B34-9E6A-ADED0510816B}" type="datetimeFigureOut">
               <a:rPr lang="en-US" smtClean="0"/>
-              <a:t>3/18/2014</a:t>
+              <a:t>11/28/2014</a:t>
             </a:fld>
             <a:endParaRPr lang="en-US"/>
           </a:p>
@@ -1531,7 +1531,7 @@
           <a:p>
             <a:fld id="{4EAC39C6-F0CB-4B34-9E6A-ADED0510816B}" type="datetimeFigureOut">
               <a:rPr lang="en-US" smtClean="0"/>
-              <a:t>3/18/2014</a:t>
+              <a:t>11/28/2014</a:t>
             </a:fld>
             <a:endParaRPr lang="en-US"/>
           </a:p>
@@ -1819,7 +1819,7 @@
           <a:p>
             <a:fld id="{4EAC39C6-F0CB-4B34-9E6A-ADED0510816B}" type="datetimeFigureOut">
               <a:rPr lang="en-US" smtClean="0"/>
-              <a:t>3/18/2014</a:t>
+              <a:t>11/28/2014</a:t>
             </a:fld>
             <a:endParaRPr lang="en-US"/>
           </a:p>
@@ -2246,7 +2246,7 @@
           <a:p>
             <a:fld id="{4EAC39C6-F0CB-4B34-9E6A-ADED0510816B}" type="datetimeFigureOut">
               <a:rPr lang="en-US" smtClean="0"/>
-              <a:t>3/18/2014</a:t>
+              <a:t>11/28/2014</a:t>
             </a:fld>
             <a:endParaRPr lang="en-US"/>
           </a:p>
@@ -2364,7 +2364,7 @@
           <a:p>
             <a:fld id="{4EAC39C6-F0CB-4B34-9E6A-ADED0510816B}" type="datetimeFigureOut">
               <a:rPr lang="en-US" smtClean="0"/>
-              <a:t>3/18/2014</a:t>
+              <a:t>11/28/2014</a:t>
             </a:fld>
             <a:endParaRPr lang="en-US"/>
           </a:p>
@@ -2459,7 +2459,7 @@
           <a:p>
             <a:fld id="{4EAC39C6-F0CB-4B34-9E6A-ADED0510816B}" type="datetimeFigureOut">
               <a:rPr lang="en-US" smtClean="0"/>
-              <a:t>3/18/2014</a:t>
+              <a:t>11/28/2014</a:t>
             </a:fld>
             <a:endParaRPr lang="en-US"/>
           </a:p>
@@ -2736,7 +2736,7 @@
           <a:p>
             <a:fld id="{4EAC39C6-F0CB-4B34-9E6A-ADED0510816B}" type="datetimeFigureOut">
               <a:rPr lang="en-US" smtClean="0"/>
-              <a:t>3/18/2014</a:t>
+              <a:t>11/28/2014</a:t>
             </a:fld>
             <a:endParaRPr lang="en-US"/>
           </a:p>
@@ -2989,7 +2989,7 @@
           <a:p>
             <a:fld id="{4EAC39C6-F0CB-4B34-9E6A-ADED0510816B}" type="datetimeFigureOut">
               <a:rPr lang="en-US" smtClean="0"/>
-              <a:t>3/18/2014</a:t>
+              <a:t>11/28/2014</a:t>
             </a:fld>
             <a:endParaRPr lang="en-US"/>
           </a:p>
@@ -3202,7 +3202,7 @@
           <a:p>
             <a:fld id="{4EAC39C6-F0CB-4B34-9E6A-ADED0510816B}" type="datetimeFigureOut">
               <a:rPr lang="en-US" smtClean="0"/>
-              <a:t>3/18/2014</a:t>
+              <a:t>11/28/2014</a:t>
             </a:fld>
             <a:endParaRPr lang="en-US"/>
           </a:p>
@@ -6369,7 +6369,7 @@
         <p:spPr bwMode="auto">
           <a:xfrm>
             <a:off x="3901376" y="6990767"/>
-            <a:ext cx="881199" cy="461966"/>
+            <a:ext cx="983509" cy="438260"/>
           </a:xfrm>
           <a:prstGeom prst="roundRect">
             <a:avLst/>
@@ -6529,10 +6529,10 @@
           <a:p>
             <a:pPr algn="ctr" eaLnBrk="1" hangingPunct="1"/>
             <a:r>
-              <a:rPr lang="en-US" altLang="en-US" sz="1200" dirty="0" smtClean="0">
+              <a:rPr lang="en-US" altLang="en-US" sz="1200" dirty="0">
                 <a:cs typeface="Arial" charset="0"/>
               </a:rPr>
-              <a:t>choice</a:t>
+              <a:t>innovation</a:t>
             </a:r>
             <a:endParaRPr lang="en-US" altLang="en-US" sz="1200" dirty="0">
               <a:cs typeface="Arial" charset="0"/>
@@ -6548,10 +6548,10 @@
         </p:nvGrpSpPr>
         <p:grpSpPr>
           <a:xfrm>
-            <a:off x="3970281" y="5796384"/>
-            <a:ext cx="881199" cy="1038030"/>
-            <a:chOff x="457939" y="4797152"/>
-            <a:chExt cx="881199" cy="1038030"/>
+            <a:off x="3901377" y="5796384"/>
+            <a:ext cx="950104" cy="1038030"/>
+            <a:chOff x="389035" y="4797152"/>
+            <a:chExt cx="950104" cy="1038030"/>
           </a:xfrm>
         </p:grpSpPr>
         <p:pic>
@@ -6603,8 +6603,8 @@
           </p:nvSpPr>
           <p:spPr bwMode="auto">
             <a:xfrm>
-              <a:off x="457939" y="5373216"/>
-              <a:ext cx="881199" cy="461966"/>
+              <a:off x="389035" y="5373216"/>
+              <a:ext cx="950104" cy="461966"/>
             </a:xfrm>
             <a:prstGeom prst="roundRect">
               <a:avLst/>
@@ -6761,7 +6761,7 @@
                 <a:rPr lang="en-US" altLang="en-US" sz="1200" dirty="0" smtClean="0">
                   <a:cs typeface="Arial" charset="0"/>
                 </a:rPr>
-                <a:t>choice</a:t>
+                <a:t>innovation</a:t>
               </a:r>
               <a:endParaRPr lang="en-US" altLang="en-US" sz="1200" dirty="0">
                 <a:cs typeface="Arial" charset="0"/>
@@ -6779,7 +6779,7 @@
         <p:spPr bwMode="auto">
           <a:xfrm>
             <a:off x="3185815" y="7198044"/>
-            <a:ext cx="881199" cy="461966"/>
+            <a:ext cx="946232" cy="461966"/>
           </a:xfrm>
           <a:prstGeom prst="roundRect">
             <a:avLst/>
@@ -6933,10 +6933,10 @@
           <a:p>
             <a:pPr algn="ctr" eaLnBrk="1" hangingPunct="1"/>
             <a:r>
-              <a:rPr lang="en-US" altLang="en-US" sz="1200" dirty="0" smtClean="0">
+              <a:rPr lang="en-US" altLang="en-US" sz="1200" dirty="0">
                 <a:cs typeface="Arial" charset="0"/>
               </a:rPr>
-              <a:t>choice</a:t>
+              <a:t>innovation</a:t>
             </a:r>
             <a:endParaRPr lang="en-US" altLang="en-US" sz="1200" dirty="0">
               <a:cs typeface="Arial" charset="0"/>
@@ -8714,10 +8714,10 @@
         </p:nvGrpSpPr>
         <p:grpSpPr>
           <a:xfrm>
-            <a:off x="4793577" y="5853433"/>
-            <a:ext cx="881199" cy="1038030"/>
+            <a:off x="4793576" y="5853433"/>
+            <a:ext cx="1176917" cy="1038030"/>
             <a:chOff x="457939" y="4797152"/>
-            <a:chExt cx="881199" cy="1038030"/>
+            <a:chExt cx="1010290" cy="1038030"/>
           </a:xfrm>
         </p:grpSpPr>
         <p:pic>
@@ -8770,7 +8770,7 @@
           <p:spPr bwMode="auto">
             <a:xfrm>
               <a:off x="457939" y="5373216"/>
-              <a:ext cx="881199" cy="461966"/>
+              <a:ext cx="1010290" cy="461966"/>
             </a:xfrm>
             <a:prstGeom prst="roundRect">
               <a:avLst/>
@@ -8927,7 +8927,7 @@
                 <a:rPr lang="en-US" altLang="en-US" sz="1200" dirty="0" smtClean="0">
                   <a:cs typeface="Arial" charset="0"/>
                 </a:rPr>
-                <a:t>choice</a:t>
+                <a:t>innovation</a:t>
               </a:r>
               <a:endParaRPr lang="en-US" altLang="en-US" sz="1200" dirty="0">
                 <a:cs typeface="Arial" charset="0"/>

--- a/extending/figures/modules.pptx
+++ b/extending/figures/modules.pptx
@@ -192,7 +192,7 @@
           <a:p>
             <a:fld id="{B331D21E-A933-4E39-927B-0A694CFD8A59}" type="datetimeFigureOut">
               <a:rPr lang="en-US" smtClean="0"/>
-              <a:t>11/28/2014</a:t>
+              <a:t>2/17/2015</a:t>
             </a:fld>
             <a:endParaRPr lang="en-US"/>
           </a:p>
@@ -765,7 +765,7 @@
           <a:p>
             <a:fld id="{4EAC39C6-F0CB-4B34-9E6A-ADED0510816B}" type="datetimeFigureOut">
               <a:rPr lang="en-US" smtClean="0"/>
-              <a:t>11/28/2014</a:t>
+              <a:t>2/17/2015</a:t>
             </a:fld>
             <a:endParaRPr lang="en-US"/>
           </a:p>
@@ -935,7 +935,7 @@
           <a:p>
             <a:fld id="{4EAC39C6-F0CB-4B34-9E6A-ADED0510816B}" type="datetimeFigureOut">
               <a:rPr lang="en-US" smtClean="0"/>
-              <a:t>11/28/2014</a:t>
+              <a:t>2/17/2015</a:t>
             </a:fld>
             <a:endParaRPr lang="en-US"/>
           </a:p>
@@ -1115,7 +1115,7 @@
           <a:p>
             <a:fld id="{4EAC39C6-F0CB-4B34-9E6A-ADED0510816B}" type="datetimeFigureOut">
               <a:rPr lang="en-US" smtClean="0"/>
-              <a:t>11/28/2014</a:t>
+              <a:t>2/17/2015</a:t>
             </a:fld>
             <a:endParaRPr lang="en-US"/>
           </a:p>
@@ -1285,7 +1285,7 @@
           <a:p>
             <a:fld id="{4EAC39C6-F0CB-4B34-9E6A-ADED0510816B}" type="datetimeFigureOut">
               <a:rPr lang="en-US" smtClean="0"/>
-              <a:t>11/28/2014</a:t>
+              <a:t>2/17/2015</a:t>
             </a:fld>
             <a:endParaRPr lang="en-US"/>
           </a:p>
@@ -1531,7 +1531,7 @@
           <a:p>
             <a:fld id="{4EAC39C6-F0CB-4B34-9E6A-ADED0510816B}" type="datetimeFigureOut">
               <a:rPr lang="en-US" smtClean="0"/>
-              <a:t>11/28/2014</a:t>
+              <a:t>2/17/2015</a:t>
             </a:fld>
             <a:endParaRPr lang="en-US"/>
           </a:p>
@@ -1819,7 +1819,7 @@
           <a:p>
             <a:fld id="{4EAC39C6-F0CB-4B34-9E6A-ADED0510816B}" type="datetimeFigureOut">
               <a:rPr lang="en-US" smtClean="0"/>
-              <a:t>11/28/2014</a:t>
+              <a:t>2/17/2015</a:t>
             </a:fld>
             <a:endParaRPr lang="en-US"/>
           </a:p>
@@ -2246,7 +2246,7 @@
           <a:p>
             <a:fld id="{4EAC39C6-F0CB-4B34-9E6A-ADED0510816B}" type="datetimeFigureOut">
               <a:rPr lang="en-US" smtClean="0"/>
-              <a:t>11/28/2014</a:t>
+              <a:t>2/17/2015</a:t>
             </a:fld>
             <a:endParaRPr lang="en-US"/>
           </a:p>
@@ -2364,7 +2364,7 @@
           <a:p>
             <a:fld id="{4EAC39C6-F0CB-4B34-9E6A-ADED0510816B}" type="datetimeFigureOut">
               <a:rPr lang="en-US" smtClean="0"/>
-              <a:t>11/28/2014</a:t>
+              <a:t>2/17/2015</a:t>
             </a:fld>
             <a:endParaRPr lang="en-US"/>
           </a:p>
@@ -2459,7 +2459,7 @@
           <a:p>
             <a:fld id="{4EAC39C6-F0CB-4B34-9E6A-ADED0510816B}" type="datetimeFigureOut">
               <a:rPr lang="en-US" smtClean="0"/>
-              <a:t>11/28/2014</a:t>
+              <a:t>2/17/2015</a:t>
             </a:fld>
             <a:endParaRPr lang="en-US"/>
           </a:p>
@@ -2736,7 +2736,7 @@
           <a:p>
             <a:fld id="{4EAC39C6-F0CB-4B34-9E6A-ADED0510816B}" type="datetimeFigureOut">
               <a:rPr lang="en-US" smtClean="0"/>
-              <a:t>11/28/2014</a:t>
+              <a:t>2/17/2015</a:t>
             </a:fld>
             <a:endParaRPr lang="en-US"/>
           </a:p>
@@ -2989,7 +2989,7 @@
           <a:p>
             <a:fld id="{4EAC39C6-F0CB-4B34-9E6A-ADED0510816B}" type="datetimeFigureOut">
               <a:rPr lang="en-US" smtClean="0"/>
-              <a:t>11/28/2014</a:t>
+              <a:t>2/17/2015</a:t>
             </a:fld>
             <a:endParaRPr lang="en-US"/>
           </a:p>
@@ -3202,7 +3202,7 @@
           <a:p>
             <a:fld id="{4EAC39C6-F0CB-4B34-9E6A-ADED0510816B}" type="datetimeFigureOut">
               <a:rPr lang="en-US" smtClean="0"/>
-              <a:t>11/28/2014</a:t>
+              <a:t>2/17/2015</a:t>
             </a:fld>
             <a:endParaRPr lang="en-US"/>
           </a:p>
@@ -3587,7 +3587,7 @@
         </p:nvGrpSpPr>
         <p:grpSpPr bwMode="auto">
           <a:xfrm>
-            <a:off x="384969" y="2267993"/>
+            <a:off x="384969" y="2788451"/>
             <a:ext cx="8229600" cy="3650271"/>
             <a:chOff x="457200" y="4183183"/>
             <a:chExt cx="8229600" cy="1465859"/>
@@ -5419,7 +5419,7 @@
         </p:nvGrpSpPr>
         <p:grpSpPr>
           <a:xfrm>
-            <a:off x="217603" y="3132088"/>
+            <a:off x="568258" y="3580539"/>
             <a:ext cx="819411" cy="1038030"/>
             <a:chOff x="457939" y="4797152"/>
             <a:chExt cx="819411" cy="1038030"/>
@@ -5620,13 +5620,13 @@
             <a:p>
               <a:pPr algn="ctr" eaLnBrk="1" hangingPunct="1"/>
               <a:r>
-                <a:rPr lang="en-US" altLang="en-US" sz="1200" dirty="0">
+                <a:rPr lang="en-US" altLang="en-US" sz="1200" b="1" dirty="0">
                   <a:cs typeface="Arial" charset="0"/>
                 </a:rPr>
                 <a:t>n</a:t>
               </a:r>
               <a:r>
-                <a:rPr lang="en-US" altLang="en-US" sz="1200" dirty="0" smtClean="0">
+                <a:rPr lang="en-US" altLang="en-US" sz="1200" b="1" dirty="0" smtClean="0">
                   <a:cs typeface="Arial" charset="0"/>
                 </a:rPr>
                 <a:t>etwork</a:t>
@@ -5635,12 +5635,12 @@
             <a:p>
               <a:pPr algn="ctr" eaLnBrk="1" hangingPunct="1"/>
               <a:r>
-                <a:rPr lang="en-US" altLang="en-US" sz="1200" dirty="0" smtClean="0">
+                <a:rPr lang="en-US" altLang="en-US" sz="1200" b="1" dirty="0" smtClean="0">
                   <a:cs typeface="Arial" charset="0"/>
                 </a:rPr>
-                <a:t>editor</a:t>
+                <a:t>editors</a:t>
               </a:r>
-              <a:endParaRPr lang="en-US" altLang="en-US" sz="1200" dirty="0">
+              <a:endParaRPr lang="en-US" altLang="en-US" sz="1200" b="1" dirty="0">
                 <a:cs typeface="Arial" charset="0"/>
               </a:endParaRPr>
             </a:p>
@@ -5670,7 +5670,7 @@
         </p:blipFill>
         <p:spPr bwMode="auto">
           <a:xfrm rot="16200000">
-            <a:off x="527264" y="2346888"/>
+            <a:off x="527264" y="2867346"/>
             <a:ext cx="138049" cy="240307"/>
           </a:xfrm>
           <a:prstGeom prst="rect">
@@ -5711,48 +5711,7 @@
         </p:blipFill>
         <p:spPr bwMode="auto">
           <a:xfrm rot="16200000">
-            <a:off x="2751491" y="2776550"/>
-            <a:ext cx="138049" cy="240307"/>
-          </a:xfrm>
-          <a:prstGeom prst="rect">
-            <a:avLst/>
-          </a:prstGeom>
-          <a:noFill/>
-          <a:extLst>
-            <a:ext uri="{909E8E84-426E-40DD-AFC4-6F175D3DCCD1}">
-              <a14:hiddenFill xmlns:a14="http://schemas.microsoft.com/office/drawing/2010/main">
-                <a:solidFill>
-                  <a:srgbClr val="FFFFFF"/>
-                </a:solidFill>
-              </a14:hiddenFill>
-            </a:ext>
-          </a:extLst>
-        </p:spPr>
-      </p:pic>
-      <p:pic>
-        <p:nvPicPr>
-          <p:cNvPr id="35" name="Picture 3" descr="C:\Users\anhorni\Desktop\logitech-laptop-headset-h555.png"/>
-          <p:cNvPicPr>
-            <a:picLocks noChangeAspect="1" noChangeArrowheads="1"/>
-          </p:cNvPicPr>
-          <p:nvPr/>
-        </p:nvPicPr>
-        <p:blipFill>
-          <a:blip r:embed="rId4" cstate="print">
-            <a:extLst>
-              <a:ext uri="{28A0092B-C50C-407E-A947-70E740481C1C}">
-                <a14:useLocalDpi xmlns:a14="http://schemas.microsoft.com/office/drawing/2010/main" val="0"/>
-              </a:ext>
-            </a:extLst>
-          </a:blip>
-          <a:srcRect/>
-          <a:stretch>
-            <a:fillRect/>
-          </a:stretch>
-        </p:blipFill>
-        <p:spPr bwMode="auto">
-          <a:xfrm rot="16200000">
-            <a:off x="3399563" y="2768720"/>
+            <a:off x="2727208" y="3297008"/>
             <a:ext cx="138049" cy="240307"/>
           </a:xfrm>
           <a:prstGeom prst="rect">
@@ -5793,89 +5752,7 @@
         </p:blipFill>
         <p:spPr bwMode="auto">
           <a:xfrm rot="16200000">
-            <a:off x="5796788" y="2796714"/>
-            <a:ext cx="138049" cy="240307"/>
-          </a:xfrm>
-          <a:prstGeom prst="rect">
-            <a:avLst/>
-          </a:prstGeom>
-          <a:noFill/>
-          <a:extLst>
-            <a:ext uri="{909E8E84-426E-40DD-AFC4-6F175D3DCCD1}">
-              <a14:hiddenFill xmlns:a14="http://schemas.microsoft.com/office/drawing/2010/main">
-                <a:solidFill>
-                  <a:srgbClr val="FFFFFF"/>
-                </a:solidFill>
-              </a14:hiddenFill>
-            </a:ext>
-          </a:extLst>
-        </p:spPr>
-      </p:pic>
-      <p:pic>
-        <p:nvPicPr>
-          <p:cNvPr id="37" name="Picture 3" descr="C:\Users\anhorni\Desktop\logitech-laptop-headset-h555.png"/>
-          <p:cNvPicPr>
-            <a:picLocks noChangeAspect="1" noChangeArrowheads="1"/>
-          </p:cNvPicPr>
-          <p:nvPr/>
-        </p:nvPicPr>
-        <p:blipFill>
-          <a:blip r:embed="rId4" cstate="print">
-            <a:extLst>
-              <a:ext uri="{28A0092B-C50C-407E-A947-70E740481C1C}">
-                <a14:useLocalDpi xmlns:a14="http://schemas.microsoft.com/office/drawing/2010/main" val="0"/>
-              </a:ext>
-            </a:extLst>
-          </a:blip>
-          <a:srcRect/>
-          <a:stretch>
-            <a:fillRect/>
-          </a:stretch>
-        </p:blipFill>
-        <p:spPr bwMode="auto">
-          <a:xfrm rot="16200000">
-            <a:off x="3975627" y="5673247"/>
-            <a:ext cx="138049" cy="240307"/>
-          </a:xfrm>
-          <a:prstGeom prst="rect">
-            <a:avLst/>
-          </a:prstGeom>
-          <a:noFill/>
-          <a:extLst>
-            <a:ext uri="{909E8E84-426E-40DD-AFC4-6F175D3DCCD1}">
-              <a14:hiddenFill xmlns:a14="http://schemas.microsoft.com/office/drawing/2010/main">
-                <a:solidFill>
-                  <a:srgbClr val="FFFFFF"/>
-                </a:solidFill>
-              </a14:hiddenFill>
-            </a:ext>
-          </a:extLst>
-        </p:spPr>
-      </p:pic>
-      <p:pic>
-        <p:nvPicPr>
-          <p:cNvPr id="38" name="Picture 3" descr="C:\Users\anhorni\Desktop\logitech-laptop-headset-h555.png"/>
-          <p:cNvPicPr>
-            <a:picLocks noChangeAspect="1" noChangeArrowheads="1"/>
-          </p:cNvPicPr>
-          <p:nvPr/>
-        </p:nvPicPr>
-        <p:blipFill>
-          <a:blip r:embed="rId4" cstate="print">
-            <a:extLst>
-              <a:ext uri="{28A0092B-C50C-407E-A947-70E740481C1C}">
-                <a14:useLocalDpi xmlns:a14="http://schemas.microsoft.com/office/drawing/2010/main" val="0"/>
-              </a:ext>
-            </a:extLst>
-          </a:blip>
-          <a:srcRect/>
-          <a:stretch>
-            <a:fillRect/>
-          </a:stretch>
-        </p:blipFill>
-        <p:spPr bwMode="auto">
-          <a:xfrm rot="16200000">
-            <a:off x="4337252" y="5673246"/>
+            <a:off x="5796788" y="3317172"/>
             <a:ext cx="138049" cy="240307"/>
           </a:xfrm>
           <a:prstGeom prst="rect">
@@ -5916,48 +5793,7 @@
         </p:blipFill>
         <p:spPr bwMode="auto">
           <a:xfrm rot="16200000">
-            <a:off x="4695707" y="5673247"/>
-            <a:ext cx="138049" cy="240307"/>
-          </a:xfrm>
-          <a:prstGeom prst="rect">
-            <a:avLst/>
-          </a:prstGeom>
-          <a:noFill/>
-          <a:extLst>
-            <a:ext uri="{909E8E84-426E-40DD-AFC4-6F175D3DCCD1}">
-              <a14:hiddenFill xmlns:a14="http://schemas.microsoft.com/office/drawing/2010/main">
-                <a:solidFill>
-                  <a:srgbClr val="FFFFFF"/>
-                </a:solidFill>
-              </a14:hiddenFill>
-            </a:ext>
-          </a:extLst>
-        </p:spPr>
-      </p:pic>
-      <p:pic>
-        <p:nvPicPr>
-          <p:cNvPr id="40" name="Picture 3" descr="C:\Users\anhorni\Desktop\logitech-laptop-headset-h555.png"/>
-          <p:cNvPicPr>
-            <a:picLocks noChangeAspect="1" noChangeArrowheads="1"/>
-          </p:cNvPicPr>
-          <p:nvPr/>
-        </p:nvPicPr>
-        <p:blipFill>
-          <a:blip r:embed="rId4" cstate="print">
-            <a:extLst>
-              <a:ext uri="{28A0092B-C50C-407E-A947-70E740481C1C}">
-                <a14:useLocalDpi xmlns:a14="http://schemas.microsoft.com/office/drawing/2010/main" val="0"/>
-              </a:ext>
-            </a:extLst>
-          </a:blip>
-          <a:srcRect/>
-          <a:stretch>
-            <a:fillRect/>
-          </a:stretch>
-        </p:blipFill>
-        <p:spPr bwMode="auto">
-          <a:xfrm rot="16200000">
-            <a:off x="7576027" y="2776550"/>
+            <a:off x="4360200" y="6193705"/>
             <a:ext cx="138049" cy="240307"/>
           </a:xfrm>
           <a:prstGeom prst="rect">
@@ -5998,7 +5834,7 @@
         </p:blipFill>
         <p:spPr bwMode="auto">
           <a:xfrm rot="16200000">
-            <a:off x="8164544" y="2768719"/>
+            <a:off x="7921149" y="2881338"/>
             <a:ext cx="138049" cy="240307"/>
           </a:xfrm>
           <a:prstGeom prst="rect">
@@ -6039,7 +5875,7 @@
         </p:blipFill>
         <p:spPr bwMode="auto">
           <a:xfrm rot="16200000">
-            <a:off x="4323940" y="5169191"/>
+            <a:off x="4323940" y="5689649"/>
             <a:ext cx="138049" cy="240307"/>
           </a:xfrm>
           <a:prstGeom prst="rect">
@@ -6080,7 +5916,7 @@
         </p:blipFill>
         <p:spPr bwMode="auto">
           <a:xfrm rot="16200000">
-            <a:off x="6176543" y="2336312"/>
+            <a:off x="5781316" y="2841252"/>
             <a:ext cx="138049" cy="240307"/>
           </a:xfrm>
           <a:prstGeom prst="rect">
@@ -6121,7 +5957,7 @@
         </p:blipFill>
         <p:spPr bwMode="auto">
           <a:xfrm rot="16200000">
-            <a:off x="2996637" y="2335176"/>
+            <a:off x="2996637" y="2855634"/>
             <a:ext cx="138049" cy="240307"/>
           </a:xfrm>
           <a:prstGeom prst="rect">
@@ -6139,2535 +5975,9 @@
           </a:extLst>
         </p:spPr>
       </p:pic>
-      <p:grpSp>
-        <p:nvGrpSpPr>
-          <p:cNvPr id="45" name="Group 44"/>
-          <p:cNvGrpSpPr/>
-          <p:nvPr/>
-        </p:nvGrpSpPr>
-        <p:grpSpPr>
-          <a:xfrm>
-            <a:off x="3210501" y="6027315"/>
-            <a:ext cx="881199" cy="1038030"/>
-            <a:chOff x="457939" y="4797152"/>
-            <a:chExt cx="881199" cy="1038030"/>
-          </a:xfrm>
-        </p:grpSpPr>
-        <p:pic>
-          <p:nvPicPr>
-            <p:cNvPr id="46" name="Picture 4" descr="C:\Users\anhorni\Desktop\Picture1.png"/>
-            <p:cNvPicPr>
-              <a:picLocks noChangeAspect="1" noChangeArrowheads="1"/>
-            </p:cNvPicPr>
-            <p:nvPr/>
-          </p:nvPicPr>
-          <p:blipFill>
-            <a:blip r:embed="rId3">
-              <a:extLst>
-                <a:ext uri="{28A0092B-C50C-407E-A947-70E740481C1C}">
-                  <a14:useLocalDpi xmlns:a14="http://schemas.microsoft.com/office/drawing/2010/main" val="0"/>
-                </a:ext>
-              </a:extLst>
-            </a:blip>
-            <a:srcRect/>
-            <a:stretch>
-              <a:fillRect/>
-            </a:stretch>
-          </p:blipFill>
-          <p:spPr bwMode="auto">
-            <a:xfrm rot="16200000">
-              <a:off x="420136" y="4955108"/>
-              <a:ext cx="712787" cy="396875"/>
-            </a:xfrm>
-            <a:prstGeom prst="rect">
-              <a:avLst/>
-            </a:prstGeom>
-            <a:noFill/>
-            <a:extLst>
-              <a:ext uri="{909E8E84-426E-40DD-AFC4-6F175D3DCCD1}">
-                <a14:hiddenFill xmlns:a14="http://schemas.microsoft.com/office/drawing/2010/main">
-                  <a:solidFill>
-                    <a:srgbClr val="FFFFFF"/>
-                  </a:solidFill>
-                </a14:hiddenFill>
-              </a:ext>
-            </a:extLst>
-          </p:spPr>
-        </p:pic>
-        <p:sp>
-          <p:nvSpPr>
-            <p:cNvPr id="47" name="Rounded Rectangle 46"/>
-            <p:cNvSpPr/>
-            <p:nvPr/>
-          </p:nvSpPr>
-          <p:spPr bwMode="auto">
-            <a:xfrm>
-              <a:off x="457939" y="5373216"/>
-              <a:ext cx="881199" cy="461966"/>
-            </a:xfrm>
-            <a:prstGeom prst="roundRect">
-              <a:avLst/>
-            </a:prstGeom>
-            <a:solidFill>
-              <a:schemeClr val="bg1"/>
-            </a:solidFill>
-            <a:ln w="19050" cap="flat" cmpd="sng" algn="ctr">
-              <a:solidFill>
-                <a:schemeClr val="tx1"/>
-              </a:solidFill>
-              <a:prstDash val="solid"/>
-              <a:round/>
-              <a:headEnd type="none" w="med" len="med"/>
-              <a:tailEnd type="none" w="med" len="med"/>
-            </a:ln>
-            <a:effectLst/>
-          </p:spPr>
-          <p:style>
-            <a:lnRef idx="1">
-              <a:schemeClr val="accent1"/>
-            </a:lnRef>
-            <a:fillRef idx="3">
-              <a:schemeClr val="accent1"/>
-            </a:fillRef>
-            <a:effectRef idx="2">
-              <a:schemeClr val="accent1"/>
-            </a:effectRef>
-            <a:fontRef idx="minor">
-              <a:schemeClr val="lt1"/>
-            </a:fontRef>
-          </p:style>
-          <p:txBody>
-            <a:bodyPr anchor="ctr"/>
-            <a:lstStyle>
-              <a:lvl1pPr eaLnBrk="0" hangingPunct="0">
-                <a:defRPr sz="2400">
-                  <a:solidFill>
-                    <a:schemeClr val="tx1"/>
-                  </a:solidFill>
-                  <a:latin typeface="Arial" charset="0"/>
-                  <a:ea typeface="ＭＳ Ｐゴシック" charset="-128"/>
-                </a:defRPr>
-              </a:lvl1pPr>
-              <a:lvl2pPr marL="37931725" indent="-37474525" eaLnBrk="0" hangingPunct="0">
-                <a:defRPr sz="2400">
-                  <a:solidFill>
-                    <a:schemeClr val="tx1"/>
-                  </a:solidFill>
-                  <a:latin typeface="Arial" charset="0"/>
-                  <a:ea typeface="ＭＳ Ｐゴシック" charset="-128"/>
-                </a:defRPr>
-              </a:lvl2pPr>
-              <a:lvl3pPr eaLnBrk="0" hangingPunct="0">
-                <a:defRPr sz="2400">
-                  <a:solidFill>
-                    <a:schemeClr val="tx1"/>
-                  </a:solidFill>
-                  <a:latin typeface="Arial" charset="0"/>
-                  <a:ea typeface="ＭＳ Ｐゴシック" charset="-128"/>
-                </a:defRPr>
-              </a:lvl3pPr>
-              <a:lvl4pPr eaLnBrk="0" hangingPunct="0">
-                <a:defRPr sz="2400">
-                  <a:solidFill>
-                    <a:schemeClr val="tx1"/>
-                  </a:solidFill>
-                  <a:latin typeface="Arial" charset="0"/>
-                  <a:ea typeface="ＭＳ Ｐゴシック" charset="-128"/>
-                </a:defRPr>
-              </a:lvl4pPr>
-              <a:lvl5pPr eaLnBrk="0" hangingPunct="0">
-                <a:defRPr sz="2400">
-                  <a:solidFill>
-                    <a:schemeClr val="tx1"/>
-                  </a:solidFill>
-                  <a:latin typeface="Arial" charset="0"/>
-                  <a:ea typeface="ＭＳ Ｐゴシック" charset="-128"/>
-                </a:defRPr>
-              </a:lvl5pPr>
-              <a:lvl6pPr marL="457200" eaLnBrk="0" fontAlgn="base" hangingPunct="0">
-                <a:spcBef>
-                  <a:spcPct val="0"/>
-                </a:spcBef>
-                <a:spcAft>
-                  <a:spcPct val="0"/>
-                </a:spcAft>
-                <a:defRPr sz="2400">
-                  <a:solidFill>
-                    <a:schemeClr val="tx1"/>
-                  </a:solidFill>
-                  <a:latin typeface="Arial" charset="0"/>
-                  <a:ea typeface="ＭＳ Ｐゴシック" charset="-128"/>
-                </a:defRPr>
-              </a:lvl6pPr>
-              <a:lvl7pPr marL="914400" eaLnBrk="0" fontAlgn="base" hangingPunct="0">
-                <a:spcBef>
-                  <a:spcPct val="0"/>
-                </a:spcBef>
-                <a:spcAft>
-                  <a:spcPct val="0"/>
-                </a:spcAft>
-                <a:defRPr sz="2400">
-                  <a:solidFill>
-                    <a:schemeClr val="tx1"/>
-                  </a:solidFill>
-                  <a:latin typeface="Arial" charset="0"/>
-                  <a:ea typeface="ＭＳ Ｐゴシック" charset="-128"/>
-                </a:defRPr>
-              </a:lvl7pPr>
-              <a:lvl8pPr marL="1371600" eaLnBrk="0" fontAlgn="base" hangingPunct="0">
-                <a:spcBef>
-                  <a:spcPct val="0"/>
-                </a:spcBef>
-                <a:spcAft>
-                  <a:spcPct val="0"/>
-                </a:spcAft>
-                <a:defRPr sz="2400">
-                  <a:solidFill>
-                    <a:schemeClr val="tx1"/>
-                  </a:solidFill>
-                  <a:latin typeface="Arial" charset="0"/>
-                  <a:ea typeface="ＭＳ Ｐゴシック" charset="-128"/>
-                </a:defRPr>
-              </a:lvl8pPr>
-              <a:lvl9pPr marL="1828800" eaLnBrk="0" fontAlgn="base" hangingPunct="0">
-                <a:spcBef>
-                  <a:spcPct val="0"/>
-                </a:spcBef>
-                <a:spcAft>
-                  <a:spcPct val="0"/>
-                </a:spcAft>
-                <a:defRPr sz="2400">
-                  <a:solidFill>
-                    <a:schemeClr val="tx1"/>
-                  </a:solidFill>
-                  <a:latin typeface="Arial" charset="0"/>
-                  <a:ea typeface="ＭＳ Ｐゴシック" charset="-128"/>
-                </a:defRPr>
-              </a:lvl9pPr>
-            </a:lstStyle>
-            <a:p>
-              <a:pPr algn="ctr" eaLnBrk="1" hangingPunct="1"/>
-              <a:r>
-                <a:rPr lang="en-US" altLang="en-US" sz="1200" dirty="0" smtClean="0">
-                  <a:cs typeface="Arial" charset="0"/>
-                </a:rPr>
-                <a:t>selectors</a:t>
-              </a:r>
-              <a:endParaRPr lang="en-US" altLang="en-US" sz="1200" dirty="0">
-                <a:cs typeface="Arial" charset="0"/>
-              </a:endParaRPr>
-            </a:p>
-          </p:txBody>
-        </p:sp>
-      </p:grpSp>
-      <p:sp>
-        <p:nvSpPr>
-          <p:cNvPr id="50" name="Rounded Rectangle 49"/>
-          <p:cNvSpPr/>
-          <p:nvPr/>
-        </p:nvSpPr>
-        <p:spPr bwMode="auto">
-          <a:xfrm>
-            <a:off x="3901376" y="6990767"/>
-            <a:ext cx="983509" cy="438260"/>
-          </a:xfrm>
-          <a:prstGeom prst="roundRect">
-            <a:avLst/>
-          </a:prstGeom>
-          <a:solidFill>
-            <a:schemeClr val="bg1"/>
-          </a:solidFill>
-          <a:ln w="19050" cap="flat" cmpd="sng" algn="ctr">
-            <a:solidFill>
-              <a:schemeClr val="tx1"/>
-            </a:solidFill>
-            <a:prstDash val="solid"/>
-            <a:round/>
-            <a:headEnd type="none" w="med" len="med"/>
-            <a:tailEnd type="none" w="med" len="med"/>
-          </a:ln>
-          <a:effectLst/>
-        </p:spPr>
-        <p:style>
-          <a:lnRef idx="1">
-            <a:schemeClr val="accent1"/>
-          </a:lnRef>
-          <a:fillRef idx="3">
-            <a:schemeClr val="accent1"/>
-          </a:fillRef>
-          <a:effectRef idx="2">
-            <a:schemeClr val="accent1"/>
-          </a:effectRef>
-          <a:fontRef idx="minor">
-            <a:schemeClr val="lt1"/>
-          </a:fontRef>
-        </p:style>
-        <p:txBody>
-          <a:bodyPr anchor="ctr"/>
-          <a:lstStyle>
-            <a:lvl1pPr eaLnBrk="0" hangingPunct="0">
-              <a:defRPr sz="2400">
-                <a:solidFill>
-                  <a:schemeClr val="tx1"/>
-                </a:solidFill>
-                <a:latin typeface="Arial" charset="0"/>
-                <a:ea typeface="ＭＳ Ｐゴシック" charset="-128"/>
-              </a:defRPr>
-            </a:lvl1pPr>
-            <a:lvl2pPr marL="37931725" indent="-37474525" eaLnBrk="0" hangingPunct="0">
-              <a:defRPr sz="2400">
-                <a:solidFill>
-                  <a:schemeClr val="tx1"/>
-                </a:solidFill>
-                <a:latin typeface="Arial" charset="0"/>
-                <a:ea typeface="ＭＳ Ｐゴシック" charset="-128"/>
-              </a:defRPr>
-            </a:lvl2pPr>
-            <a:lvl3pPr eaLnBrk="0" hangingPunct="0">
-              <a:defRPr sz="2400">
-                <a:solidFill>
-                  <a:schemeClr val="tx1"/>
-                </a:solidFill>
-                <a:latin typeface="Arial" charset="0"/>
-                <a:ea typeface="ＭＳ Ｐゴシック" charset="-128"/>
-              </a:defRPr>
-            </a:lvl3pPr>
-            <a:lvl4pPr eaLnBrk="0" hangingPunct="0">
-              <a:defRPr sz="2400">
-                <a:solidFill>
-                  <a:schemeClr val="tx1"/>
-                </a:solidFill>
-                <a:latin typeface="Arial" charset="0"/>
-                <a:ea typeface="ＭＳ Ｐゴシック" charset="-128"/>
-              </a:defRPr>
-            </a:lvl4pPr>
-            <a:lvl5pPr eaLnBrk="0" hangingPunct="0">
-              <a:defRPr sz="2400">
-                <a:solidFill>
-                  <a:schemeClr val="tx1"/>
-                </a:solidFill>
-                <a:latin typeface="Arial" charset="0"/>
-                <a:ea typeface="ＭＳ Ｐゴシック" charset="-128"/>
-              </a:defRPr>
-            </a:lvl5pPr>
-            <a:lvl6pPr marL="457200" eaLnBrk="0" fontAlgn="base" hangingPunct="0">
-              <a:spcBef>
-                <a:spcPct val="0"/>
-              </a:spcBef>
-              <a:spcAft>
-                <a:spcPct val="0"/>
-              </a:spcAft>
-              <a:defRPr sz="2400">
-                <a:solidFill>
-                  <a:schemeClr val="tx1"/>
-                </a:solidFill>
-                <a:latin typeface="Arial" charset="0"/>
-                <a:ea typeface="ＭＳ Ｐゴシック" charset="-128"/>
-              </a:defRPr>
-            </a:lvl6pPr>
-            <a:lvl7pPr marL="914400" eaLnBrk="0" fontAlgn="base" hangingPunct="0">
-              <a:spcBef>
-                <a:spcPct val="0"/>
-              </a:spcBef>
-              <a:spcAft>
-                <a:spcPct val="0"/>
-              </a:spcAft>
-              <a:defRPr sz="2400">
-                <a:solidFill>
-                  <a:schemeClr val="tx1"/>
-                </a:solidFill>
-                <a:latin typeface="Arial" charset="0"/>
-                <a:ea typeface="ＭＳ Ｐゴシック" charset="-128"/>
-              </a:defRPr>
-            </a:lvl7pPr>
-            <a:lvl8pPr marL="1371600" eaLnBrk="0" fontAlgn="base" hangingPunct="0">
-              <a:spcBef>
-                <a:spcPct val="0"/>
-              </a:spcBef>
-              <a:spcAft>
-                <a:spcPct val="0"/>
-              </a:spcAft>
-              <a:defRPr sz="2400">
-                <a:solidFill>
-                  <a:schemeClr val="tx1"/>
-                </a:solidFill>
-                <a:latin typeface="Arial" charset="0"/>
-                <a:ea typeface="ＭＳ Ｐゴシック" charset="-128"/>
-              </a:defRPr>
-            </a:lvl8pPr>
-            <a:lvl9pPr marL="1828800" eaLnBrk="0" fontAlgn="base" hangingPunct="0">
-              <a:spcBef>
-                <a:spcPct val="0"/>
-              </a:spcBef>
-              <a:spcAft>
-                <a:spcPct val="0"/>
-              </a:spcAft>
-              <a:defRPr sz="2400">
-                <a:solidFill>
-                  <a:schemeClr val="tx1"/>
-                </a:solidFill>
-                <a:latin typeface="Arial" charset="0"/>
-                <a:ea typeface="ＭＳ Ｐゴシック" charset="-128"/>
-              </a:defRPr>
-            </a:lvl9pPr>
-          </a:lstStyle>
-          <a:p>
-            <a:pPr algn="ctr" eaLnBrk="1" hangingPunct="1"/>
-            <a:r>
-              <a:rPr lang="en-US" altLang="en-US" sz="1200" dirty="0">
-                <a:cs typeface="Arial" charset="0"/>
-              </a:rPr>
-              <a:t>t</a:t>
-            </a:r>
-            <a:r>
-              <a:rPr lang="en-US" altLang="en-US" sz="1200" dirty="0" smtClean="0">
-                <a:cs typeface="Arial" charset="0"/>
-              </a:rPr>
-              <a:t>ime</a:t>
-            </a:r>
-          </a:p>
-          <a:p>
-            <a:pPr algn="ctr" eaLnBrk="1" hangingPunct="1"/>
-            <a:r>
-              <a:rPr lang="en-US" altLang="en-US" sz="1200" dirty="0">
-                <a:cs typeface="Arial" charset="0"/>
-              </a:rPr>
-              <a:t>innovation</a:t>
-            </a:r>
-            <a:endParaRPr lang="en-US" altLang="en-US" sz="1200" dirty="0">
-              <a:cs typeface="Arial" charset="0"/>
-            </a:endParaRPr>
-          </a:p>
-        </p:txBody>
-      </p:sp>
-      <p:grpSp>
-        <p:nvGrpSpPr>
-          <p:cNvPr id="51" name="Group 50"/>
-          <p:cNvGrpSpPr/>
-          <p:nvPr/>
-        </p:nvGrpSpPr>
-        <p:grpSpPr>
-          <a:xfrm>
-            <a:off x="3901377" y="5796384"/>
-            <a:ext cx="950104" cy="1038030"/>
-            <a:chOff x="389035" y="4797152"/>
-            <a:chExt cx="950104" cy="1038030"/>
-          </a:xfrm>
-        </p:grpSpPr>
-        <p:pic>
-          <p:nvPicPr>
-            <p:cNvPr id="52" name="Picture 4" descr="C:\Users\anhorni\Desktop\Picture1.png"/>
-            <p:cNvPicPr>
-              <a:picLocks noChangeAspect="1" noChangeArrowheads="1"/>
-            </p:cNvPicPr>
-            <p:nvPr/>
-          </p:nvPicPr>
-          <p:blipFill>
-            <a:blip r:embed="rId3">
-              <a:extLst>
-                <a:ext uri="{28A0092B-C50C-407E-A947-70E740481C1C}">
-                  <a14:useLocalDpi xmlns:a14="http://schemas.microsoft.com/office/drawing/2010/main" val="0"/>
-                </a:ext>
-              </a:extLst>
-            </a:blip>
-            <a:srcRect/>
-            <a:stretch>
-              <a:fillRect/>
-            </a:stretch>
-          </p:blipFill>
-          <p:spPr bwMode="auto">
-            <a:xfrm rot="16200000">
-              <a:off x="420136" y="4955108"/>
-              <a:ext cx="712787" cy="396875"/>
-            </a:xfrm>
-            <a:prstGeom prst="rect">
-              <a:avLst/>
-            </a:prstGeom>
-            <a:noFill/>
-            <a:extLst>
-              <a:ext uri="{909E8E84-426E-40DD-AFC4-6F175D3DCCD1}">
-                <a14:hiddenFill xmlns:a14="http://schemas.microsoft.com/office/drawing/2010/main">
-                  <a:solidFill>
-                    <a:srgbClr val="FFFFFF"/>
-                  </a:solidFill>
-                </a14:hiddenFill>
-              </a:ext>
-            </a:extLst>
-          </p:spPr>
-        </p:pic>
-        <p:sp>
-          <p:nvSpPr>
-            <p:cNvPr id="53" name="Rounded Rectangle 52"/>
-            <p:cNvSpPr/>
-            <p:nvPr/>
-          </p:nvSpPr>
-          <p:spPr bwMode="auto">
-            <a:xfrm>
-              <a:off x="389035" y="5373216"/>
-              <a:ext cx="950104" cy="461966"/>
-            </a:xfrm>
-            <a:prstGeom prst="roundRect">
-              <a:avLst/>
-            </a:prstGeom>
-            <a:solidFill>
-              <a:schemeClr val="bg1"/>
-            </a:solidFill>
-            <a:ln w="19050" cap="flat" cmpd="sng" algn="ctr">
-              <a:solidFill>
-                <a:schemeClr val="tx1"/>
-              </a:solidFill>
-              <a:prstDash val="solid"/>
-              <a:round/>
-              <a:headEnd type="none" w="med" len="med"/>
-              <a:tailEnd type="none" w="med" len="med"/>
-            </a:ln>
-            <a:effectLst/>
-          </p:spPr>
-          <p:style>
-            <a:lnRef idx="1">
-              <a:schemeClr val="accent1"/>
-            </a:lnRef>
-            <a:fillRef idx="3">
-              <a:schemeClr val="accent1"/>
-            </a:fillRef>
-            <a:effectRef idx="2">
-              <a:schemeClr val="accent1"/>
-            </a:effectRef>
-            <a:fontRef idx="minor">
-              <a:schemeClr val="lt1"/>
-            </a:fontRef>
-          </p:style>
-          <p:txBody>
-            <a:bodyPr anchor="ctr"/>
-            <a:lstStyle>
-              <a:lvl1pPr eaLnBrk="0" hangingPunct="0">
-                <a:defRPr sz="2400">
-                  <a:solidFill>
-                    <a:schemeClr val="tx1"/>
-                  </a:solidFill>
-                  <a:latin typeface="Arial" charset="0"/>
-                  <a:ea typeface="ＭＳ Ｐゴシック" charset="-128"/>
-                </a:defRPr>
-              </a:lvl1pPr>
-              <a:lvl2pPr marL="37931725" indent="-37474525" eaLnBrk="0" hangingPunct="0">
-                <a:defRPr sz="2400">
-                  <a:solidFill>
-                    <a:schemeClr val="tx1"/>
-                  </a:solidFill>
-                  <a:latin typeface="Arial" charset="0"/>
-                  <a:ea typeface="ＭＳ Ｐゴシック" charset="-128"/>
-                </a:defRPr>
-              </a:lvl2pPr>
-              <a:lvl3pPr eaLnBrk="0" hangingPunct="0">
-                <a:defRPr sz="2400">
-                  <a:solidFill>
-                    <a:schemeClr val="tx1"/>
-                  </a:solidFill>
-                  <a:latin typeface="Arial" charset="0"/>
-                  <a:ea typeface="ＭＳ Ｐゴシック" charset="-128"/>
-                </a:defRPr>
-              </a:lvl3pPr>
-              <a:lvl4pPr eaLnBrk="0" hangingPunct="0">
-                <a:defRPr sz="2400">
-                  <a:solidFill>
-                    <a:schemeClr val="tx1"/>
-                  </a:solidFill>
-                  <a:latin typeface="Arial" charset="0"/>
-                  <a:ea typeface="ＭＳ Ｐゴシック" charset="-128"/>
-                </a:defRPr>
-              </a:lvl4pPr>
-              <a:lvl5pPr eaLnBrk="0" hangingPunct="0">
-                <a:defRPr sz="2400">
-                  <a:solidFill>
-                    <a:schemeClr val="tx1"/>
-                  </a:solidFill>
-                  <a:latin typeface="Arial" charset="0"/>
-                  <a:ea typeface="ＭＳ Ｐゴシック" charset="-128"/>
-                </a:defRPr>
-              </a:lvl5pPr>
-              <a:lvl6pPr marL="457200" eaLnBrk="0" fontAlgn="base" hangingPunct="0">
-                <a:spcBef>
-                  <a:spcPct val="0"/>
-                </a:spcBef>
-                <a:spcAft>
-                  <a:spcPct val="0"/>
-                </a:spcAft>
-                <a:defRPr sz="2400">
-                  <a:solidFill>
-                    <a:schemeClr val="tx1"/>
-                  </a:solidFill>
-                  <a:latin typeface="Arial" charset="0"/>
-                  <a:ea typeface="ＭＳ Ｐゴシック" charset="-128"/>
-                </a:defRPr>
-              </a:lvl6pPr>
-              <a:lvl7pPr marL="914400" eaLnBrk="0" fontAlgn="base" hangingPunct="0">
-                <a:spcBef>
-                  <a:spcPct val="0"/>
-                </a:spcBef>
-                <a:spcAft>
-                  <a:spcPct val="0"/>
-                </a:spcAft>
-                <a:defRPr sz="2400">
-                  <a:solidFill>
-                    <a:schemeClr val="tx1"/>
-                  </a:solidFill>
-                  <a:latin typeface="Arial" charset="0"/>
-                  <a:ea typeface="ＭＳ Ｐゴシック" charset="-128"/>
-                </a:defRPr>
-              </a:lvl7pPr>
-              <a:lvl8pPr marL="1371600" eaLnBrk="0" fontAlgn="base" hangingPunct="0">
-                <a:spcBef>
-                  <a:spcPct val="0"/>
-                </a:spcBef>
-                <a:spcAft>
-                  <a:spcPct val="0"/>
-                </a:spcAft>
-                <a:defRPr sz="2400">
-                  <a:solidFill>
-                    <a:schemeClr val="tx1"/>
-                  </a:solidFill>
-                  <a:latin typeface="Arial" charset="0"/>
-                  <a:ea typeface="ＭＳ Ｐゴシック" charset="-128"/>
-                </a:defRPr>
-              </a:lvl8pPr>
-              <a:lvl9pPr marL="1828800" eaLnBrk="0" fontAlgn="base" hangingPunct="0">
-                <a:spcBef>
-                  <a:spcPct val="0"/>
-                </a:spcBef>
-                <a:spcAft>
-                  <a:spcPct val="0"/>
-                </a:spcAft>
-                <a:defRPr sz="2400">
-                  <a:solidFill>
-                    <a:schemeClr val="tx1"/>
-                  </a:solidFill>
-                  <a:latin typeface="Arial" charset="0"/>
-                  <a:ea typeface="ＭＳ Ｐゴシック" charset="-128"/>
-                </a:defRPr>
-              </a:lvl9pPr>
-            </a:lstStyle>
-            <a:p>
-              <a:pPr algn="ctr" eaLnBrk="1" hangingPunct="1"/>
-              <a:r>
-                <a:rPr lang="en-US" altLang="en-US" sz="1200" dirty="0" smtClean="0">
-                  <a:cs typeface="Arial" charset="0"/>
-                </a:rPr>
-                <a:t>route</a:t>
-              </a:r>
-            </a:p>
-            <a:p>
-              <a:pPr algn="ctr" eaLnBrk="1" hangingPunct="1"/>
-              <a:r>
-                <a:rPr lang="en-US" altLang="en-US" sz="1200" dirty="0" smtClean="0">
-                  <a:cs typeface="Arial" charset="0"/>
-                </a:rPr>
-                <a:t>innovation</a:t>
-              </a:r>
-              <a:endParaRPr lang="en-US" altLang="en-US" sz="1200" dirty="0">
-                <a:cs typeface="Arial" charset="0"/>
-              </a:endParaRPr>
-            </a:p>
-          </p:txBody>
-        </p:sp>
-      </p:grpSp>
-      <p:sp>
-        <p:nvSpPr>
-          <p:cNvPr id="56" name="Rounded Rectangle 55"/>
-          <p:cNvSpPr/>
-          <p:nvPr/>
-        </p:nvSpPr>
-        <p:spPr bwMode="auto">
-          <a:xfrm>
-            <a:off x="3185815" y="7198044"/>
-            <a:ext cx="946232" cy="461966"/>
-          </a:xfrm>
-          <a:prstGeom prst="roundRect">
-            <a:avLst/>
-          </a:prstGeom>
-          <a:solidFill>
-            <a:schemeClr val="bg1"/>
-          </a:solidFill>
-          <a:ln w="19050" cap="flat" cmpd="sng" algn="ctr">
-            <a:solidFill>
-              <a:schemeClr val="tx1"/>
-            </a:solidFill>
-            <a:prstDash val="solid"/>
-            <a:round/>
-            <a:headEnd type="none" w="med" len="med"/>
-            <a:tailEnd type="none" w="med" len="med"/>
-          </a:ln>
-          <a:effectLst/>
-        </p:spPr>
-        <p:style>
-          <a:lnRef idx="1">
-            <a:schemeClr val="accent1"/>
-          </a:lnRef>
-          <a:fillRef idx="3">
-            <a:schemeClr val="accent1"/>
-          </a:fillRef>
-          <a:effectRef idx="2">
-            <a:schemeClr val="accent1"/>
-          </a:effectRef>
-          <a:fontRef idx="minor">
-            <a:schemeClr val="lt1"/>
-          </a:fontRef>
-        </p:style>
-        <p:txBody>
-          <a:bodyPr anchor="ctr"/>
-          <a:lstStyle>
-            <a:lvl1pPr eaLnBrk="0" hangingPunct="0">
-              <a:defRPr sz="2400">
-                <a:solidFill>
-                  <a:schemeClr val="tx1"/>
-                </a:solidFill>
-                <a:latin typeface="Arial" charset="0"/>
-                <a:ea typeface="ＭＳ Ｐゴシック" charset="-128"/>
-              </a:defRPr>
-            </a:lvl1pPr>
-            <a:lvl2pPr marL="37931725" indent="-37474525" eaLnBrk="0" hangingPunct="0">
-              <a:defRPr sz="2400">
-                <a:solidFill>
-                  <a:schemeClr val="tx1"/>
-                </a:solidFill>
-                <a:latin typeface="Arial" charset="0"/>
-                <a:ea typeface="ＭＳ Ｐゴシック" charset="-128"/>
-              </a:defRPr>
-            </a:lvl2pPr>
-            <a:lvl3pPr eaLnBrk="0" hangingPunct="0">
-              <a:defRPr sz="2400">
-                <a:solidFill>
-                  <a:schemeClr val="tx1"/>
-                </a:solidFill>
-                <a:latin typeface="Arial" charset="0"/>
-                <a:ea typeface="ＭＳ Ｐゴシック" charset="-128"/>
-              </a:defRPr>
-            </a:lvl3pPr>
-            <a:lvl4pPr eaLnBrk="0" hangingPunct="0">
-              <a:defRPr sz="2400">
-                <a:solidFill>
-                  <a:schemeClr val="tx1"/>
-                </a:solidFill>
-                <a:latin typeface="Arial" charset="0"/>
-                <a:ea typeface="ＭＳ Ｐゴシック" charset="-128"/>
-              </a:defRPr>
-            </a:lvl4pPr>
-            <a:lvl5pPr eaLnBrk="0" hangingPunct="0">
-              <a:defRPr sz="2400">
-                <a:solidFill>
-                  <a:schemeClr val="tx1"/>
-                </a:solidFill>
-                <a:latin typeface="Arial" charset="0"/>
-                <a:ea typeface="ＭＳ Ｐゴシック" charset="-128"/>
-              </a:defRPr>
-            </a:lvl5pPr>
-            <a:lvl6pPr marL="457200" eaLnBrk="0" fontAlgn="base" hangingPunct="0">
-              <a:spcBef>
-                <a:spcPct val="0"/>
-              </a:spcBef>
-              <a:spcAft>
-                <a:spcPct val="0"/>
-              </a:spcAft>
-              <a:defRPr sz="2400">
-                <a:solidFill>
-                  <a:schemeClr val="tx1"/>
-                </a:solidFill>
-                <a:latin typeface="Arial" charset="0"/>
-                <a:ea typeface="ＭＳ Ｐゴシック" charset="-128"/>
-              </a:defRPr>
-            </a:lvl6pPr>
-            <a:lvl7pPr marL="914400" eaLnBrk="0" fontAlgn="base" hangingPunct="0">
-              <a:spcBef>
-                <a:spcPct val="0"/>
-              </a:spcBef>
-              <a:spcAft>
-                <a:spcPct val="0"/>
-              </a:spcAft>
-              <a:defRPr sz="2400">
-                <a:solidFill>
-                  <a:schemeClr val="tx1"/>
-                </a:solidFill>
-                <a:latin typeface="Arial" charset="0"/>
-                <a:ea typeface="ＭＳ Ｐゴシック" charset="-128"/>
-              </a:defRPr>
-            </a:lvl7pPr>
-            <a:lvl8pPr marL="1371600" eaLnBrk="0" fontAlgn="base" hangingPunct="0">
-              <a:spcBef>
-                <a:spcPct val="0"/>
-              </a:spcBef>
-              <a:spcAft>
-                <a:spcPct val="0"/>
-              </a:spcAft>
-              <a:defRPr sz="2400">
-                <a:solidFill>
-                  <a:schemeClr val="tx1"/>
-                </a:solidFill>
-                <a:latin typeface="Arial" charset="0"/>
-                <a:ea typeface="ＭＳ Ｐゴシック" charset="-128"/>
-              </a:defRPr>
-            </a:lvl8pPr>
-            <a:lvl9pPr marL="1828800" eaLnBrk="0" fontAlgn="base" hangingPunct="0">
-              <a:spcBef>
-                <a:spcPct val="0"/>
-              </a:spcBef>
-              <a:spcAft>
-                <a:spcPct val="0"/>
-              </a:spcAft>
-              <a:defRPr sz="2400">
-                <a:solidFill>
-                  <a:schemeClr val="tx1"/>
-                </a:solidFill>
-                <a:latin typeface="Arial" charset="0"/>
-                <a:ea typeface="ＭＳ Ｐゴシック" charset="-128"/>
-              </a:defRPr>
-            </a:lvl9pPr>
-          </a:lstStyle>
-          <a:p>
-            <a:pPr algn="ctr" eaLnBrk="1" hangingPunct="1"/>
-            <a:r>
-              <a:rPr lang="en-US" altLang="en-US" sz="1200" dirty="0" smtClean="0">
-                <a:cs typeface="Arial" charset="0"/>
-              </a:rPr>
-              <a:t>mode</a:t>
-            </a:r>
-          </a:p>
-          <a:p>
-            <a:pPr algn="ctr" eaLnBrk="1" hangingPunct="1"/>
-            <a:r>
-              <a:rPr lang="en-US" altLang="en-US" sz="1200" dirty="0">
-                <a:cs typeface="Arial" charset="0"/>
-              </a:rPr>
-              <a:t>innovation</a:t>
-            </a:r>
-            <a:endParaRPr lang="en-US" altLang="en-US" sz="1200" dirty="0">
-              <a:cs typeface="Arial" charset="0"/>
-            </a:endParaRPr>
-          </a:p>
-        </p:txBody>
-      </p:sp>
-      <p:sp>
-        <p:nvSpPr>
-          <p:cNvPr id="62" name="Rounded Rectangle 61"/>
-          <p:cNvSpPr/>
-          <p:nvPr/>
-        </p:nvSpPr>
-        <p:spPr bwMode="auto">
-          <a:xfrm>
-            <a:off x="4644578" y="6891463"/>
-            <a:ext cx="881199" cy="461966"/>
-          </a:xfrm>
-          <a:prstGeom prst="roundRect">
-            <a:avLst/>
-          </a:prstGeom>
-          <a:solidFill>
-            <a:schemeClr val="bg1"/>
-          </a:solidFill>
-          <a:ln w="19050" cap="flat" cmpd="sng" algn="ctr">
-            <a:solidFill>
-              <a:schemeClr val="tx1"/>
-            </a:solidFill>
-            <a:prstDash val="solid"/>
-            <a:round/>
-            <a:headEnd type="none" w="med" len="med"/>
-            <a:tailEnd type="none" w="med" len="med"/>
-          </a:ln>
-          <a:effectLst/>
-        </p:spPr>
-        <p:style>
-          <a:lnRef idx="1">
-            <a:schemeClr val="accent1"/>
-          </a:lnRef>
-          <a:fillRef idx="3">
-            <a:schemeClr val="accent1"/>
-          </a:fillRef>
-          <a:effectRef idx="2">
-            <a:schemeClr val="accent1"/>
-          </a:effectRef>
-          <a:fontRef idx="minor">
-            <a:schemeClr val="lt1"/>
-          </a:fontRef>
-        </p:style>
-        <p:txBody>
-          <a:bodyPr anchor="ctr"/>
-          <a:lstStyle>
-            <a:lvl1pPr eaLnBrk="0" hangingPunct="0">
-              <a:defRPr sz="2400">
-                <a:solidFill>
-                  <a:schemeClr val="tx1"/>
-                </a:solidFill>
-                <a:latin typeface="Arial" charset="0"/>
-                <a:ea typeface="ＭＳ Ｐゴシック" charset="-128"/>
-              </a:defRPr>
-            </a:lvl1pPr>
-            <a:lvl2pPr marL="37931725" indent="-37474525" eaLnBrk="0" hangingPunct="0">
-              <a:defRPr sz="2400">
-                <a:solidFill>
-                  <a:schemeClr val="tx1"/>
-                </a:solidFill>
-                <a:latin typeface="Arial" charset="0"/>
-                <a:ea typeface="ＭＳ Ｐゴシック" charset="-128"/>
-              </a:defRPr>
-            </a:lvl2pPr>
-            <a:lvl3pPr eaLnBrk="0" hangingPunct="0">
-              <a:defRPr sz="2400">
-                <a:solidFill>
-                  <a:schemeClr val="tx1"/>
-                </a:solidFill>
-                <a:latin typeface="Arial" charset="0"/>
-                <a:ea typeface="ＭＳ Ｐゴシック" charset="-128"/>
-              </a:defRPr>
-            </a:lvl3pPr>
-            <a:lvl4pPr eaLnBrk="0" hangingPunct="0">
-              <a:defRPr sz="2400">
-                <a:solidFill>
-                  <a:schemeClr val="tx1"/>
-                </a:solidFill>
-                <a:latin typeface="Arial" charset="0"/>
-                <a:ea typeface="ＭＳ Ｐゴシック" charset="-128"/>
-              </a:defRPr>
-            </a:lvl4pPr>
-            <a:lvl5pPr eaLnBrk="0" hangingPunct="0">
-              <a:defRPr sz="2400">
-                <a:solidFill>
-                  <a:schemeClr val="tx1"/>
-                </a:solidFill>
-                <a:latin typeface="Arial" charset="0"/>
-                <a:ea typeface="ＭＳ Ｐゴシック" charset="-128"/>
-              </a:defRPr>
-            </a:lvl5pPr>
-            <a:lvl6pPr marL="457200" eaLnBrk="0" fontAlgn="base" hangingPunct="0">
-              <a:spcBef>
-                <a:spcPct val="0"/>
-              </a:spcBef>
-              <a:spcAft>
-                <a:spcPct val="0"/>
-              </a:spcAft>
-              <a:defRPr sz="2400">
-                <a:solidFill>
-                  <a:schemeClr val="tx1"/>
-                </a:solidFill>
-                <a:latin typeface="Arial" charset="0"/>
-                <a:ea typeface="ＭＳ Ｐゴシック" charset="-128"/>
-              </a:defRPr>
-            </a:lvl6pPr>
-            <a:lvl7pPr marL="914400" eaLnBrk="0" fontAlgn="base" hangingPunct="0">
-              <a:spcBef>
-                <a:spcPct val="0"/>
-              </a:spcBef>
-              <a:spcAft>
-                <a:spcPct val="0"/>
-              </a:spcAft>
-              <a:defRPr sz="2400">
-                <a:solidFill>
-                  <a:schemeClr val="tx1"/>
-                </a:solidFill>
-                <a:latin typeface="Arial" charset="0"/>
-                <a:ea typeface="ＭＳ Ｐゴシック" charset="-128"/>
-              </a:defRPr>
-            </a:lvl7pPr>
-            <a:lvl8pPr marL="1371600" eaLnBrk="0" fontAlgn="base" hangingPunct="0">
-              <a:spcBef>
-                <a:spcPct val="0"/>
-              </a:spcBef>
-              <a:spcAft>
-                <a:spcPct val="0"/>
-              </a:spcAft>
-              <a:defRPr sz="2400">
-                <a:solidFill>
-                  <a:schemeClr val="tx1"/>
-                </a:solidFill>
-                <a:latin typeface="Arial" charset="0"/>
-                <a:ea typeface="ＭＳ Ｐゴシック" charset="-128"/>
-              </a:defRPr>
-            </a:lvl8pPr>
-            <a:lvl9pPr marL="1828800" eaLnBrk="0" fontAlgn="base" hangingPunct="0">
-              <a:spcBef>
-                <a:spcPct val="0"/>
-              </a:spcBef>
-              <a:spcAft>
-                <a:spcPct val="0"/>
-              </a:spcAft>
-              <a:defRPr sz="2400">
-                <a:solidFill>
-                  <a:schemeClr val="tx1"/>
-                </a:solidFill>
-                <a:latin typeface="Arial" charset="0"/>
-                <a:ea typeface="ＭＳ Ｐゴシック" charset="-128"/>
-              </a:defRPr>
-            </a:lvl9pPr>
-          </a:lstStyle>
-          <a:p>
-            <a:pPr algn="ctr" eaLnBrk="1" hangingPunct="1"/>
-            <a:r>
-              <a:rPr lang="en-US" altLang="en-US" sz="1200" dirty="0" err="1" smtClean="0">
-                <a:cs typeface="Arial" charset="0"/>
-              </a:rPr>
-              <a:t>planomat</a:t>
-            </a:r>
-            <a:endParaRPr lang="en-US" altLang="en-US" sz="1200" dirty="0" smtClean="0">
-              <a:cs typeface="Arial" charset="0"/>
-            </a:endParaRPr>
-          </a:p>
-        </p:txBody>
-      </p:sp>
-      <p:grpSp>
-        <p:nvGrpSpPr>
-          <p:cNvPr id="63" name="Group 62"/>
-          <p:cNvGrpSpPr/>
-          <p:nvPr/>
-        </p:nvGrpSpPr>
-        <p:grpSpPr>
-          <a:xfrm>
-            <a:off x="5242940" y="2978625"/>
-            <a:ext cx="1002613" cy="1856969"/>
-            <a:chOff x="300125" y="3836642"/>
-            <a:chExt cx="1002613" cy="1856969"/>
-          </a:xfrm>
-        </p:grpSpPr>
-        <p:pic>
-          <p:nvPicPr>
-            <p:cNvPr id="64" name="Picture 4" descr="C:\Users\anhorni\Desktop\Picture1.png"/>
-            <p:cNvPicPr>
-              <a:picLocks noChangeAspect="1" noChangeArrowheads="1"/>
-            </p:cNvPicPr>
-            <p:nvPr/>
-          </p:nvPicPr>
-          <p:blipFill>
-            <a:blip r:embed="rId3">
-              <a:extLst>
-                <a:ext uri="{28A0092B-C50C-407E-A947-70E740481C1C}">
-                  <a14:useLocalDpi xmlns:a14="http://schemas.microsoft.com/office/drawing/2010/main" val="0"/>
-                </a:ext>
-              </a:extLst>
-            </a:blip>
-            <a:srcRect/>
-            <a:stretch>
-              <a:fillRect/>
-            </a:stretch>
-          </p:blipFill>
-          <p:spPr bwMode="auto">
-            <a:xfrm rot="16200000">
-              <a:off x="703096" y="3994598"/>
-              <a:ext cx="712787" cy="396875"/>
-            </a:xfrm>
-            <a:prstGeom prst="rect">
-              <a:avLst/>
-            </a:prstGeom>
-            <a:noFill/>
-            <a:extLst>
-              <a:ext uri="{909E8E84-426E-40DD-AFC4-6F175D3DCCD1}">
-                <a14:hiddenFill xmlns:a14="http://schemas.microsoft.com/office/drawing/2010/main">
-                  <a:solidFill>
-                    <a:srgbClr val="FFFFFF"/>
-                  </a:solidFill>
-                </a14:hiddenFill>
-              </a:ext>
-            </a:extLst>
-          </p:spPr>
-        </p:pic>
-        <p:sp>
-          <p:nvSpPr>
-            <p:cNvPr id="65" name="Rounded Rectangle 64"/>
-            <p:cNvSpPr/>
-            <p:nvPr/>
-          </p:nvSpPr>
-          <p:spPr bwMode="auto">
-            <a:xfrm>
-              <a:off x="300125" y="5231645"/>
-              <a:ext cx="1002613" cy="461966"/>
-            </a:xfrm>
-            <a:prstGeom prst="roundRect">
-              <a:avLst/>
-            </a:prstGeom>
-            <a:solidFill>
-              <a:schemeClr val="bg1"/>
-            </a:solidFill>
-            <a:ln w="19050" cap="flat" cmpd="sng" algn="ctr">
-              <a:solidFill>
-                <a:schemeClr val="tx1"/>
-              </a:solidFill>
-              <a:prstDash val="solid"/>
-              <a:round/>
-              <a:headEnd type="none" w="med" len="med"/>
-              <a:tailEnd type="none" w="med" len="med"/>
-            </a:ln>
-            <a:effectLst/>
-          </p:spPr>
-          <p:style>
-            <a:lnRef idx="1">
-              <a:schemeClr val="accent1"/>
-            </a:lnRef>
-            <a:fillRef idx="3">
-              <a:schemeClr val="accent1"/>
-            </a:fillRef>
-            <a:effectRef idx="2">
-              <a:schemeClr val="accent1"/>
-            </a:effectRef>
-            <a:fontRef idx="minor">
-              <a:schemeClr val="lt1"/>
-            </a:fontRef>
-          </p:style>
-          <p:txBody>
-            <a:bodyPr anchor="ctr"/>
-            <a:lstStyle>
-              <a:lvl1pPr eaLnBrk="0" hangingPunct="0">
-                <a:defRPr sz="2400">
-                  <a:solidFill>
-                    <a:schemeClr val="tx1"/>
-                  </a:solidFill>
-                  <a:latin typeface="Arial" charset="0"/>
-                  <a:ea typeface="ＭＳ Ｐゴシック" charset="-128"/>
-                </a:defRPr>
-              </a:lvl1pPr>
-              <a:lvl2pPr marL="37931725" indent="-37474525" eaLnBrk="0" hangingPunct="0">
-                <a:defRPr sz="2400">
-                  <a:solidFill>
-                    <a:schemeClr val="tx1"/>
-                  </a:solidFill>
-                  <a:latin typeface="Arial" charset="0"/>
-                  <a:ea typeface="ＭＳ Ｐゴシック" charset="-128"/>
-                </a:defRPr>
-              </a:lvl2pPr>
-              <a:lvl3pPr eaLnBrk="0" hangingPunct="0">
-                <a:defRPr sz="2400">
-                  <a:solidFill>
-                    <a:schemeClr val="tx1"/>
-                  </a:solidFill>
-                  <a:latin typeface="Arial" charset="0"/>
-                  <a:ea typeface="ＭＳ Ｐゴシック" charset="-128"/>
-                </a:defRPr>
-              </a:lvl3pPr>
-              <a:lvl4pPr eaLnBrk="0" hangingPunct="0">
-                <a:defRPr sz="2400">
-                  <a:solidFill>
-                    <a:schemeClr val="tx1"/>
-                  </a:solidFill>
-                  <a:latin typeface="Arial" charset="0"/>
-                  <a:ea typeface="ＭＳ Ｐゴシック" charset="-128"/>
-                </a:defRPr>
-              </a:lvl4pPr>
-              <a:lvl5pPr eaLnBrk="0" hangingPunct="0">
-                <a:defRPr sz="2400">
-                  <a:solidFill>
-                    <a:schemeClr val="tx1"/>
-                  </a:solidFill>
-                  <a:latin typeface="Arial" charset="0"/>
-                  <a:ea typeface="ＭＳ Ｐゴシック" charset="-128"/>
-                </a:defRPr>
-              </a:lvl5pPr>
-              <a:lvl6pPr marL="457200" eaLnBrk="0" fontAlgn="base" hangingPunct="0">
-                <a:spcBef>
-                  <a:spcPct val="0"/>
-                </a:spcBef>
-                <a:spcAft>
-                  <a:spcPct val="0"/>
-                </a:spcAft>
-                <a:defRPr sz="2400">
-                  <a:solidFill>
-                    <a:schemeClr val="tx1"/>
-                  </a:solidFill>
-                  <a:latin typeface="Arial" charset="0"/>
-                  <a:ea typeface="ＭＳ Ｐゴシック" charset="-128"/>
-                </a:defRPr>
-              </a:lvl6pPr>
-              <a:lvl7pPr marL="914400" eaLnBrk="0" fontAlgn="base" hangingPunct="0">
-                <a:spcBef>
-                  <a:spcPct val="0"/>
-                </a:spcBef>
-                <a:spcAft>
-                  <a:spcPct val="0"/>
-                </a:spcAft>
-                <a:defRPr sz="2400">
-                  <a:solidFill>
-                    <a:schemeClr val="tx1"/>
-                  </a:solidFill>
-                  <a:latin typeface="Arial" charset="0"/>
-                  <a:ea typeface="ＭＳ Ｐゴシック" charset="-128"/>
-                </a:defRPr>
-              </a:lvl7pPr>
-              <a:lvl8pPr marL="1371600" eaLnBrk="0" fontAlgn="base" hangingPunct="0">
-                <a:spcBef>
-                  <a:spcPct val="0"/>
-                </a:spcBef>
-                <a:spcAft>
-                  <a:spcPct val="0"/>
-                </a:spcAft>
-                <a:defRPr sz="2400">
-                  <a:solidFill>
-                    <a:schemeClr val="tx1"/>
-                  </a:solidFill>
-                  <a:latin typeface="Arial" charset="0"/>
-                  <a:ea typeface="ＭＳ Ｐゴシック" charset="-128"/>
-                </a:defRPr>
-              </a:lvl8pPr>
-              <a:lvl9pPr marL="1828800" eaLnBrk="0" fontAlgn="base" hangingPunct="0">
-                <a:spcBef>
-                  <a:spcPct val="0"/>
-                </a:spcBef>
-                <a:spcAft>
-                  <a:spcPct val="0"/>
-                </a:spcAft>
-                <a:defRPr sz="2400">
-                  <a:solidFill>
-                    <a:schemeClr val="tx1"/>
-                  </a:solidFill>
-                  <a:latin typeface="Arial" charset="0"/>
-                  <a:ea typeface="ＭＳ Ｐゴシック" charset="-128"/>
-                </a:defRPr>
-              </a:lvl9pPr>
-            </a:lstStyle>
-            <a:p>
-              <a:pPr algn="ctr" eaLnBrk="1" hangingPunct="1"/>
-              <a:r>
-                <a:rPr lang="en-US" altLang="en-US" sz="1200" dirty="0" smtClean="0">
-                  <a:cs typeface="Arial" charset="0"/>
-                </a:rPr>
-                <a:t>destination</a:t>
-              </a:r>
-            </a:p>
-            <a:p>
-              <a:pPr algn="ctr" eaLnBrk="1" hangingPunct="1"/>
-              <a:r>
-                <a:rPr lang="en-US" altLang="en-US" sz="1200" dirty="0" smtClean="0">
-                  <a:cs typeface="Arial" charset="0"/>
-                </a:rPr>
-                <a:t>choice</a:t>
-              </a:r>
-              <a:endParaRPr lang="en-US" altLang="en-US" sz="1200" dirty="0">
-                <a:cs typeface="Arial" charset="0"/>
-              </a:endParaRPr>
-            </a:p>
-          </p:txBody>
-        </p:sp>
-      </p:grpSp>
-      <p:sp>
-        <p:nvSpPr>
-          <p:cNvPr id="70" name="Rounded Rectangle 69"/>
-          <p:cNvSpPr/>
-          <p:nvPr/>
-        </p:nvSpPr>
-        <p:spPr bwMode="auto">
-          <a:xfrm>
-            <a:off x="1671176" y="1013938"/>
-            <a:ext cx="1066295" cy="461966"/>
-          </a:xfrm>
-          <a:prstGeom prst="roundRect">
-            <a:avLst/>
-          </a:prstGeom>
-          <a:solidFill>
-            <a:schemeClr val="bg1"/>
-          </a:solidFill>
-          <a:ln w="19050" cap="flat" cmpd="sng" algn="ctr">
-            <a:solidFill>
-              <a:schemeClr val="tx1"/>
-            </a:solidFill>
-            <a:prstDash val="solid"/>
-            <a:round/>
-            <a:headEnd type="none" w="med" len="med"/>
-            <a:tailEnd type="none" w="med" len="med"/>
-          </a:ln>
-          <a:effectLst/>
-        </p:spPr>
-        <p:style>
-          <a:lnRef idx="1">
-            <a:schemeClr val="accent1"/>
-          </a:lnRef>
-          <a:fillRef idx="3">
-            <a:schemeClr val="accent1"/>
-          </a:fillRef>
-          <a:effectRef idx="2">
-            <a:schemeClr val="accent1"/>
-          </a:effectRef>
-          <a:fontRef idx="minor">
-            <a:schemeClr val="lt1"/>
-          </a:fontRef>
-        </p:style>
-        <p:txBody>
-          <a:bodyPr anchor="ctr"/>
-          <a:lstStyle>
-            <a:lvl1pPr eaLnBrk="0" hangingPunct="0">
-              <a:defRPr sz="2400">
-                <a:solidFill>
-                  <a:schemeClr val="tx1"/>
-                </a:solidFill>
-                <a:latin typeface="Arial" charset="0"/>
-                <a:ea typeface="ＭＳ Ｐゴシック" charset="-128"/>
-              </a:defRPr>
-            </a:lvl1pPr>
-            <a:lvl2pPr marL="37931725" indent="-37474525" eaLnBrk="0" hangingPunct="0">
-              <a:defRPr sz="2400">
-                <a:solidFill>
-                  <a:schemeClr val="tx1"/>
-                </a:solidFill>
-                <a:latin typeface="Arial" charset="0"/>
-                <a:ea typeface="ＭＳ Ｐゴシック" charset="-128"/>
-              </a:defRPr>
-            </a:lvl2pPr>
-            <a:lvl3pPr eaLnBrk="0" hangingPunct="0">
-              <a:defRPr sz="2400">
-                <a:solidFill>
-                  <a:schemeClr val="tx1"/>
-                </a:solidFill>
-                <a:latin typeface="Arial" charset="0"/>
-                <a:ea typeface="ＭＳ Ｐゴシック" charset="-128"/>
-              </a:defRPr>
-            </a:lvl3pPr>
-            <a:lvl4pPr eaLnBrk="0" hangingPunct="0">
-              <a:defRPr sz="2400">
-                <a:solidFill>
-                  <a:schemeClr val="tx1"/>
-                </a:solidFill>
-                <a:latin typeface="Arial" charset="0"/>
-                <a:ea typeface="ＭＳ Ｐゴシック" charset="-128"/>
-              </a:defRPr>
-            </a:lvl4pPr>
-            <a:lvl5pPr eaLnBrk="0" hangingPunct="0">
-              <a:defRPr sz="2400">
-                <a:solidFill>
-                  <a:schemeClr val="tx1"/>
-                </a:solidFill>
-                <a:latin typeface="Arial" charset="0"/>
-                <a:ea typeface="ＭＳ Ｐゴシック" charset="-128"/>
-              </a:defRPr>
-            </a:lvl5pPr>
-            <a:lvl6pPr marL="457200" eaLnBrk="0" fontAlgn="base" hangingPunct="0">
-              <a:spcBef>
-                <a:spcPct val="0"/>
-              </a:spcBef>
-              <a:spcAft>
-                <a:spcPct val="0"/>
-              </a:spcAft>
-              <a:defRPr sz="2400">
-                <a:solidFill>
-                  <a:schemeClr val="tx1"/>
-                </a:solidFill>
-                <a:latin typeface="Arial" charset="0"/>
-                <a:ea typeface="ＭＳ Ｐゴシック" charset="-128"/>
-              </a:defRPr>
-            </a:lvl6pPr>
-            <a:lvl7pPr marL="914400" eaLnBrk="0" fontAlgn="base" hangingPunct="0">
-              <a:spcBef>
-                <a:spcPct val="0"/>
-              </a:spcBef>
-              <a:spcAft>
-                <a:spcPct val="0"/>
-              </a:spcAft>
-              <a:defRPr sz="2400">
-                <a:solidFill>
-                  <a:schemeClr val="tx1"/>
-                </a:solidFill>
-                <a:latin typeface="Arial" charset="0"/>
-                <a:ea typeface="ＭＳ Ｐゴシック" charset="-128"/>
-              </a:defRPr>
-            </a:lvl7pPr>
-            <a:lvl8pPr marL="1371600" eaLnBrk="0" fontAlgn="base" hangingPunct="0">
-              <a:spcBef>
-                <a:spcPct val="0"/>
-              </a:spcBef>
-              <a:spcAft>
-                <a:spcPct val="0"/>
-              </a:spcAft>
-              <a:defRPr sz="2400">
-                <a:solidFill>
-                  <a:schemeClr val="tx1"/>
-                </a:solidFill>
-                <a:latin typeface="Arial" charset="0"/>
-                <a:ea typeface="ＭＳ Ｐゴシック" charset="-128"/>
-              </a:defRPr>
-            </a:lvl8pPr>
-            <a:lvl9pPr marL="1828800" eaLnBrk="0" fontAlgn="base" hangingPunct="0">
-              <a:spcBef>
-                <a:spcPct val="0"/>
-              </a:spcBef>
-              <a:spcAft>
-                <a:spcPct val="0"/>
-              </a:spcAft>
-              <a:defRPr sz="2400">
-                <a:solidFill>
-                  <a:schemeClr val="tx1"/>
-                </a:solidFill>
-                <a:latin typeface="Arial" charset="0"/>
-                <a:ea typeface="ＭＳ Ｐゴシック" charset="-128"/>
-              </a:defRPr>
-            </a:lvl9pPr>
-          </a:lstStyle>
-          <a:p>
-            <a:pPr algn="ctr" eaLnBrk="1" hangingPunct="1"/>
-            <a:r>
-              <a:rPr lang="en-US" altLang="en-US" sz="1200" dirty="0">
-                <a:cs typeface="Arial" charset="0"/>
-              </a:rPr>
-              <a:t>p</a:t>
-            </a:r>
-            <a:r>
-              <a:rPr lang="en-US" altLang="en-US" sz="1200" dirty="0" smtClean="0">
-                <a:cs typeface="Arial" charset="0"/>
-              </a:rPr>
-              <a:t>edestrian</a:t>
-            </a:r>
-          </a:p>
-          <a:p>
-            <a:pPr algn="ctr" eaLnBrk="1" hangingPunct="1"/>
-            <a:r>
-              <a:rPr lang="en-US" altLang="en-US" sz="1200" dirty="0" smtClean="0">
-                <a:cs typeface="Arial" charset="0"/>
-              </a:rPr>
-              <a:t>modeling</a:t>
-            </a:r>
-          </a:p>
-        </p:txBody>
-      </p:sp>
-      <p:grpSp>
-        <p:nvGrpSpPr>
-          <p:cNvPr id="71" name="Group 70"/>
-          <p:cNvGrpSpPr/>
-          <p:nvPr/>
-        </p:nvGrpSpPr>
-        <p:grpSpPr>
-          <a:xfrm>
-            <a:off x="2124298" y="1453279"/>
-            <a:ext cx="724881" cy="1030737"/>
-            <a:chOff x="7128874" y="1628800"/>
-            <a:chExt cx="724881" cy="1030737"/>
-          </a:xfrm>
-        </p:grpSpPr>
-        <p:pic>
-          <p:nvPicPr>
-            <p:cNvPr id="72" name="Picture 4" descr="C:\Users\anhorni\Desktop\Picture1.png"/>
-            <p:cNvPicPr>
-              <a:picLocks noChangeAspect="1" noChangeArrowheads="1"/>
-            </p:cNvPicPr>
-            <p:nvPr/>
-          </p:nvPicPr>
-          <p:blipFill>
-            <a:blip r:embed="rId3">
-              <a:extLst>
-                <a:ext uri="{28A0092B-C50C-407E-A947-70E740481C1C}">
-                  <a14:useLocalDpi xmlns:a14="http://schemas.microsoft.com/office/drawing/2010/main" val="0"/>
-                </a:ext>
-              </a:extLst>
-            </a:blip>
-            <a:srcRect/>
-            <a:stretch>
-              <a:fillRect/>
-            </a:stretch>
-          </p:blipFill>
-          <p:spPr bwMode="auto">
-            <a:xfrm rot="5400000">
-              <a:off x="7298924" y="2104706"/>
-              <a:ext cx="712787" cy="396875"/>
-            </a:xfrm>
-            <a:prstGeom prst="rect">
-              <a:avLst/>
-            </a:prstGeom>
-            <a:noFill/>
-            <a:extLst>
-              <a:ext uri="{909E8E84-426E-40DD-AFC4-6F175D3DCCD1}">
-                <a14:hiddenFill xmlns:a14="http://schemas.microsoft.com/office/drawing/2010/main">
-                  <a:solidFill>
-                    <a:srgbClr val="FFFFFF"/>
-                  </a:solidFill>
-                </a14:hiddenFill>
-              </a:ext>
-            </a:extLst>
-          </p:spPr>
-        </p:pic>
-        <p:sp>
-          <p:nvSpPr>
-            <p:cNvPr id="73" name="Rounded Rectangle 72"/>
-            <p:cNvSpPr/>
-            <p:nvPr/>
-          </p:nvSpPr>
-          <p:spPr bwMode="auto">
-            <a:xfrm>
-              <a:off x="7128874" y="1628800"/>
-              <a:ext cx="690552" cy="461966"/>
-            </a:xfrm>
-            <a:prstGeom prst="roundRect">
-              <a:avLst/>
-            </a:prstGeom>
-            <a:solidFill>
-              <a:schemeClr val="bg1"/>
-            </a:solidFill>
-            <a:ln w="19050" cap="flat" cmpd="sng" algn="ctr">
-              <a:solidFill>
-                <a:schemeClr val="tx1"/>
-              </a:solidFill>
-              <a:prstDash val="solid"/>
-              <a:round/>
-              <a:headEnd type="none" w="med" len="med"/>
-              <a:tailEnd type="none" w="med" len="med"/>
-            </a:ln>
-            <a:effectLst/>
-          </p:spPr>
-          <p:style>
-            <a:lnRef idx="1">
-              <a:schemeClr val="accent1"/>
-            </a:lnRef>
-            <a:fillRef idx="3">
-              <a:schemeClr val="accent1"/>
-            </a:fillRef>
-            <a:effectRef idx="2">
-              <a:schemeClr val="accent1"/>
-            </a:effectRef>
-            <a:fontRef idx="minor">
-              <a:schemeClr val="lt1"/>
-            </a:fontRef>
-          </p:style>
-          <p:txBody>
-            <a:bodyPr anchor="ctr"/>
-            <a:lstStyle>
-              <a:lvl1pPr eaLnBrk="0" hangingPunct="0">
-                <a:defRPr sz="2400">
-                  <a:solidFill>
-                    <a:schemeClr val="tx1"/>
-                  </a:solidFill>
-                  <a:latin typeface="Arial" charset="0"/>
-                  <a:ea typeface="ＭＳ Ｐゴシック" charset="-128"/>
-                </a:defRPr>
-              </a:lvl1pPr>
-              <a:lvl2pPr marL="37931725" indent="-37474525" eaLnBrk="0" hangingPunct="0">
-                <a:defRPr sz="2400">
-                  <a:solidFill>
-                    <a:schemeClr val="tx1"/>
-                  </a:solidFill>
-                  <a:latin typeface="Arial" charset="0"/>
-                  <a:ea typeface="ＭＳ Ｐゴシック" charset="-128"/>
-                </a:defRPr>
-              </a:lvl2pPr>
-              <a:lvl3pPr eaLnBrk="0" hangingPunct="0">
-                <a:defRPr sz="2400">
-                  <a:solidFill>
-                    <a:schemeClr val="tx1"/>
-                  </a:solidFill>
-                  <a:latin typeface="Arial" charset="0"/>
-                  <a:ea typeface="ＭＳ Ｐゴシック" charset="-128"/>
-                </a:defRPr>
-              </a:lvl3pPr>
-              <a:lvl4pPr eaLnBrk="0" hangingPunct="0">
-                <a:defRPr sz="2400">
-                  <a:solidFill>
-                    <a:schemeClr val="tx1"/>
-                  </a:solidFill>
-                  <a:latin typeface="Arial" charset="0"/>
-                  <a:ea typeface="ＭＳ Ｐゴシック" charset="-128"/>
-                </a:defRPr>
-              </a:lvl4pPr>
-              <a:lvl5pPr eaLnBrk="0" hangingPunct="0">
-                <a:defRPr sz="2400">
-                  <a:solidFill>
-                    <a:schemeClr val="tx1"/>
-                  </a:solidFill>
-                  <a:latin typeface="Arial" charset="0"/>
-                  <a:ea typeface="ＭＳ Ｐゴシック" charset="-128"/>
-                </a:defRPr>
-              </a:lvl5pPr>
-              <a:lvl6pPr marL="457200" eaLnBrk="0" fontAlgn="base" hangingPunct="0">
-                <a:spcBef>
-                  <a:spcPct val="0"/>
-                </a:spcBef>
-                <a:spcAft>
-                  <a:spcPct val="0"/>
-                </a:spcAft>
-                <a:defRPr sz="2400">
-                  <a:solidFill>
-                    <a:schemeClr val="tx1"/>
-                  </a:solidFill>
-                  <a:latin typeface="Arial" charset="0"/>
-                  <a:ea typeface="ＭＳ Ｐゴシック" charset="-128"/>
-                </a:defRPr>
-              </a:lvl6pPr>
-              <a:lvl7pPr marL="914400" eaLnBrk="0" fontAlgn="base" hangingPunct="0">
-                <a:spcBef>
-                  <a:spcPct val="0"/>
-                </a:spcBef>
-                <a:spcAft>
-                  <a:spcPct val="0"/>
-                </a:spcAft>
-                <a:defRPr sz="2400">
-                  <a:solidFill>
-                    <a:schemeClr val="tx1"/>
-                  </a:solidFill>
-                  <a:latin typeface="Arial" charset="0"/>
-                  <a:ea typeface="ＭＳ Ｐゴシック" charset="-128"/>
-                </a:defRPr>
-              </a:lvl7pPr>
-              <a:lvl8pPr marL="1371600" eaLnBrk="0" fontAlgn="base" hangingPunct="0">
-                <a:spcBef>
-                  <a:spcPct val="0"/>
-                </a:spcBef>
-                <a:spcAft>
-                  <a:spcPct val="0"/>
-                </a:spcAft>
-                <a:defRPr sz="2400">
-                  <a:solidFill>
-                    <a:schemeClr val="tx1"/>
-                  </a:solidFill>
-                  <a:latin typeface="Arial" charset="0"/>
-                  <a:ea typeface="ＭＳ Ｐゴシック" charset="-128"/>
-                </a:defRPr>
-              </a:lvl8pPr>
-              <a:lvl9pPr marL="1828800" eaLnBrk="0" fontAlgn="base" hangingPunct="0">
-                <a:spcBef>
-                  <a:spcPct val="0"/>
-                </a:spcBef>
-                <a:spcAft>
-                  <a:spcPct val="0"/>
-                </a:spcAft>
-                <a:defRPr sz="2400">
-                  <a:solidFill>
-                    <a:schemeClr val="tx1"/>
-                  </a:solidFill>
-                  <a:latin typeface="Arial" charset="0"/>
-                  <a:ea typeface="ＭＳ Ｐゴシック" charset="-128"/>
-                </a:defRPr>
-              </a:lvl9pPr>
-            </a:lstStyle>
-            <a:p>
-              <a:pPr algn="ctr" eaLnBrk="1" hangingPunct="1"/>
-              <a:r>
-                <a:rPr lang="en-US" altLang="en-US" sz="1200" dirty="0" smtClean="0">
-                  <a:cs typeface="Arial" charset="0"/>
-                </a:rPr>
-                <a:t>lanes</a:t>
-              </a:r>
-            </a:p>
-          </p:txBody>
-        </p:sp>
-      </p:grpSp>
-      <p:grpSp>
-        <p:nvGrpSpPr>
-          <p:cNvPr id="74" name="Group 73"/>
-          <p:cNvGrpSpPr/>
-          <p:nvPr/>
-        </p:nvGrpSpPr>
-        <p:grpSpPr>
-          <a:xfrm>
-            <a:off x="2668951" y="1349649"/>
-            <a:ext cx="799636" cy="1030737"/>
-            <a:chOff x="7128873" y="1628800"/>
-            <a:chExt cx="799636" cy="1030737"/>
-          </a:xfrm>
-        </p:grpSpPr>
-        <p:pic>
-          <p:nvPicPr>
-            <p:cNvPr id="75" name="Picture 4" descr="C:\Users\anhorni\Desktop\Picture1.png"/>
-            <p:cNvPicPr>
-              <a:picLocks noChangeAspect="1" noChangeArrowheads="1"/>
-            </p:cNvPicPr>
-            <p:nvPr/>
-          </p:nvPicPr>
-          <p:blipFill>
-            <a:blip r:embed="rId3">
-              <a:extLst>
-                <a:ext uri="{28A0092B-C50C-407E-A947-70E740481C1C}">
-                  <a14:useLocalDpi xmlns:a14="http://schemas.microsoft.com/office/drawing/2010/main" val="0"/>
-                </a:ext>
-              </a:extLst>
-            </a:blip>
-            <a:srcRect/>
-            <a:stretch>
-              <a:fillRect/>
-            </a:stretch>
-          </p:blipFill>
-          <p:spPr bwMode="auto">
-            <a:xfrm rot="5400000">
-              <a:off x="7298924" y="2104706"/>
-              <a:ext cx="712787" cy="396875"/>
-            </a:xfrm>
-            <a:prstGeom prst="rect">
-              <a:avLst/>
-            </a:prstGeom>
-            <a:noFill/>
-            <a:extLst>
-              <a:ext uri="{909E8E84-426E-40DD-AFC4-6F175D3DCCD1}">
-                <a14:hiddenFill xmlns:a14="http://schemas.microsoft.com/office/drawing/2010/main">
-                  <a:solidFill>
-                    <a:srgbClr val="FFFFFF"/>
-                  </a:solidFill>
-                </a14:hiddenFill>
-              </a:ext>
-            </a:extLst>
-          </p:spPr>
-        </p:pic>
-        <p:sp>
-          <p:nvSpPr>
-            <p:cNvPr id="76" name="Rounded Rectangle 75"/>
-            <p:cNvSpPr/>
-            <p:nvPr/>
-          </p:nvSpPr>
-          <p:spPr bwMode="auto">
-            <a:xfrm>
-              <a:off x="7128873" y="1628800"/>
-              <a:ext cx="799636" cy="461966"/>
-            </a:xfrm>
-            <a:prstGeom prst="roundRect">
-              <a:avLst/>
-            </a:prstGeom>
-            <a:solidFill>
-              <a:schemeClr val="bg1"/>
-            </a:solidFill>
-            <a:ln w="19050" cap="flat" cmpd="sng" algn="ctr">
-              <a:solidFill>
-                <a:schemeClr val="tx1"/>
-              </a:solidFill>
-              <a:prstDash val="solid"/>
-              <a:round/>
-              <a:headEnd type="none" w="med" len="med"/>
-              <a:tailEnd type="none" w="med" len="med"/>
-            </a:ln>
-            <a:effectLst/>
-          </p:spPr>
-          <p:style>
-            <a:lnRef idx="1">
-              <a:schemeClr val="accent1"/>
-            </a:lnRef>
-            <a:fillRef idx="3">
-              <a:schemeClr val="accent1"/>
-            </a:fillRef>
-            <a:effectRef idx="2">
-              <a:schemeClr val="accent1"/>
-            </a:effectRef>
-            <a:fontRef idx="minor">
-              <a:schemeClr val="lt1"/>
-            </a:fontRef>
-          </p:style>
-          <p:txBody>
-            <a:bodyPr anchor="ctr"/>
-            <a:lstStyle>
-              <a:lvl1pPr eaLnBrk="0" hangingPunct="0">
-                <a:defRPr sz="2400">
-                  <a:solidFill>
-                    <a:schemeClr val="tx1"/>
-                  </a:solidFill>
-                  <a:latin typeface="Arial" charset="0"/>
-                  <a:ea typeface="ＭＳ Ｐゴシック" charset="-128"/>
-                </a:defRPr>
-              </a:lvl1pPr>
-              <a:lvl2pPr marL="37931725" indent="-37474525" eaLnBrk="0" hangingPunct="0">
-                <a:defRPr sz="2400">
-                  <a:solidFill>
-                    <a:schemeClr val="tx1"/>
-                  </a:solidFill>
-                  <a:latin typeface="Arial" charset="0"/>
-                  <a:ea typeface="ＭＳ Ｐゴシック" charset="-128"/>
-                </a:defRPr>
-              </a:lvl2pPr>
-              <a:lvl3pPr eaLnBrk="0" hangingPunct="0">
-                <a:defRPr sz="2400">
-                  <a:solidFill>
-                    <a:schemeClr val="tx1"/>
-                  </a:solidFill>
-                  <a:latin typeface="Arial" charset="0"/>
-                  <a:ea typeface="ＭＳ Ｐゴシック" charset="-128"/>
-                </a:defRPr>
-              </a:lvl3pPr>
-              <a:lvl4pPr eaLnBrk="0" hangingPunct="0">
-                <a:defRPr sz="2400">
-                  <a:solidFill>
-                    <a:schemeClr val="tx1"/>
-                  </a:solidFill>
-                  <a:latin typeface="Arial" charset="0"/>
-                  <a:ea typeface="ＭＳ Ｐゴシック" charset="-128"/>
-                </a:defRPr>
-              </a:lvl4pPr>
-              <a:lvl5pPr eaLnBrk="0" hangingPunct="0">
-                <a:defRPr sz="2400">
-                  <a:solidFill>
-                    <a:schemeClr val="tx1"/>
-                  </a:solidFill>
-                  <a:latin typeface="Arial" charset="0"/>
-                  <a:ea typeface="ＭＳ Ｐゴシック" charset="-128"/>
-                </a:defRPr>
-              </a:lvl5pPr>
-              <a:lvl6pPr marL="457200" eaLnBrk="0" fontAlgn="base" hangingPunct="0">
-                <a:spcBef>
-                  <a:spcPct val="0"/>
-                </a:spcBef>
-                <a:spcAft>
-                  <a:spcPct val="0"/>
-                </a:spcAft>
-                <a:defRPr sz="2400">
-                  <a:solidFill>
-                    <a:schemeClr val="tx1"/>
-                  </a:solidFill>
-                  <a:latin typeface="Arial" charset="0"/>
-                  <a:ea typeface="ＭＳ Ｐゴシック" charset="-128"/>
-                </a:defRPr>
-              </a:lvl6pPr>
-              <a:lvl7pPr marL="914400" eaLnBrk="0" fontAlgn="base" hangingPunct="0">
-                <a:spcBef>
-                  <a:spcPct val="0"/>
-                </a:spcBef>
-                <a:spcAft>
-                  <a:spcPct val="0"/>
-                </a:spcAft>
-                <a:defRPr sz="2400">
-                  <a:solidFill>
-                    <a:schemeClr val="tx1"/>
-                  </a:solidFill>
-                  <a:latin typeface="Arial" charset="0"/>
-                  <a:ea typeface="ＭＳ Ｐゴシック" charset="-128"/>
-                </a:defRPr>
-              </a:lvl7pPr>
-              <a:lvl8pPr marL="1371600" eaLnBrk="0" fontAlgn="base" hangingPunct="0">
-                <a:spcBef>
-                  <a:spcPct val="0"/>
-                </a:spcBef>
-                <a:spcAft>
-                  <a:spcPct val="0"/>
-                </a:spcAft>
-                <a:defRPr sz="2400">
-                  <a:solidFill>
-                    <a:schemeClr val="tx1"/>
-                  </a:solidFill>
-                  <a:latin typeface="Arial" charset="0"/>
-                  <a:ea typeface="ＭＳ Ｐゴシック" charset="-128"/>
-                </a:defRPr>
-              </a:lvl8pPr>
-              <a:lvl9pPr marL="1828800" eaLnBrk="0" fontAlgn="base" hangingPunct="0">
-                <a:spcBef>
-                  <a:spcPct val="0"/>
-                </a:spcBef>
-                <a:spcAft>
-                  <a:spcPct val="0"/>
-                </a:spcAft>
-                <a:defRPr sz="2400">
-                  <a:solidFill>
-                    <a:schemeClr val="tx1"/>
-                  </a:solidFill>
-                  <a:latin typeface="Arial" charset="0"/>
-                  <a:ea typeface="ＭＳ Ｐゴシック" charset="-128"/>
-                </a:defRPr>
-              </a:lvl9pPr>
-            </a:lstStyle>
-            <a:p>
-              <a:pPr algn="ctr" eaLnBrk="1" hangingPunct="1"/>
-              <a:r>
-                <a:rPr lang="en-US" altLang="en-US" sz="1200" dirty="0" smtClean="0">
-                  <a:cs typeface="Arial" charset="0"/>
-                </a:rPr>
-                <a:t>network</a:t>
-              </a:r>
-            </a:p>
-          </p:txBody>
-        </p:sp>
-      </p:grpSp>
-      <p:sp>
-        <p:nvSpPr>
-          <p:cNvPr id="79" name="Rounded Rectangle 78"/>
-          <p:cNvSpPr/>
-          <p:nvPr/>
-        </p:nvSpPr>
-        <p:spPr bwMode="auto">
-          <a:xfrm>
-            <a:off x="2628354" y="941930"/>
-            <a:ext cx="799636" cy="461966"/>
-          </a:xfrm>
-          <a:prstGeom prst="roundRect">
-            <a:avLst/>
-          </a:prstGeom>
-          <a:solidFill>
-            <a:schemeClr val="bg1"/>
-          </a:solidFill>
-          <a:ln w="19050" cap="flat" cmpd="sng" algn="ctr">
-            <a:solidFill>
-              <a:schemeClr val="tx1"/>
-            </a:solidFill>
-            <a:prstDash val="solid"/>
-            <a:round/>
-            <a:headEnd type="none" w="med" len="med"/>
-            <a:tailEnd type="none" w="med" len="med"/>
-          </a:ln>
-          <a:effectLst/>
-        </p:spPr>
-        <p:style>
-          <a:lnRef idx="1">
-            <a:schemeClr val="accent1"/>
-          </a:lnRef>
-          <a:fillRef idx="3">
-            <a:schemeClr val="accent1"/>
-          </a:fillRef>
-          <a:effectRef idx="2">
-            <a:schemeClr val="accent1"/>
-          </a:effectRef>
-          <a:fontRef idx="minor">
-            <a:schemeClr val="lt1"/>
-          </a:fontRef>
-        </p:style>
-        <p:txBody>
-          <a:bodyPr anchor="ctr"/>
-          <a:lstStyle>
-            <a:lvl1pPr eaLnBrk="0" hangingPunct="0">
-              <a:defRPr sz="2400">
-                <a:solidFill>
-                  <a:schemeClr val="tx1"/>
-                </a:solidFill>
-                <a:latin typeface="Arial" charset="0"/>
-                <a:ea typeface="ＭＳ Ｐゴシック" charset="-128"/>
-              </a:defRPr>
-            </a:lvl1pPr>
-            <a:lvl2pPr marL="37931725" indent="-37474525" eaLnBrk="0" hangingPunct="0">
-              <a:defRPr sz="2400">
-                <a:solidFill>
-                  <a:schemeClr val="tx1"/>
-                </a:solidFill>
-                <a:latin typeface="Arial" charset="0"/>
-                <a:ea typeface="ＭＳ Ｐゴシック" charset="-128"/>
-              </a:defRPr>
-            </a:lvl2pPr>
-            <a:lvl3pPr eaLnBrk="0" hangingPunct="0">
-              <a:defRPr sz="2400">
-                <a:solidFill>
-                  <a:schemeClr val="tx1"/>
-                </a:solidFill>
-                <a:latin typeface="Arial" charset="0"/>
-                <a:ea typeface="ＭＳ Ｐゴシック" charset="-128"/>
-              </a:defRPr>
-            </a:lvl3pPr>
-            <a:lvl4pPr eaLnBrk="0" hangingPunct="0">
-              <a:defRPr sz="2400">
-                <a:solidFill>
-                  <a:schemeClr val="tx1"/>
-                </a:solidFill>
-                <a:latin typeface="Arial" charset="0"/>
-                <a:ea typeface="ＭＳ Ｐゴシック" charset="-128"/>
-              </a:defRPr>
-            </a:lvl4pPr>
-            <a:lvl5pPr eaLnBrk="0" hangingPunct="0">
-              <a:defRPr sz="2400">
-                <a:solidFill>
-                  <a:schemeClr val="tx1"/>
-                </a:solidFill>
-                <a:latin typeface="Arial" charset="0"/>
-                <a:ea typeface="ＭＳ Ｐゴシック" charset="-128"/>
-              </a:defRPr>
-            </a:lvl5pPr>
-            <a:lvl6pPr marL="457200" eaLnBrk="0" fontAlgn="base" hangingPunct="0">
-              <a:spcBef>
-                <a:spcPct val="0"/>
-              </a:spcBef>
-              <a:spcAft>
-                <a:spcPct val="0"/>
-              </a:spcAft>
-              <a:defRPr sz="2400">
-                <a:solidFill>
-                  <a:schemeClr val="tx1"/>
-                </a:solidFill>
-                <a:latin typeface="Arial" charset="0"/>
-                <a:ea typeface="ＭＳ Ｐゴシック" charset="-128"/>
-              </a:defRPr>
-            </a:lvl6pPr>
-            <a:lvl7pPr marL="914400" eaLnBrk="0" fontAlgn="base" hangingPunct="0">
-              <a:spcBef>
-                <a:spcPct val="0"/>
-              </a:spcBef>
-              <a:spcAft>
-                <a:spcPct val="0"/>
-              </a:spcAft>
-              <a:defRPr sz="2400">
-                <a:solidFill>
-                  <a:schemeClr val="tx1"/>
-                </a:solidFill>
-                <a:latin typeface="Arial" charset="0"/>
-                <a:ea typeface="ＭＳ Ｐゴシック" charset="-128"/>
-              </a:defRPr>
-            </a:lvl7pPr>
-            <a:lvl8pPr marL="1371600" eaLnBrk="0" fontAlgn="base" hangingPunct="0">
-              <a:spcBef>
-                <a:spcPct val="0"/>
-              </a:spcBef>
-              <a:spcAft>
-                <a:spcPct val="0"/>
-              </a:spcAft>
-              <a:defRPr sz="2400">
-                <a:solidFill>
-                  <a:schemeClr val="tx1"/>
-                </a:solidFill>
-                <a:latin typeface="Arial" charset="0"/>
-                <a:ea typeface="ＭＳ Ｐゴシック" charset="-128"/>
-              </a:defRPr>
-            </a:lvl8pPr>
-            <a:lvl9pPr marL="1828800" eaLnBrk="0" fontAlgn="base" hangingPunct="0">
-              <a:spcBef>
-                <a:spcPct val="0"/>
-              </a:spcBef>
-              <a:spcAft>
-                <a:spcPct val="0"/>
-              </a:spcAft>
-              <a:defRPr sz="2400">
-                <a:solidFill>
-                  <a:schemeClr val="tx1"/>
-                </a:solidFill>
-                <a:latin typeface="Arial" charset="0"/>
-                <a:ea typeface="ＭＳ Ｐゴシック" charset="-128"/>
-              </a:defRPr>
-            </a:lvl9pPr>
-          </a:lstStyle>
-          <a:p>
-            <a:pPr algn="ctr" eaLnBrk="1" hangingPunct="1"/>
-            <a:r>
-              <a:rPr lang="en-US" altLang="en-US" sz="1200" dirty="0" smtClean="0">
-                <a:cs typeface="Arial" charset="0"/>
-              </a:rPr>
-              <a:t>facilities</a:t>
-            </a:r>
-          </a:p>
-        </p:txBody>
-      </p:sp>
-      <p:sp>
-        <p:nvSpPr>
-          <p:cNvPr id="82" name="Rounded Rectangle 81"/>
-          <p:cNvSpPr/>
-          <p:nvPr/>
-        </p:nvSpPr>
-        <p:spPr bwMode="auto">
-          <a:xfrm>
-            <a:off x="3060402" y="581890"/>
-            <a:ext cx="879524" cy="461966"/>
-          </a:xfrm>
-          <a:prstGeom prst="roundRect">
-            <a:avLst/>
-          </a:prstGeom>
-          <a:solidFill>
-            <a:schemeClr val="bg1"/>
-          </a:solidFill>
-          <a:ln w="19050" cap="flat" cmpd="sng" algn="ctr">
-            <a:solidFill>
-              <a:schemeClr val="tx1"/>
-            </a:solidFill>
-            <a:prstDash val="solid"/>
-            <a:round/>
-            <a:headEnd type="none" w="med" len="med"/>
-            <a:tailEnd type="none" w="med" len="med"/>
-          </a:ln>
-          <a:effectLst/>
-        </p:spPr>
-        <p:style>
-          <a:lnRef idx="1">
-            <a:schemeClr val="accent1"/>
-          </a:lnRef>
-          <a:fillRef idx="3">
-            <a:schemeClr val="accent1"/>
-          </a:fillRef>
-          <a:effectRef idx="2">
-            <a:schemeClr val="accent1"/>
-          </a:effectRef>
-          <a:fontRef idx="minor">
-            <a:schemeClr val="lt1"/>
-          </a:fontRef>
-        </p:style>
-        <p:txBody>
-          <a:bodyPr anchor="ctr"/>
-          <a:lstStyle>
-            <a:lvl1pPr eaLnBrk="0" hangingPunct="0">
-              <a:defRPr sz="2400">
-                <a:solidFill>
-                  <a:schemeClr val="tx1"/>
-                </a:solidFill>
-                <a:latin typeface="Arial" charset="0"/>
-                <a:ea typeface="ＭＳ Ｐゴシック" charset="-128"/>
-              </a:defRPr>
-            </a:lvl1pPr>
-            <a:lvl2pPr marL="37931725" indent="-37474525" eaLnBrk="0" hangingPunct="0">
-              <a:defRPr sz="2400">
-                <a:solidFill>
-                  <a:schemeClr val="tx1"/>
-                </a:solidFill>
-                <a:latin typeface="Arial" charset="0"/>
-                <a:ea typeface="ＭＳ Ｐゴシック" charset="-128"/>
-              </a:defRPr>
-            </a:lvl2pPr>
-            <a:lvl3pPr eaLnBrk="0" hangingPunct="0">
-              <a:defRPr sz="2400">
-                <a:solidFill>
-                  <a:schemeClr val="tx1"/>
-                </a:solidFill>
-                <a:latin typeface="Arial" charset="0"/>
-                <a:ea typeface="ＭＳ Ｐゴシック" charset="-128"/>
-              </a:defRPr>
-            </a:lvl3pPr>
-            <a:lvl4pPr eaLnBrk="0" hangingPunct="0">
-              <a:defRPr sz="2400">
-                <a:solidFill>
-                  <a:schemeClr val="tx1"/>
-                </a:solidFill>
-                <a:latin typeface="Arial" charset="0"/>
-                <a:ea typeface="ＭＳ Ｐゴシック" charset="-128"/>
-              </a:defRPr>
-            </a:lvl4pPr>
-            <a:lvl5pPr eaLnBrk="0" hangingPunct="0">
-              <a:defRPr sz="2400">
-                <a:solidFill>
-                  <a:schemeClr val="tx1"/>
-                </a:solidFill>
-                <a:latin typeface="Arial" charset="0"/>
-                <a:ea typeface="ＭＳ Ｐゴシック" charset="-128"/>
-              </a:defRPr>
-            </a:lvl5pPr>
-            <a:lvl6pPr marL="457200" eaLnBrk="0" fontAlgn="base" hangingPunct="0">
-              <a:spcBef>
-                <a:spcPct val="0"/>
-              </a:spcBef>
-              <a:spcAft>
-                <a:spcPct val="0"/>
-              </a:spcAft>
-              <a:defRPr sz="2400">
-                <a:solidFill>
-                  <a:schemeClr val="tx1"/>
-                </a:solidFill>
-                <a:latin typeface="Arial" charset="0"/>
-                <a:ea typeface="ＭＳ Ｐゴシック" charset="-128"/>
-              </a:defRPr>
-            </a:lvl6pPr>
-            <a:lvl7pPr marL="914400" eaLnBrk="0" fontAlgn="base" hangingPunct="0">
-              <a:spcBef>
-                <a:spcPct val="0"/>
-              </a:spcBef>
-              <a:spcAft>
-                <a:spcPct val="0"/>
-              </a:spcAft>
-              <a:defRPr sz="2400">
-                <a:solidFill>
-                  <a:schemeClr val="tx1"/>
-                </a:solidFill>
-                <a:latin typeface="Arial" charset="0"/>
-                <a:ea typeface="ＭＳ Ｐゴシック" charset="-128"/>
-              </a:defRPr>
-            </a:lvl7pPr>
-            <a:lvl8pPr marL="1371600" eaLnBrk="0" fontAlgn="base" hangingPunct="0">
-              <a:spcBef>
-                <a:spcPct val="0"/>
-              </a:spcBef>
-              <a:spcAft>
-                <a:spcPct val="0"/>
-              </a:spcAft>
-              <a:defRPr sz="2400">
-                <a:solidFill>
-                  <a:schemeClr val="tx1"/>
-                </a:solidFill>
-                <a:latin typeface="Arial" charset="0"/>
-                <a:ea typeface="ＭＳ Ｐゴシック" charset="-128"/>
-              </a:defRPr>
-            </a:lvl8pPr>
-            <a:lvl9pPr marL="1828800" eaLnBrk="0" fontAlgn="base" hangingPunct="0">
-              <a:spcBef>
-                <a:spcPct val="0"/>
-              </a:spcBef>
-              <a:spcAft>
-                <a:spcPct val="0"/>
-              </a:spcAft>
-              <a:defRPr sz="2400">
-                <a:solidFill>
-                  <a:schemeClr val="tx1"/>
-                </a:solidFill>
-                <a:latin typeface="Arial" charset="0"/>
-                <a:ea typeface="ＭＳ Ｐゴシック" charset="-128"/>
-              </a:defRPr>
-            </a:lvl9pPr>
-          </a:lstStyle>
-          <a:p>
-            <a:pPr algn="ctr" eaLnBrk="1" hangingPunct="1"/>
-            <a:r>
-              <a:rPr lang="en-US" altLang="en-US" sz="1200" dirty="0" err="1" smtClean="0">
-                <a:cs typeface="Arial" charset="0"/>
-              </a:rPr>
-              <a:t>mobsim</a:t>
-            </a:r>
-            <a:endParaRPr lang="en-US" altLang="en-US" sz="1200" dirty="0">
-              <a:cs typeface="Arial" charset="0"/>
-            </a:endParaRPr>
-          </a:p>
-        </p:txBody>
-      </p:sp>
-      <p:sp>
-        <p:nvSpPr>
-          <p:cNvPr id="85" name="Rounded Rectangle 84"/>
-          <p:cNvSpPr/>
-          <p:nvPr/>
-        </p:nvSpPr>
-        <p:spPr bwMode="auto">
-          <a:xfrm>
-            <a:off x="3373018" y="1043856"/>
-            <a:ext cx="799636" cy="461966"/>
-          </a:xfrm>
-          <a:prstGeom prst="roundRect">
-            <a:avLst/>
-          </a:prstGeom>
-          <a:solidFill>
-            <a:schemeClr val="bg1"/>
-          </a:solidFill>
-          <a:ln w="19050" cap="flat" cmpd="sng" algn="ctr">
-            <a:solidFill>
-              <a:schemeClr val="tx1"/>
-            </a:solidFill>
-            <a:prstDash val="solid"/>
-            <a:round/>
-            <a:headEnd type="none" w="med" len="med"/>
-            <a:tailEnd type="none" w="med" len="med"/>
-          </a:ln>
-          <a:effectLst/>
-        </p:spPr>
-        <p:style>
-          <a:lnRef idx="1">
-            <a:schemeClr val="accent1"/>
-          </a:lnRef>
-          <a:fillRef idx="3">
-            <a:schemeClr val="accent1"/>
-          </a:fillRef>
-          <a:effectRef idx="2">
-            <a:schemeClr val="accent1"/>
-          </a:effectRef>
-          <a:fontRef idx="minor">
-            <a:schemeClr val="lt1"/>
-          </a:fontRef>
-        </p:style>
-        <p:txBody>
-          <a:bodyPr anchor="ctr"/>
-          <a:lstStyle>
-            <a:lvl1pPr eaLnBrk="0" hangingPunct="0">
-              <a:defRPr sz="2400">
-                <a:solidFill>
-                  <a:schemeClr val="tx1"/>
-                </a:solidFill>
-                <a:latin typeface="Arial" charset="0"/>
-                <a:ea typeface="ＭＳ Ｐゴシック" charset="-128"/>
-              </a:defRPr>
-            </a:lvl1pPr>
-            <a:lvl2pPr marL="37931725" indent="-37474525" eaLnBrk="0" hangingPunct="0">
-              <a:defRPr sz="2400">
-                <a:solidFill>
-                  <a:schemeClr val="tx1"/>
-                </a:solidFill>
-                <a:latin typeface="Arial" charset="0"/>
-                <a:ea typeface="ＭＳ Ｐゴシック" charset="-128"/>
-              </a:defRPr>
-            </a:lvl2pPr>
-            <a:lvl3pPr eaLnBrk="0" hangingPunct="0">
-              <a:defRPr sz="2400">
-                <a:solidFill>
-                  <a:schemeClr val="tx1"/>
-                </a:solidFill>
-                <a:latin typeface="Arial" charset="0"/>
-                <a:ea typeface="ＭＳ Ｐゴシック" charset="-128"/>
-              </a:defRPr>
-            </a:lvl3pPr>
-            <a:lvl4pPr eaLnBrk="0" hangingPunct="0">
-              <a:defRPr sz="2400">
-                <a:solidFill>
-                  <a:schemeClr val="tx1"/>
-                </a:solidFill>
-                <a:latin typeface="Arial" charset="0"/>
-                <a:ea typeface="ＭＳ Ｐゴシック" charset="-128"/>
-              </a:defRPr>
-            </a:lvl4pPr>
-            <a:lvl5pPr eaLnBrk="0" hangingPunct="0">
-              <a:defRPr sz="2400">
-                <a:solidFill>
-                  <a:schemeClr val="tx1"/>
-                </a:solidFill>
-                <a:latin typeface="Arial" charset="0"/>
-                <a:ea typeface="ＭＳ Ｐゴシック" charset="-128"/>
-              </a:defRPr>
-            </a:lvl5pPr>
-            <a:lvl6pPr marL="457200" eaLnBrk="0" fontAlgn="base" hangingPunct="0">
-              <a:spcBef>
-                <a:spcPct val="0"/>
-              </a:spcBef>
-              <a:spcAft>
-                <a:spcPct val="0"/>
-              </a:spcAft>
-              <a:defRPr sz="2400">
-                <a:solidFill>
-                  <a:schemeClr val="tx1"/>
-                </a:solidFill>
-                <a:latin typeface="Arial" charset="0"/>
-                <a:ea typeface="ＭＳ Ｐゴシック" charset="-128"/>
-              </a:defRPr>
-            </a:lvl6pPr>
-            <a:lvl7pPr marL="914400" eaLnBrk="0" fontAlgn="base" hangingPunct="0">
-              <a:spcBef>
-                <a:spcPct val="0"/>
-              </a:spcBef>
-              <a:spcAft>
-                <a:spcPct val="0"/>
-              </a:spcAft>
-              <a:defRPr sz="2400">
-                <a:solidFill>
-                  <a:schemeClr val="tx1"/>
-                </a:solidFill>
-                <a:latin typeface="Arial" charset="0"/>
-                <a:ea typeface="ＭＳ Ｐゴシック" charset="-128"/>
-              </a:defRPr>
-            </a:lvl7pPr>
-            <a:lvl8pPr marL="1371600" eaLnBrk="0" fontAlgn="base" hangingPunct="0">
-              <a:spcBef>
-                <a:spcPct val="0"/>
-              </a:spcBef>
-              <a:spcAft>
-                <a:spcPct val="0"/>
-              </a:spcAft>
-              <a:defRPr sz="2400">
-                <a:solidFill>
-                  <a:schemeClr val="tx1"/>
-                </a:solidFill>
-                <a:latin typeface="Arial" charset="0"/>
-                <a:ea typeface="ＭＳ Ｐゴシック" charset="-128"/>
-              </a:defRPr>
-            </a:lvl8pPr>
-            <a:lvl9pPr marL="1828800" eaLnBrk="0" fontAlgn="base" hangingPunct="0">
-              <a:spcBef>
-                <a:spcPct val="0"/>
-              </a:spcBef>
-              <a:spcAft>
-                <a:spcPct val="0"/>
-              </a:spcAft>
-              <a:defRPr sz="2400">
-                <a:solidFill>
-                  <a:schemeClr val="tx1"/>
-                </a:solidFill>
-                <a:latin typeface="Arial" charset="0"/>
-                <a:ea typeface="ＭＳ Ｐゴシック" charset="-128"/>
-              </a:defRPr>
-            </a:lvl9pPr>
-          </a:lstStyle>
-          <a:p>
-            <a:pPr algn="ctr" eaLnBrk="1" hangingPunct="1"/>
-            <a:r>
-              <a:rPr lang="en-US" altLang="en-US" sz="1200" dirty="0">
-                <a:cs typeface="Arial" charset="0"/>
-              </a:rPr>
-              <a:t>h</a:t>
-            </a:r>
-            <a:r>
-              <a:rPr lang="en-US" altLang="en-US" sz="1200" dirty="0" smtClean="0">
-                <a:cs typeface="Arial" charset="0"/>
-              </a:rPr>
-              <a:t>ouse -holds</a:t>
-            </a:r>
-          </a:p>
-        </p:txBody>
-      </p:sp>
-      <p:grpSp>
-        <p:nvGrpSpPr>
-          <p:cNvPr id="86" name="Group 85"/>
-          <p:cNvGrpSpPr/>
-          <p:nvPr/>
-        </p:nvGrpSpPr>
-        <p:grpSpPr>
-          <a:xfrm>
-            <a:off x="3348434" y="1470181"/>
-            <a:ext cx="724882" cy="1030737"/>
-            <a:chOff x="7128873" y="1628800"/>
-            <a:chExt cx="724882" cy="1030737"/>
-          </a:xfrm>
-        </p:grpSpPr>
-        <p:pic>
-          <p:nvPicPr>
-            <p:cNvPr id="87" name="Picture 4" descr="C:\Users\anhorni\Desktop\Picture1.png"/>
-            <p:cNvPicPr>
-              <a:picLocks noChangeAspect="1" noChangeArrowheads="1"/>
-            </p:cNvPicPr>
-            <p:nvPr/>
-          </p:nvPicPr>
-          <p:blipFill>
-            <a:blip r:embed="rId3">
-              <a:extLst>
-                <a:ext uri="{28A0092B-C50C-407E-A947-70E740481C1C}">
-                  <a14:useLocalDpi xmlns:a14="http://schemas.microsoft.com/office/drawing/2010/main" val="0"/>
-                </a:ext>
-              </a:extLst>
-            </a:blip>
-            <a:srcRect/>
-            <a:stretch>
-              <a:fillRect/>
-            </a:stretch>
-          </p:blipFill>
-          <p:spPr bwMode="auto">
-            <a:xfrm rot="5400000">
-              <a:off x="7298924" y="2104706"/>
-              <a:ext cx="712787" cy="396875"/>
-            </a:xfrm>
-            <a:prstGeom prst="rect">
-              <a:avLst/>
-            </a:prstGeom>
-            <a:noFill/>
-            <a:extLst>
-              <a:ext uri="{909E8E84-426E-40DD-AFC4-6F175D3DCCD1}">
-                <a14:hiddenFill xmlns:a14="http://schemas.microsoft.com/office/drawing/2010/main">
-                  <a:solidFill>
-                    <a:srgbClr val="FFFFFF"/>
-                  </a:solidFill>
-                </a14:hiddenFill>
-              </a:ext>
-            </a:extLst>
-          </p:spPr>
-        </p:pic>
-        <p:sp>
-          <p:nvSpPr>
-            <p:cNvPr id="88" name="Rounded Rectangle 87"/>
-            <p:cNvSpPr/>
-            <p:nvPr/>
-          </p:nvSpPr>
-          <p:spPr bwMode="auto">
-            <a:xfrm>
-              <a:off x="7128873" y="1628800"/>
-              <a:ext cx="724882" cy="461966"/>
-            </a:xfrm>
-            <a:prstGeom prst="roundRect">
-              <a:avLst/>
-            </a:prstGeom>
-            <a:solidFill>
-              <a:schemeClr val="bg1"/>
-            </a:solidFill>
-            <a:ln w="19050" cap="flat" cmpd="sng" algn="ctr">
-              <a:solidFill>
-                <a:schemeClr val="tx1"/>
-              </a:solidFill>
-              <a:prstDash val="solid"/>
-              <a:round/>
-              <a:headEnd type="none" w="med" len="med"/>
-              <a:tailEnd type="none" w="med" len="med"/>
-            </a:ln>
-            <a:effectLst/>
-          </p:spPr>
-          <p:style>
-            <a:lnRef idx="1">
-              <a:schemeClr val="accent1"/>
-            </a:lnRef>
-            <a:fillRef idx="3">
-              <a:schemeClr val="accent1"/>
-            </a:fillRef>
-            <a:effectRef idx="2">
-              <a:schemeClr val="accent1"/>
-            </a:effectRef>
-            <a:fontRef idx="minor">
-              <a:schemeClr val="lt1"/>
-            </a:fontRef>
-          </p:style>
-          <p:txBody>
-            <a:bodyPr anchor="ctr"/>
-            <a:lstStyle>
-              <a:lvl1pPr eaLnBrk="0" hangingPunct="0">
-                <a:defRPr sz="2400">
-                  <a:solidFill>
-                    <a:schemeClr val="tx1"/>
-                  </a:solidFill>
-                  <a:latin typeface="Arial" charset="0"/>
-                  <a:ea typeface="ＭＳ Ｐゴシック" charset="-128"/>
-                </a:defRPr>
-              </a:lvl1pPr>
-              <a:lvl2pPr marL="37931725" indent="-37474525" eaLnBrk="0" hangingPunct="0">
-                <a:defRPr sz="2400">
-                  <a:solidFill>
-                    <a:schemeClr val="tx1"/>
-                  </a:solidFill>
-                  <a:latin typeface="Arial" charset="0"/>
-                  <a:ea typeface="ＭＳ Ｐゴシック" charset="-128"/>
-                </a:defRPr>
-              </a:lvl2pPr>
-              <a:lvl3pPr eaLnBrk="0" hangingPunct="0">
-                <a:defRPr sz="2400">
-                  <a:solidFill>
-                    <a:schemeClr val="tx1"/>
-                  </a:solidFill>
-                  <a:latin typeface="Arial" charset="0"/>
-                  <a:ea typeface="ＭＳ Ｐゴシック" charset="-128"/>
-                </a:defRPr>
-              </a:lvl3pPr>
-              <a:lvl4pPr eaLnBrk="0" hangingPunct="0">
-                <a:defRPr sz="2400">
-                  <a:solidFill>
-                    <a:schemeClr val="tx1"/>
-                  </a:solidFill>
-                  <a:latin typeface="Arial" charset="0"/>
-                  <a:ea typeface="ＭＳ Ｐゴシック" charset="-128"/>
-                </a:defRPr>
-              </a:lvl4pPr>
-              <a:lvl5pPr eaLnBrk="0" hangingPunct="0">
-                <a:defRPr sz="2400">
-                  <a:solidFill>
-                    <a:schemeClr val="tx1"/>
-                  </a:solidFill>
-                  <a:latin typeface="Arial" charset="0"/>
-                  <a:ea typeface="ＭＳ Ｐゴシック" charset="-128"/>
-                </a:defRPr>
-              </a:lvl5pPr>
-              <a:lvl6pPr marL="457200" eaLnBrk="0" fontAlgn="base" hangingPunct="0">
-                <a:spcBef>
-                  <a:spcPct val="0"/>
-                </a:spcBef>
-                <a:spcAft>
-                  <a:spcPct val="0"/>
-                </a:spcAft>
-                <a:defRPr sz="2400">
-                  <a:solidFill>
-                    <a:schemeClr val="tx1"/>
-                  </a:solidFill>
-                  <a:latin typeface="Arial" charset="0"/>
-                  <a:ea typeface="ＭＳ Ｐゴシック" charset="-128"/>
-                </a:defRPr>
-              </a:lvl6pPr>
-              <a:lvl7pPr marL="914400" eaLnBrk="0" fontAlgn="base" hangingPunct="0">
-                <a:spcBef>
-                  <a:spcPct val="0"/>
-                </a:spcBef>
-                <a:spcAft>
-                  <a:spcPct val="0"/>
-                </a:spcAft>
-                <a:defRPr sz="2400">
-                  <a:solidFill>
-                    <a:schemeClr val="tx1"/>
-                  </a:solidFill>
-                  <a:latin typeface="Arial" charset="0"/>
-                  <a:ea typeface="ＭＳ Ｐゴシック" charset="-128"/>
-                </a:defRPr>
-              </a:lvl7pPr>
-              <a:lvl8pPr marL="1371600" eaLnBrk="0" fontAlgn="base" hangingPunct="0">
-                <a:spcBef>
-                  <a:spcPct val="0"/>
-                </a:spcBef>
-                <a:spcAft>
-                  <a:spcPct val="0"/>
-                </a:spcAft>
-                <a:defRPr sz="2400">
-                  <a:solidFill>
-                    <a:schemeClr val="tx1"/>
-                  </a:solidFill>
-                  <a:latin typeface="Arial" charset="0"/>
-                  <a:ea typeface="ＭＳ Ｐゴシック" charset="-128"/>
-                </a:defRPr>
-              </a:lvl8pPr>
-              <a:lvl9pPr marL="1828800" eaLnBrk="0" fontAlgn="base" hangingPunct="0">
-                <a:spcBef>
-                  <a:spcPct val="0"/>
-                </a:spcBef>
-                <a:spcAft>
-                  <a:spcPct val="0"/>
-                </a:spcAft>
-                <a:defRPr sz="2400">
-                  <a:solidFill>
-                    <a:schemeClr val="tx1"/>
-                  </a:solidFill>
-                  <a:latin typeface="Arial" charset="0"/>
-                  <a:ea typeface="ＭＳ Ｐゴシック" charset="-128"/>
-                </a:defRPr>
-              </a:lvl9pPr>
-            </a:lstStyle>
-            <a:p>
-              <a:pPr algn="ctr" eaLnBrk="1" hangingPunct="1"/>
-              <a:r>
-                <a:rPr lang="en-US" altLang="en-US" sz="1200" dirty="0" smtClean="0">
-                  <a:cs typeface="Arial" charset="0"/>
-                </a:rPr>
-                <a:t>signals</a:t>
-              </a:r>
-            </a:p>
-          </p:txBody>
-        </p:sp>
-      </p:grpSp>
       <p:pic>
         <p:nvPicPr>
-          <p:cNvPr id="92" name="Picture 4" descr="C:\Users\anhorni\Desktop\Picture1.png"/>
+          <p:cNvPr id="64" name="Picture 4" descr="C:\Users\anhorni\Desktop\Picture1.png"/>
           <p:cNvPicPr>
             <a:picLocks noChangeAspect="1" noChangeArrowheads="1"/>
           </p:cNvPicPr>
@@ -8687,8 +5997,8 @@
           </a:stretch>
         </p:blipFill>
         <p:spPr bwMode="auto">
-          <a:xfrm rot="2605506">
-            <a:off x="3446268" y="4749997"/>
+          <a:xfrm rot="16200000">
+            <a:off x="5401082" y="3634578"/>
             <a:ext cx="712787" cy="396875"/>
           </a:xfrm>
           <a:prstGeom prst="rect">
@@ -8706,681 +6016,9 @@
           </a:extLst>
         </p:spPr>
       </p:pic>
-      <p:grpSp>
-        <p:nvGrpSpPr>
-          <p:cNvPr id="94" name="Group 93"/>
-          <p:cNvGrpSpPr/>
-          <p:nvPr/>
-        </p:nvGrpSpPr>
-        <p:grpSpPr>
-          <a:xfrm>
-            <a:off x="4793576" y="5853433"/>
-            <a:ext cx="1176917" cy="1038030"/>
-            <a:chOff x="457939" y="4797152"/>
-            <a:chExt cx="1010290" cy="1038030"/>
-          </a:xfrm>
-        </p:grpSpPr>
-        <p:pic>
-          <p:nvPicPr>
-            <p:cNvPr id="95" name="Picture 4" descr="C:\Users\anhorni\Desktop\Picture1.png"/>
-            <p:cNvPicPr>
-              <a:picLocks noChangeAspect="1" noChangeArrowheads="1"/>
-            </p:cNvPicPr>
-            <p:nvPr/>
-          </p:nvPicPr>
-          <p:blipFill>
-            <a:blip r:embed="rId3">
-              <a:extLst>
-                <a:ext uri="{28A0092B-C50C-407E-A947-70E740481C1C}">
-                  <a14:useLocalDpi xmlns:a14="http://schemas.microsoft.com/office/drawing/2010/main" val="0"/>
-                </a:ext>
-              </a:extLst>
-            </a:blip>
-            <a:srcRect/>
-            <a:stretch>
-              <a:fillRect/>
-            </a:stretch>
-          </p:blipFill>
-          <p:spPr bwMode="auto">
-            <a:xfrm rot="16200000">
-              <a:off x="420136" y="4955108"/>
-              <a:ext cx="712787" cy="396875"/>
-            </a:xfrm>
-            <a:prstGeom prst="rect">
-              <a:avLst/>
-            </a:prstGeom>
-            <a:noFill/>
-            <a:extLst>
-              <a:ext uri="{909E8E84-426E-40DD-AFC4-6F175D3DCCD1}">
-                <a14:hiddenFill xmlns:a14="http://schemas.microsoft.com/office/drawing/2010/main">
-                  <a:solidFill>
-                    <a:srgbClr val="FFFFFF"/>
-                  </a:solidFill>
-                </a14:hiddenFill>
-              </a:ext>
-            </a:extLst>
-          </p:spPr>
-        </p:pic>
-        <p:sp>
-          <p:nvSpPr>
-            <p:cNvPr id="96" name="Rounded Rectangle 95"/>
-            <p:cNvSpPr/>
-            <p:nvPr/>
-          </p:nvSpPr>
-          <p:spPr bwMode="auto">
-            <a:xfrm>
-              <a:off x="457939" y="5373216"/>
-              <a:ext cx="1010290" cy="461966"/>
-            </a:xfrm>
-            <a:prstGeom prst="roundRect">
-              <a:avLst/>
-            </a:prstGeom>
-            <a:solidFill>
-              <a:schemeClr val="bg1"/>
-            </a:solidFill>
-            <a:ln w="19050" cap="flat" cmpd="sng" algn="ctr">
-              <a:solidFill>
-                <a:schemeClr val="tx1"/>
-              </a:solidFill>
-              <a:prstDash val="solid"/>
-              <a:round/>
-              <a:headEnd type="none" w="med" len="med"/>
-              <a:tailEnd type="none" w="med" len="med"/>
-            </a:ln>
-            <a:effectLst/>
-          </p:spPr>
-          <p:style>
-            <a:lnRef idx="1">
-              <a:schemeClr val="accent1"/>
-            </a:lnRef>
-            <a:fillRef idx="3">
-              <a:schemeClr val="accent1"/>
-            </a:fillRef>
-            <a:effectRef idx="2">
-              <a:schemeClr val="accent1"/>
-            </a:effectRef>
-            <a:fontRef idx="minor">
-              <a:schemeClr val="lt1"/>
-            </a:fontRef>
-          </p:style>
-          <p:txBody>
-            <a:bodyPr anchor="ctr"/>
-            <a:lstStyle>
-              <a:lvl1pPr eaLnBrk="0" hangingPunct="0">
-                <a:defRPr sz="2400">
-                  <a:solidFill>
-                    <a:schemeClr val="tx1"/>
-                  </a:solidFill>
-                  <a:latin typeface="Arial" charset="0"/>
-                  <a:ea typeface="ＭＳ Ｐゴシック" charset="-128"/>
-                </a:defRPr>
-              </a:lvl1pPr>
-              <a:lvl2pPr marL="37931725" indent="-37474525" eaLnBrk="0" hangingPunct="0">
-                <a:defRPr sz="2400">
-                  <a:solidFill>
-                    <a:schemeClr val="tx1"/>
-                  </a:solidFill>
-                  <a:latin typeface="Arial" charset="0"/>
-                  <a:ea typeface="ＭＳ Ｐゴシック" charset="-128"/>
-                </a:defRPr>
-              </a:lvl2pPr>
-              <a:lvl3pPr eaLnBrk="0" hangingPunct="0">
-                <a:defRPr sz="2400">
-                  <a:solidFill>
-                    <a:schemeClr val="tx1"/>
-                  </a:solidFill>
-                  <a:latin typeface="Arial" charset="0"/>
-                  <a:ea typeface="ＭＳ Ｐゴシック" charset="-128"/>
-                </a:defRPr>
-              </a:lvl3pPr>
-              <a:lvl4pPr eaLnBrk="0" hangingPunct="0">
-                <a:defRPr sz="2400">
-                  <a:solidFill>
-                    <a:schemeClr val="tx1"/>
-                  </a:solidFill>
-                  <a:latin typeface="Arial" charset="0"/>
-                  <a:ea typeface="ＭＳ Ｐゴシック" charset="-128"/>
-                </a:defRPr>
-              </a:lvl4pPr>
-              <a:lvl5pPr eaLnBrk="0" hangingPunct="0">
-                <a:defRPr sz="2400">
-                  <a:solidFill>
-                    <a:schemeClr val="tx1"/>
-                  </a:solidFill>
-                  <a:latin typeface="Arial" charset="0"/>
-                  <a:ea typeface="ＭＳ Ｐゴシック" charset="-128"/>
-                </a:defRPr>
-              </a:lvl5pPr>
-              <a:lvl6pPr marL="457200" eaLnBrk="0" fontAlgn="base" hangingPunct="0">
-                <a:spcBef>
-                  <a:spcPct val="0"/>
-                </a:spcBef>
-                <a:spcAft>
-                  <a:spcPct val="0"/>
-                </a:spcAft>
-                <a:defRPr sz="2400">
-                  <a:solidFill>
-                    <a:schemeClr val="tx1"/>
-                  </a:solidFill>
-                  <a:latin typeface="Arial" charset="0"/>
-                  <a:ea typeface="ＭＳ Ｐゴシック" charset="-128"/>
-                </a:defRPr>
-              </a:lvl6pPr>
-              <a:lvl7pPr marL="914400" eaLnBrk="0" fontAlgn="base" hangingPunct="0">
-                <a:spcBef>
-                  <a:spcPct val="0"/>
-                </a:spcBef>
-                <a:spcAft>
-                  <a:spcPct val="0"/>
-                </a:spcAft>
-                <a:defRPr sz="2400">
-                  <a:solidFill>
-                    <a:schemeClr val="tx1"/>
-                  </a:solidFill>
-                  <a:latin typeface="Arial" charset="0"/>
-                  <a:ea typeface="ＭＳ Ｐゴシック" charset="-128"/>
-                </a:defRPr>
-              </a:lvl7pPr>
-              <a:lvl8pPr marL="1371600" eaLnBrk="0" fontAlgn="base" hangingPunct="0">
-                <a:spcBef>
-                  <a:spcPct val="0"/>
-                </a:spcBef>
-                <a:spcAft>
-                  <a:spcPct val="0"/>
-                </a:spcAft>
-                <a:defRPr sz="2400">
-                  <a:solidFill>
-                    <a:schemeClr val="tx1"/>
-                  </a:solidFill>
-                  <a:latin typeface="Arial" charset="0"/>
-                  <a:ea typeface="ＭＳ Ｐゴシック" charset="-128"/>
-                </a:defRPr>
-              </a:lvl8pPr>
-              <a:lvl9pPr marL="1828800" eaLnBrk="0" fontAlgn="base" hangingPunct="0">
-                <a:spcBef>
-                  <a:spcPct val="0"/>
-                </a:spcBef>
-                <a:spcAft>
-                  <a:spcPct val="0"/>
-                </a:spcAft>
-                <a:defRPr sz="2400">
-                  <a:solidFill>
-                    <a:schemeClr val="tx1"/>
-                  </a:solidFill>
-                  <a:latin typeface="Arial" charset="0"/>
-                  <a:ea typeface="ＭＳ Ｐゴシック" charset="-128"/>
-                </a:defRPr>
-              </a:lvl9pPr>
-            </a:lstStyle>
-            <a:p>
-              <a:pPr algn="ctr" eaLnBrk="1" hangingPunct="1"/>
-              <a:r>
-                <a:rPr lang="en-US" altLang="en-US" sz="1200" dirty="0" smtClean="0">
-                  <a:cs typeface="Arial" charset="0"/>
-                </a:rPr>
-                <a:t>activity</a:t>
-              </a:r>
-            </a:p>
-            <a:p>
-              <a:pPr algn="ctr" eaLnBrk="1" hangingPunct="1"/>
-              <a:r>
-                <a:rPr lang="en-US" altLang="en-US" sz="1200" dirty="0" smtClean="0">
-                  <a:cs typeface="Arial" charset="0"/>
-                </a:rPr>
-                <a:t>innovation</a:t>
-              </a:r>
-              <a:endParaRPr lang="en-US" altLang="en-US" sz="1200" dirty="0">
-                <a:cs typeface="Arial" charset="0"/>
-              </a:endParaRPr>
-            </a:p>
-          </p:txBody>
-        </p:sp>
-      </p:grpSp>
-      <p:grpSp>
-        <p:nvGrpSpPr>
-          <p:cNvPr id="100" name="Group 99"/>
-          <p:cNvGrpSpPr/>
-          <p:nvPr/>
-        </p:nvGrpSpPr>
-        <p:grpSpPr>
-          <a:xfrm>
-            <a:off x="7302556" y="1301970"/>
-            <a:ext cx="819411" cy="1110038"/>
-            <a:chOff x="7128873" y="1722604"/>
-            <a:chExt cx="819411" cy="1110038"/>
-          </a:xfrm>
-        </p:grpSpPr>
-        <p:pic>
-          <p:nvPicPr>
-            <p:cNvPr id="101" name="Picture 4" descr="C:\Users\anhorni\Desktop\Picture1.png"/>
-            <p:cNvPicPr>
-              <a:picLocks noChangeAspect="1" noChangeArrowheads="1"/>
-            </p:cNvPicPr>
-            <p:nvPr/>
-          </p:nvPicPr>
-          <p:blipFill>
-            <a:blip r:embed="rId3">
-              <a:extLst>
-                <a:ext uri="{28A0092B-C50C-407E-A947-70E740481C1C}">
-                  <a14:useLocalDpi xmlns:a14="http://schemas.microsoft.com/office/drawing/2010/main" val="0"/>
-                </a:ext>
-              </a:extLst>
-            </a:blip>
-            <a:srcRect/>
-            <a:stretch>
-              <a:fillRect/>
-            </a:stretch>
-          </p:blipFill>
-          <p:spPr bwMode="auto">
-            <a:xfrm rot="5400000">
-              <a:off x="7260887" y="2277811"/>
-              <a:ext cx="712787" cy="396875"/>
-            </a:xfrm>
-            <a:prstGeom prst="rect">
-              <a:avLst/>
-            </a:prstGeom>
-            <a:noFill/>
-            <a:extLst>
-              <a:ext uri="{909E8E84-426E-40DD-AFC4-6F175D3DCCD1}">
-                <a14:hiddenFill xmlns:a14="http://schemas.microsoft.com/office/drawing/2010/main">
-                  <a:solidFill>
-                    <a:srgbClr val="FFFFFF"/>
-                  </a:solidFill>
-                </a14:hiddenFill>
-              </a:ext>
-            </a:extLst>
-          </p:spPr>
-        </p:pic>
-        <p:sp>
-          <p:nvSpPr>
-            <p:cNvPr id="102" name="Rounded Rectangle 101"/>
-            <p:cNvSpPr/>
-            <p:nvPr/>
-          </p:nvSpPr>
-          <p:spPr bwMode="auto">
-            <a:xfrm>
-              <a:off x="7128873" y="1722604"/>
-              <a:ext cx="819411" cy="461966"/>
-            </a:xfrm>
-            <a:prstGeom prst="roundRect">
-              <a:avLst/>
-            </a:prstGeom>
-            <a:solidFill>
-              <a:schemeClr val="bg1"/>
-            </a:solidFill>
-            <a:ln w="19050" cap="flat" cmpd="sng" algn="ctr">
-              <a:solidFill>
-                <a:schemeClr val="tx1"/>
-              </a:solidFill>
-              <a:prstDash val="solid"/>
-              <a:round/>
-              <a:headEnd type="none" w="med" len="med"/>
-              <a:tailEnd type="none" w="med" len="med"/>
-            </a:ln>
-            <a:effectLst/>
-          </p:spPr>
-          <p:style>
-            <a:lnRef idx="1">
-              <a:schemeClr val="accent1"/>
-            </a:lnRef>
-            <a:fillRef idx="3">
-              <a:schemeClr val="accent1"/>
-            </a:fillRef>
-            <a:effectRef idx="2">
-              <a:schemeClr val="accent1"/>
-            </a:effectRef>
-            <a:fontRef idx="minor">
-              <a:schemeClr val="lt1"/>
-            </a:fontRef>
-          </p:style>
-          <p:txBody>
-            <a:bodyPr anchor="ctr"/>
-            <a:lstStyle>
-              <a:lvl1pPr eaLnBrk="0" hangingPunct="0">
-                <a:defRPr sz="2400">
-                  <a:solidFill>
-                    <a:schemeClr val="tx1"/>
-                  </a:solidFill>
-                  <a:latin typeface="Arial" charset="0"/>
-                  <a:ea typeface="ＭＳ Ｐゴシック" charset="-128"/>
-                </a:defRPr>
-              </a:lvl1pPr>
-              <a:lvl2pPr marL="37931725" indent="-37474525" eaLnBrk="0" hangingPunct="0">
-                <a:defRPr sz="2400">
-                  <a:solidFill>
-                    <a:schemeClr val="tx1"/>
-                  </a:solidFill>
-                  <a:latin typeface="Arial" charset="0"/>
-                  <a:ea typeface="ＭＳ Ｐゴシック" charset="-128"/>
-                </a:defRPr>
-              </a:lvl2pPr>
-              <a:lvl3pPr eaLnBrk="0" hangingPunct="0">
-                <a:defRPr sz="2400">
-                  <a:solidFill>
-                    <a:schemeClr val="tx1"/>
-                  </a:solidFill>
-                  <a:latin typeface="Arial" charset="0"/>
-                  <a:ea typeface="ＭＳ Ｐゴシック" charset="-128"/>
-                </a:defRPr>
-              </a:lvl3pPr>
-              <a:lvl4pPr eaLnBrk="0" hangingPunct="0">
-                <a:defRPr sz="2400">
-                  <a:solidFill>
-                    <a:schemeClr val="tx1"/>
-                  </a:solidFill>
-                  <a:latin typeface="Arial" charset="0"/>
-                  <a:ea typeface="ＭＳ Ｐゴシック" charset="-128"/>
-                </a:defRPr>
-              </a:lvl4pPr>
-              <a:lvl5pPr eaLnBrk="0" hangingPunct="0">
-                <a:defRPr sz="2400">
-                  <a:solidFill>
-                    <a:schemeClr val="tx1"/>
-                  </a:solidFill>
-                  <a:latin typeface="Arial" charset="0"/>
-                  <a:ea typeface="ＭＳ Ｐゴシック" charset="-128"/>
-                </a:defRPr>
-              </a:lvl5pPr>
-              <a:lvl6pPr marL="457200" eaLnBrk="0" fontAlgn="base" hangingPunct="0">
-                <a:spcBef>
-                  <a:spcPct val="0"/>
-                </a:spcBef>
-                <a:spcAft>
-                  <a:spcPct val="0"/>
-                </a:spcAft>
-                <a:defRPr sz="2400">
-                  <a:solidFill>
-                    <a:schemeClr val="tx1"/>
-                  </a:solidFill>
-                  <a:latin typeface="Arial" charset="0"/>
-                  <a:ea typeface="ＭＳ Ｐゴシック" charset="-128"/>
-                </a:defRPr>
-              </a:lvl6pPr>
-              <a:lvl7pPr marL="914400" eaLnBrk="0" fontAlgn="base" hangingPunct="0">
-                <a:spcBef>
-                  <a:spcPct val="0"/>
-                </a:spcBef>
-                <a:spcAft>
-                  <a:spcPct val="0"/>
-                </a:spcAft>
-                <a:defRPr sz="2400">
-                  <a:solidFill>
-                    <a:schemeClr val="tx1"/>
-                  </a:solidFill>
-                  <a:latin typeface="Arial" charset="0"/>
-                  <a:ea typeface="ＭＳ Ｐゴシック" charset="-128"/>
-                </a:defRPr>
-              </a:lvl7pPr>
-              <a:lvl8pPr marL="1371600" eaLnBrk="0" fontAlgn="base" hangingPunct="0">
-                <a:spcBef>
-                  <a:spcPct val="0"/>
-                </a:spcBef>
-                <a:spcAft>
-                  <a:spcPct val="0"/>
-                </a:spcAft>
-                <a:defRPr sz="2400">
-                  <a:solidFill>
-                    <a:schemeClr val="tx1"/>
-                  </a:solidFill>
-                  <a:latin typeface="Arial" charset="0"/>
-                  <a:ea typeface="ＭＳ Ｐゴシック" charset="-128"/>
-                </a:defRPr>
-              </a:lvl8pPr>
-              <a:lvl9pPr marL="1828800" eaLnBrk="0" fontAlgn="base" hangingPunct="0">
-                <a:spcBef>
-                  <a:spcPct val="0"/>
-                </a:spcBef>
-                <a:spcAft>
-                  <a:spcPct val="0"/>
-                </a:spcAft>
-                <a:defRPr sz="2400">
-                  <a:solidFill>
-                    <a:schemeClr val="tx1"/>
-                  </a:solidFill>
-                  <a:latin typeface="Arial" charset="0"/>
-                  <a:ea typeface="ＭＳ Ｐゴシック" charset="-128"/>
-                </a:defRPr>
-              </a:lvl9pPr>
-            </a:lstStyle>
-            <a:p>
-              <a:pPr algn="ctr" eaLnBrk="1" hangingPunct="1"/>
-              <a:r>
-                <a:rPr lang="en-US" altLang="en-US" sz="1200" dirty="0" err="1" smtClean="0">
-                  <a:cs typeface="Arial" charset="0"/>
-                </a:rPr>
-                <a:t>OTFVis</a:t>
-              </a:r>
-              <a:endParaRPr lang="en-US" altLang="en-US" sz="1200" dirty="0">
-                <a:cs typeface="Arial" charset="0"/>
-              </a:endParaRPr>
-            </a:p>
-          </p:txBody>
-        </p:sp>
-      </p:grpSp>
-      <p:grpSp>
-        <p:nvGrpSpPr>
-          <p:cNvPr id="97" name="Group 96"/>
-          <p:cNvGrpSpPr/>
-          <p:nvPr/>
-        </p:nvGrpSpPr>
-        <p:grpSpPr>
-          <a:xfrm>
-            <a:off x="8022723" y="1453279"/>
-            <a:ext cx="720182" cy="1030737"/>
-            <a:chOff x="7128874" y="1628800"/>
-            <a:chExt cx="720182" cy="1030737"/>
-          </a:xfrm>
-        </p:grpSpPr>
-        <p:pic>
-          <p:nvPicPr>
-            <p:cNvPr id="98" name="Picture 4" descr="C:\Users\anhorni\Desktop\Picture1.png"/>
-            <p:cNvPicPr>
-              <a:picLocks noChangeAspect="1" noChangeArrowheads="1"/>
-            </p:cNvPicPr>
-            <p:nvPr/>
-          </p:nvPicPr>
-          <p:blipFill>
-            <a:blip r:embed="rId3">
-              <a:extLst>
-                <a:ext uri="{28A0092B-C50C-407E-A947-70E740481C1C}">
-                  <a14:useLocalDpi xmlns:a14="http://schemas.microsoft.com/office/drawing/2010/main" val="0"/>
-                </a:ext>
-              </a:extLst>
-            </a:blip>
-            <a:srcRect/>
-            <a:stretch>
-              <a:fillRect/>
-            </a:stretch>
-          </p:blipFill>
-          <p:spPr bwMode="auto">
-            <a:xfrm rot="5400000">
-              <a:off x="7260887" y="2104706"/>
-              <a:ext cx="712787" cy="396875"/>
-            </a:xfrm>
-            <a:prstGeom prst="rect">
-              <a:avLst/>
-            </a:prstGeom>
-            <a:noFill/>
-            <a:extLst>
-              <a:ext uri="{909E8E84-426E-40DD-AFC4-6F175D3DCCD1}">
-                <a14:hiddenFill xmlns:a14="http://schemas.microsoft.com/office/drawing/2010/main">
-                  <a:solidFill>
-                    <a:srgbClr val="FFFFFF"/>
-                  </a:solidFill>
-                </a14:hiddenFill>
-              </a:ext>
-            </a:extLst>
-          </p:spPr>
-        </p:pic>
-        <p:sp>
-          <p:nvSpPr>
-            <p:cNvPr id="99" name="Rounded Rectangle 98"/>
-            <p:cNvSpPr/>
-            <p:nvPr/>
-          </p:nvSpPr>
-          <p:spPr bwMode="auto">
-            <a:xfrm>
-              <a:off x="7128874" y="1628800"/>
-              <a:ext cx="720182" cy="461966"/>
-            </a:xfrm>
-            <a:prstGeom prst="roundRect">
-              <a:avLst/>
-            </a:prstGeom>
-            <a:solidFill>
-              <a:schemeClr val="bg1"/>
-            </a:solidFill>
-            <a:ln w="19050" cap="flat" cmpd="sng" algn="ctr">
-              <a:solidFill>
-                <a:schemeClr val="tx1"/>
-              </a:solidFill>
-              <a:prstDash val="solid"/>
-              <a:round/>
-              <a:headEnd type="none" w="med" len="med"/>
-              <a:tailEnd type="none" w="med" len="med"/>
-            </a:ln>
-            <a:effectLst/>
-          </p:spPr>
-          <p:style>
-            <a:lnRef idx="1">
-              <a:schemeClr val="accent1"/>
-            </a:lnRef>
-            <a:fillRef idx="3">
-              <a:schemeClr val="accent1"/>
-            </a:fillRef>
-            <a:effectRef idx="2">
-              <a:schemeClr val="accent1"/>
-            </a:effectRef>
-            <a:fontRef idx="minor">
-              <a:schemeClr val="lt1"/>
-            </a:fontRef>
-          </p:style>
-          <p:txBody>
-            <a:bodyPr anchor="ctr"/>
-            <a:lstStyle>
-              <a:lvl1pPr eaLnBrk="0" hangingPunct="0">
-                <a:defRPr sz="2400">
-                  <a:solidFill>
-                    <a:schemeClr val="tx1"/>
-                  </a:solidFill>
-                  <a:latin typeface="Arial" charset="0"/>
-                  <a:ea typeface="ＭＳ Ｐゴシック" charset="-128"/>
-                </a:defRPr>
-              </a:lvl1pPr>
-              <a:lvl2pPr marL="37931725" indent="-37474525" eaLnBrk="0" hangingPunct="0">
-                <a:defRPr sz="2400">
-                  <a:solidFill>
-                    <a:schemeClr val="tx1"/>
-                  </a:solidFill>
-                  <a:latin typeface="Arial" charset="0"/>
-                  <a:ea typeface="ＭＳ Ｐゴシック" charset="-128"/>
-                </a:defRPr>
-              </a:lvl2pPr>
-              <a:lvl3pPr eaLnBrk="0" hangingPunct="0">
-                <a:defRPr sz="2400">
-                  <a:solidFill>
-                    <a:schemeClr val="tx1"/>
-                  </a:solidFill>
-                  <a:latin typeface="Arial" charset="0"/>
-                  <a:ea typeface="ＭＳ Ｐゴシック" charset="-128"/>
-                </a:defRPr>
-              </a:lvl3pPr>
-              <a:lvl4pPr eaLnBrk="0" hangingPunct="0">
-                <a:defRPr sz="2400">
-                  <a:solidFill>
-                    <a:schemeClr val="tx1"/>
-                  </a:solidFill>
-                  <a:latin typeface="Arial" charset="0"/>
-                  <a:ea typeface="ＭＳ Ｐゴシック" charset="-128"/>
-                </a:defRPr>
-              </a:lvl4pPr>
-              <a:lvl5pPr eaLnBrk="0" hangingPunct="0">
-                <a:defRPr sz="2400">
-                  <a:solidFill>
-                    <a:schemeClr val="tx1"/>
-                  </a:solidFill>
-                  <a:latin typeface="Arial" charset="0"/>
-                  <a:ea typeface="ＭＳ Ｐゴシック" charset="-128"/>
-                </a:defRPr>
-              </a:lvl5pPr>
-              <a:lvl6pPr marL="457200" eaLnBrk="0" fontAlgn="base" hangingPunct="0">
-                <a:spcBef>
-                  <a:spcPct val="0"/>
-                </a:spcBef>
-                <a:spcAft>
-                  <a:spcPct val="0"/>
-                </a:spcAft>
-                <a:defRPr sz="2400">
-                  <a:solidFill>
-                    <a:schemeClr val="tx1"/>
-                  </a:solidFill>
-                  <a:latin typeface="Arial" charset="0"/>
-                  <a:ea typeface="ＭＳ Ｐゴシック" charset="-128"/>
-                </a:defRPr>
-              </a:lvl6pPr>
-              <a:lvl7pPr marL="914400" eaLnBrk="0" fontAlgn="base" hangingPunct="0">
-                <a:spcBef>
-                  <a:spcPct val="0"/>
-                </a:spcBef>
-                <a:spcAft>
-                  <a:spcPct val="0"/>
-                </a:spcAft>
-                <a:defRPr sz="2400">
-                  <a:solidFill>
-                    <a:schemeClr val="tx1"/>
-                  </a:solidFill>
-                  <a:latin typeface="Arial" charset="0"/>
-                  <a:ea typeface="ＭＳ Ｐゴシック" charset="-128"/>
-                </a:defRPr>
-              </a:lvl7pPr>
-              <a:lvl8pPr marL="1371600" eaLnBrk="0" fontAlgn="base" hangingPunct="0">
-                <a:spcBef>
-                  <a:spcPct val="0"/>
-                </a:spcBef>
-                <a:spcAft>
-                  <a:spcPct val="0"/>
-                </a:spcAft>
-                <a:defRPr sz="2400">
-                  <a:solidFill>
-                    <a:schemeClr val="tx1"/>
-                  </a:solidFill>
-                  <a:latin typeface="Arial" charset="0"/>
-                  <a:ea typeface="ＭＳ Ｐゴシック" charset="-128"/>
-                </a:defRPr>
-              </a:lvl8pPr>
-              <a:lvl9pPr marL="1828800" eaLnBrk="0" fontAlgn="base" hangingPunct="0">
-                <a:spcBef>
-                  <a:spcPct val="0"/>
-                </a:spcBef>
-                <a:spcAft>
-                  <a:spcPct val="0"/>
-                </a:spcAft>
-                <a:defRPr sz="2400">
-                  <a:solidFill>
-                    <a:schemeClr val="tx1"/>
-                  </a:solidFill>
-                  <a:latin typeface="Arial" charset="0"/>
-                  <a:ea typeface="ＭＳ Ｐゴシック" charset="-128"/>
-                </a:defRPr>
-              </a:lvl9pPr>
-            </a:lstStyle>
-            <a:p>
-              <a:pPr algn="ctr" eaLnBrk="1" hangingPunct="1"/>
-              <a:r>
-                <a:rPr lang="en-US" altLang="en-US" sz="1200" dirty="0" smtClean="0">
-                  <a:cs typeface="Arial" charset="0"/>
-                </a:rPr>
-                <a:t>via</a:t>
-              </a:r>
-              <a:endParaRPr lang="en-US" altLang="en-US" sz="1200" dirty="0">
-                <a:cs typeface="Arial" charset="0"/>
-              </a:endParaRPr>
-            </a:p>
-          </p:txBody>
-        </p:sp>
-      </p:grpSp>
       <p:pic>
         <p:nvPicPr>
-          <p:cNvPr id="107" name="Picture 4" descr="C:\Users\anhorni\Desktop\Picture1.png"/>
+          <p:cNvPr id="101" name="Picture 4" descr="C:\Users\anhorni\Desktop\Picture1.png"/>
           <p:cNvPicPr>
             <a:picLocks noChangeAspect="1" noChangeArrowheads="1"/>
           </p:cNvPicPr>
@@ -9400,8 +6038,8 @@
           </a:stretch>
         </p:blipFill>
         <p:spPr bwMode="auto">
-          <a:xfrm rot="18675116">
-            <a:off x="4579902" y="2857495"/>
+          <a:xfrm rot="5400000">
+            <a:off x="7753934" y="2377635"/>
             <a:ext cx="712787" cy="396875"/>
           </a:xfrm>
           <a:prstGeom prst="rect">
@@ -9442,7 +6080,7 @@
         </p:blipFill>
         <p:spPr bwMode="auto">
           <a:xfrm rot="5400000">
-            <a:off x="3889599" y="4663968"/>
+            <a:off x="4161755" y="5184426"/>
             <a:ext cx="712787" cy="396875"/>
           </a:xfrm>
           <a:prstGeom prst="rect">
@@ -9460,334 +6098,6 @@
           </a:extLst>
         </p:spPr>
       </p:pic>
-      <p:sp>
-        <p:nvSpPr>
-          <p:cNvPr id="106" name="Rounded Rectangle 105"/>
-          <p:cNvSpPr/>
-          <p:nvPr/>
-        </p:nvSpPr>
-        <p:spPr bwMode="auto">
-          <a:xfrm>
-            <a:off x="5724698" y="4830362"/>
-            <a:ext cx="1002613" cy="461966"/>
-          </a:xfrm>
-          <a:prstGeom prst="roundRect">
-            <a:avLst/>
-          </a:prstGeom>
-          <a:solidFill>
-            <a:schemeClr val="bg1"/>
-          </a:solidFill>
-          <a:ln w="19050" cap="flat" cmpd="sng" algn="ctr">
-            <a:solidFill>
-              <a:schemeClr val="tx1"/>
-            </a:solidFill>
-            <a:prstDash val="solid"/>
-            <a:round/>
-            <a:headEnd type="none" w="med" len="med"/>
-            <a:tailEnd type="none" w="med" len="med"/>
-          </a:ln>
-          <a:effectLst/>
-        </p:spPr>
-        <p:style>
-          <a:lnRef idx="1">
-            <a:schemeClr val="accent1"/>
-          </a:lnRef>
-          <a:fillRef idx="3">
-            <a:schemeClr val="accent1"/>
-          </a:fillRef>
-          <a:effectRef idx="2">
-            <a:schemeClr val="accent1"/>
-          </a:effectRef>
-          <a:fontRef idx="minor">
-            <a:schemeClr val="lt1"/>
-          </a:fontRef>
-        </p:style>
-        <p:txBody>
-          <a:bodyPr anchor="ctr"/>
-          <a:lstStyle>
-            <a:lvl1pPr eaLnBrk="0" hangingPunct="0">
-              <a:defRPr sz="2400">
-                <a:solidFill>
-                  <a:schemeClr val="tx1"/>
-                </a:solidFill>
-                <a:latin typeface="Arial" charset="0"/>
-                <a:ea typeface="ＭＳ Ｐゴシック" charset="-128"/>
-              </a:defRPr>
-            </a:lvl1pPr>
-            <a:lvl2pPr marL="37931725" indent="-37474525" eaLnBrk="0" hangingPunct="0">
-              <a:defRPr sz="2400">
-                <a:solidFill>
-                  <a:schemeClr val="tx1"/>
-                </a:solidFill>
-                <a:latin typeface="Arial" charset="0"/>
-                <a:ea typeface="ＭＳ Ｐゴシック" charset="-128"/>
-              </a:defRPr>
-            </a:lvl2pPr>
-            <a:lvl3pPr eaLnBrk="0" hangingPunct="0">
-              <a:defRPr sz="2400">
-                <a:solidFill>
-                  <a:schemeClr val="tx1"/>
-                </a:solidFill>
-                <a:latin typeface="Arial" charset="0"/>
-                <a:ea typeface="ＭＳ Ｐゴシック" charset="-128"/>
-              </a:defRPr>
-            </a:lvl3pPr>
-            <a:lvl4pPr eaLnBrk="0" hangingPunct="0">
-              <a:defRPr sz="2400">
-                <a:solidFill>
-                  <a:schemeClr val="tx1"/>
-                </a:solidFill>
-                <a:latin typeface="Arial" charset="0"/>
-                <a:ea typeface="ＭＳ Ｐゴシック" charset="-128"/>
-              </a:defRPr>
-            </a:lvl4pPr>
-            <a:lvl5pPr eaLnBrk="0" hangingPunct="0">
-              <a:defRPr sz="2400">
-                <a:solidFill>
-                  <a:schemeClr val="tx1"/>
-                </a:solidFill>
-                <a:latin typeface="Arial" charset="0"/>
-                <a:ea typeface="ＭＳ Ｐゴシック" charset="-128"/>
-              </a:defRPr>
-            </a:lvl5pPr>
-            <a:lvl6pPr marL="457200" eaLnBrk="0" fontAlgn="base" hangingPunct="0">
-              <a:spcBef>
-                <a:spcPct val="0"/>
-              </a:spcBef>
-              <a:spcAft>
-                <a:spcPct val="0"/>
-              </a:spcAft>
-              <a:defRPr sz="2400">
-                <a:solidFill>
-                  <a:schemeClr val="tx1"/>
-                </a:solidFill>
-                <a:latin typeface="Arial" charset="0"/>
-                <a:ea typeface="ＭＳ Ｐゴシック" charset="-128"/>
-              </a:defRPr>
-            </a:lvl6pPr>
-            <a:lvl7pPr marL="914400" eaLnBrk="0" fontAlgn="base" hangingPunct="0">
-              <a:spcBef>
-                <a:spcPct val="0"/>
-              </a:spcBef>
-              <a:spcAft>
-                <a:spcPct val="0"/>
-              </a:spcAft>
-              <a:defRPr sz="2400">
-                <a:solidFill>
-                  <a:schemeClr val="tx1"/>
-                </a:solidFill>
-                <a:latin typeface="Arial" charset="0"/>
-                <a:ea typeface="ＭＳ Ｐゴシック" charset="-128"/>
-              </a:defRPr>
-            </a:lvl7pPr>
-            <a:lvl8pPr marL="1371600" eaLnBrk="0" fontAlgn="base" hangingPunct="0">
-              <a:spcBef>
-                <a:spcPct val="0"/>
-              </a:spcBef>
-              <a:spcAft>
-                <a:spcPct val="0"/>
-              </a:spcAft>
-              <a:defRPr sz="2400">
-                <a:solidFill>
-                  <a:schemeClr val="tx1"/>
-                </a:solidFill>
-                <a:latin typeface="Arial" charset="0"/>
-                <a:ea typeface="ＭＳ Ｐゴシック" charset="-128"/>
-              </a:defRPr>
-            </a:lvl8pPr>
-            <a:lvl9pPr marL="1828800" eaLnBrk="0" fontAlgn="base" hangingPunct="0">
-              <a:spcBef>
-                <a:spcPct val="0"/>
-              </a:spcBef>
-              <a:spcAft>
-                <a:spcPct val="0"/>
-              </a:spcAft>
-              <a:defRPr sz="2400">
-                <a:solidFill>
-                  <a:schemeClr val="tx1"/>
-                </a:solidFill>
-                <a:latin typeface="Arial" charset="0"/>
-                <a:ea typeface="ＭＳ Ｐゴシック" charset="-128"/>
-              </a:defRPr>
-            </a:lvl9pPr>
-          </a:lstStyle>
-          <a:p>
-            <a:pPr algn="ctr" eaLnBrk="1" hangingPunct="1"/>
-            <a:r>
-              <a:rPr lang="en-US" altLang="en-US" sz="1200" dirty="0" smtClean="0">
-                <a:cs typeface="Arial" charset="0"/>
-              </a:rPr>
-              <a:t>road</a:t>
-            </a:r>
-          </a:p>
-          <a:p>
-            <a:pPr algn="ctr" eaLnBrk="1" hangingPunct="1"/>
-            <a:r>
-              <a:rPr lang="en-US" altLang="en-US" sz="1200" dirty="0" smtClean="0">
-                <a:cs typeface="Arial" charset="0"/>
-              </a:rPr>
-              <a:t>pricing</a:t>
-            </a:r>
-            <a:endParaRPr lang="en-US" altLang="en-US" sz="1200" dirty="0">
-              <a:cs typeface="Arial" charset="0"/>
-            </a:endParaRPr>
-          </a:p>
-        </p:txBody>
-      </p:sp>
-      <p:sp>
-        <p:nvSpPr>
-          <p:cNvPr id="110" name="Freeform 109"/>
-          <p:cNvSpPr/>
-          <p:nvPr/>
-        </p:nvSpPr>
-        <p:spPr>
-          <a:xfrm>
-            <a:off x="4392964" y="3335018"/>
-            <a:ext cx="433633" cy="678730"/>
-          </a:xfrm>
-          <a:custGeom>
-            <a:avLst/>
-            <a:gdLst>
-              <a:gd name="connsiteX0" fmla="*/ 433633 w 433633"/>
-              <a:gd name="connsiteY0" fmla="*/ 0 h 678730"/>
-              <a:gd name="connsiteX1" fmla="*/ 377072 w 433633"/>
-              <a:gd name="connsiteY1" fmla="*/ 28280 h 678730"/>
-              <a:gd name="connsiteX2" fmla="*/ 273377 w 433633"/>
-              <a:gd name="connsiteY2" fmla="*/ 75414 h 678730"/>
-              <a:gd name="connsiteX3" fmla="*/ 216816 w 433633"/>
-              <a:gd name="connsiteY3" fmla="*/ 131975 h 678730"/>
-              <a:gd name="connsiteX4" fmla="*/ 169682 w 433633"/>
-              <a:gd name="connsiteY4" fmla="*/ 188536 h 678730"/>
-              <a:gd name="connsiteX5" fmla="*/ 131975 w 433633"/>
-              <a:gd name="connsiteY5" fmla="*/ 197963 h 678730"/>
-              <a:gd name="connsiteX6" fmla="*/ 84841 w 433633"/>
-              <a:gd name="connsiteY6" fmla="*/ 273377 h 678730"/>
-              <a:gd name="connsiteX7" fmla="*/ 37707 w 433633"/>
-              <a:gd name="connsiteY7" fmla="*/ 358219 h 678730"/>
-              <a:gd name="connsiteX8" fmla="*/ 18853 w 433633"/>
-              <a:gd name="connsiteY8" fmla="*/ 414779 h 678730"/>
-              <a:gd name="connsiteX9" fmla="*/ 0 w 433633"/>
-              <a:gd name="connsiteY9" fmla="*/ 678730 h 678730"/>
-            </a:gdLst>
-            <a:ahLst/>
-            <a:cxnLst>
-              <a:cxn ang="0">
-                <a:pos x="connsiteX0" y="connsiteY0"/>
-              </a:cxn>
-              <a:cxn ang="0">
-                <a:pos x="connsiteX1" y="connsiteY1"/>
-              </a:cxn>
-              <a:cxn ang="0">
-                <a:pos x="connsiteX2" y="connsiteY2"/>
-              </a:cxn>
-              <a:cxn ang="0">
-                <a:pos x="connsiteX3" y="connsiteY3"/>
-              </a:cxn>
-              <a:cxn ang="0">
-                <a:pos x="connsiteX4" y="connsiteY4"/>
-              </a:cxn>
-              <a:cxn ang="0">
-                <a:pos x="connsiteX5" y="connsiteY5"/>
-              </a:cxn>
-              <a:cxn ang="0">
-                <a:pos x="connsiteX6" y="connsiteY6"/>
-              </a:cxn>
-              <a:cxn ang="0">
-                <a:pos x="connsiteX7" y="connsiteY7"/>
-              </a:cxn>
-              <a:cxn ang="0">
-                <a:pos x="connsiteX8" y="connsiteY8"/>
-              </a:cxn>
-              <a:cxn ang="0">
-                <a:pos x="connsiteX9" y="connsiteY9"/>
-              </a:cxn>
-            </a:cxnLst>
-            <a:rect l="l" t="t" r="r" b="b"/>
-            <a:pathLst>
-              <a:path w="433633" h="678730">
-                <a:moveTo>
-                  <a:pt x="433633" y="0"/>
-                </a:moveTo>
-                <a:cubicBezTo>
-                  <a:pt x="414779" y="9427"/>
-                  <a:pt x="396530" y="20173"/>
-                  <a:pt x="377072" y="28280"/>
-                </a:cubicBezTo>
-                <a:cubicBezTo>
-                  <a:pt x="325610" y="49723"/>
-                  <a:pt x="316826" y="39865"/>
-                  <a:pt x="273377" y="75414"/>
-                </a:cubicBezTo>
-                <a:cubicBezTo>
-                  <a:pt x="252741" y="92298"/>
-                  <a:pt x="231605" y="109790"/>
-                  <a:pt x="216816" y="131975"/>
-                </a:cubicBezTo>
-                <a:cubicBezTo>
-                  <a:pt x="204801" y="149998"/>
-                  <a:pt x="189227" y="177368"/>
-                  <a:pt x="169682" y="188536"/>
-                </a:cubicBezTo>
-                <a:cubicBezTo>
-                  <a:pt x="158433" y="194964"/>
-                  <a:pt x="144544" y="194821"/>
-                  <a:pt x="131975" y="197963"/>
-                </a:cubicBezTo>
-                <a:cubicBezTo>
-                  <a:pt x="107665" y="230377"/>
-                  <a:pt x="99629" y="236407"/>
-                  <a:pt x="84841" y="273377"/>
-                </a:cubicBezTo>
-                <a:cubicBezTo>
-                  <a:pt x="54081" y="350276"/>
-                  <a:pt x="85198" y="310726"/>
-                  <a:pt x="37707" y="358219"/>
-                </a:cubicBezTo>
-                <a:cubicBezTo>
-                  <a:pt x="31422" y="377072"/>
-                  <a:pt x="20321" y="394960"/>
-                  <a:pt x="18853" y="414779"/>
-                </a:cubicBezTo>
-                <a:cubicBezTo>
-                  <a:pt x="-232" y="672437"/>
-                  <a:pt x="0" y="584229"/>
-                  <a:pt x="0" y="678730"/>
-                </a:cubicBezTo>
-              </a:path>
-            </a:pathLst>
-          </a:custGeom>
-          <a:noFill/>
-          <a:ln w="15875">
-            <a:solidFill>
-              <a:schemeClr val="tx1"/>
-            </a:solidFill>
-          </a:ln>
-        </p:spPr>
-        <p:style>
-          <a:lnRef idx="2">
-            <a:schemeClr val="accent1">
-              <a:shade val="50000"/>
-            </a:schemeClr>
-          </a:lnRef>
-          <a:fillRef idx="1">
-            <a:schemeClr val="accent1"/>
-          </a:fillRef>
-          <a:effectRef idx="0">
-            <a:schemeClr val="accent1"/>
-          </a:effectRef>
-          <a:fontRef idx="minor">
-            <a:schemeClr val="lt1"/>
-          </a:fontRef>
-        </p:style>
-        <p:txBody>
-          <a:bodyPr rtlCol="0" anchor="ctr"/>
-          <a:lstStyle/>
-          <a:p>
-            <a:pPr algn="ctr"/>
-            <a:endParaRPr lang="en-US"/>
-          </a:p>
-        </p:txBody>
-      </p:sp>
       <p:grpSp>
         <p:nvGrpSpPr>
           <p:cNvPr id="111" name="Group 110"/>
@@ -9796,7 +6106,7 @@
         </p:nvGrpSpPr>
         <p:grpSpPr>
           <a:xfrm>
-            <a:off x="5870456" y="1282589"/>
+            <a:off x="5447398" y="1865964"/>
             <a:ext cx="940906" cy="1030737"/>
             <a:chOff x="7128873" y="1628800"/>
             <a:chExt cx="940906" cy="1030737"/>
@@ -9997,369 +6307,18 @@
             <a:p>
               <a:pPr algn="ctr" eaLnBrk="1" hangingPunct="1"/>
               <a:r>
-                <a:rPr lang="en-US" altLang="en-US" sz="1200" dirty="0">
+                <a:rPr lang="en-US" altLang="en-US" sz="1200" b="1" dirty="0" smtClean="0">
                   <a:cs typeface="Arial" charset="0"/>
                 </a:rPr>
-                <a:t>s</a:t>
+                <a:t>scoring</a:t>
               </a:r>
-              <a:r>
-                <a:rPr lang="en-US" altLang="en-US" sz="1200" dirty="0" smtClean="0">
-                  <a:cs typeface="Arial" charset="0"/>
-                </a:rPr>
-                <a:t>coring</a:t>
-              </a:r>
-            </a:p>
-            <a:p>
-              <a:pPr algn="ctr" eaLnBrk="1" hangingPunct="1"/>
-              <a:r>
-                <a:rPr lang="en-US" altLang="en-US" sz="1200" dirty="0" smtClean="0">
-                  <a:cs typeface="Arial" charset="0"/>
-                </a:rPr>
-                <a:t>functions</a:t>
-              </a:r>
-              <a:endParaRPr lang="en-US" altLang="en-US" sz="1200" dirty="0">
+              <a:endParaRPr lang="en-US" altLang="en-US" sz="1200" b="1" dirty="0" smtClean="0">
                 <a:cs typeface="Arial" charset="0"/>
               </a:endParaRPr>
             </a:p>
           </p:txBody>
         </p:sp>
       </p:grpSp>
-      <p:sp>
-        <p:nvSpPr>
-          <p:cNvPr id="119" name="Rounded Rectangle 118"/>
-          <p:cNvSpPr/>
-          <p:nvPr/>
-        </p:nvSpPr>
-        <p:spPr bwMode="auto">
-          <a:xfrm>
-            <a:off x="7668953" y="860410"/>
-            <a:ext cx="881199" cy="461966"/>
-          </a:xfrm>
-          <a:prstGeom prst="roundRect">
-            <a:avLst/>
-          </a:prstGeom>
-          <a:solidFill>
-            <a:schemeClr val="bg1"/>
-          </a:solidFill>
-          <a:ln w="19050" cap="flat" cmpd="sng" algn="ctr">
-            <a:solidFill>
-              <a:schemeClr val="tx1"/>
-            </a:solidFill>
-            <a:prstDash val="solid"/>
-            <a:round/>
-            <a:headEnd type="none" w="med" len="med"/>
-            <a:tailEnd type="none" w="med" len="med"/>
-          </a:ln>
-          <a:effectLst/>
-        </p:spPr>
-        <p:style>
-          <a:lnRef idx="1">
-            <a:schemeClr val="accent1"/>
-          </a:lnRef>
-          <a:fillRef idx="3">
-            <a:schemeClr val="accent1"/>
-          </a:fillRef>
-          <a:effectRef idx="2">
-            <a:schemeClr val="accent1"/>
-          </a:effectRef>
-          <a:fontRef idx="minor">
-            <a:schemeClr val="lt1"/>
-          </a:fontRef>
-        </p:style>
-        <p:txBody>
-          <a:bodyPr anchor="ctr"/>
-          <a:lstStyle>
-            <a:lvl1pPr eaLnBrk="0" hangingPunct="0">
-              <a:defRPr sz="2400">
-                <a:solidFill>
-                  <a:schemeClr val="tx1"/>
-                </a:solidFill>
-                <a:latin typeface="Arial" charset="0"/>
-                <a:ea typeface="ＭＳ Ｐゴシック" charset="-128"/>
-              </a:defRPr>
-            </a:lvl1pPr>
-            <a:lvl2pPr marL="37931725" indent="-37474525" eaLnBrk="0" hangingPunct="0">
-              <a:defRPr sz="2400">
-                <a:solidFill>
-                  <a:schemeClr val="tx1"/>
-                </a:solidFill>
-                <a:latin typeface="Arial" charset="0"/>
-                <a:ea typeface="ＭＳ Ｐゴシック" charset="-128"/>
-              </a:defRPr>
-            </a:lvl2pPr>
-            <a:lvl3pPr eaLnBrk="0" hangingPunct="0">
-              <a:defRPr sz="2400">
-                <a:solidFill>
-                  <a:schemeClr val="tx1"/>
-                </a:solidFill>
-                <a:latin typeface="Arial" charset="0"/>
-                <a:ea typeface="ＭＳ Ｐゴシック" charset="-128"/>
-              </a:defRPr>
-            </a:lvl3pPr>
-            <a:lvl4pPr eaLnBrk="0" hangingPunct="0">
-              <a:defRPr sz="2400">
-                <a:solidFill>
-                  <a:schemeClr val="tx1"/>
-                </a:solidFill>
-                <a:latin typeface="Arial" charset="0"/>
-                <a:ea typeface="ＭＳ Ｐゴシック" charset="-128"/>
-              </a:defRPr>
-            </a:lvl4pPr>
-            <a:lvl5pPr eaLnBrk="0" hangingPunct="0">
-              <a:defRPr sz="2400">
-                <a:solidFill>
-                  <a:schemeClr val="tx1"/>
-                </a:solidFill>
-                <a:latin typeface="Arial" charset="0"/>
-                <a:ea typeface="ＭＳ Ｐゴシック" charset="-128"/>
-              </a:defRPr>
-            </a:lvl5pPr>
-            <a:lvl6pPr marL="457200" eaLnBrk="0" fontAlgn="base" hangingPunct="0">
-              <a:spcBef>
-                <a:spcPct val="0"/>
-              </a:spcBef>
-              <a:spcAft>
-                <a:spcPct val="0"/>
-              </a:spcAft>
-              <a:defRPr sz="2400">
-                <a:solidFill>
-                  <a:schemeClr val="tx1"/>
-                </a:solidFill>
-                <a:latin typeface="Arial" charset="0"/>
-                <a:ea typeface="ＭＳ Ｐゴシック" charset="-128"/>
-              </a:defRPr>
-            </a:lvl6pPr>
-            <a:lvl7pPr marL="914400" eaLnBrk="0" fontAlgn="base" hangingPunct="0">
-              <a:spcBef>
-                <a:spcPct val="0"/>
-              </a:spcBef>
-              <a:spcAft>
-                <a:spcPct val="0"/>
-              </a:spcAft>
-              <a:defRPr sz="2400">
-                <a:solidFill>
-                  <a:schemeClr val="tx1"/>
-                </a:solidFill>
-                <a:latin typeface="Arial" charset="0"/>
-                <a:ea typeface="ＭＳ Ｐゴシック" charset="-128"/>
-              </a:defRPr>
-            </a:lvl7pPr>
-            <a:lvl8pPr marL="1371600" eaLnBrk="0" fontAlgn="base" hangingPunct="0">
-              <a:spcBef>
-                <a:spcPct val="0"/>
-              </a:spcBef>
-              <a:spcAft>
-                <a:spcPct val="0"/>
-              </a:spcAft>
-              <a:defRPr sz="2400">
-                <a:solidFill>
-                  <a:schemeClr val="tx1"/>
-                </a:solidFill>
-                <a:latin typeface="Arial" charset="0"/>
-                <a:ea typeface="ＭＳ Ｐゴシック" charset="-128"/>
-              </a:defRPr>
-            </a:lvl8pPr>
-            <a:lvl9pPr marL="1828800" eaLnBrk="0" fontAlgn="base" hangingPunct="0">
-              <a:spcBef>
-                <a:spcPct val="0"/>
-              </a:spcBef>
-              <a:spcAft>
-                <a:spcPct val="0"/>
-              </a:spcAft>
-              <a:defRPr sz="2400">
-                <a:solidFill>
-                  <a:schemeClr val="tx1"/>
-                </a:solidFill>
-                <a:latin typeface="Arial" charset="0"/>
-                <a:ea typeface="ＭＳ Ｐゴシック" charset="-128"/>
-              </a:defRPr>
-            </a:lvl9pPr>
-          </a:lstStyle>
-          <a:p>
-            <a:pPr algn="ctr" eaLnBrk="1" hangingPunct="1"/>
-            <a:r>
-              <a:rPr lang="en-US" altLang="en-US" sz="1200" dirty="0">
-                <a:cs typeface="Arial" charset="0"/>
-              </a:rPr>
-              <a:t>t</a:t>
-            </a:r>
-            <a:r>
-              <a:rPr lang="en-US" altLang="en-US" sz="1200" dirty="0" smtClean="0">
-                <a:cs typeface="Arial" charset="0"/>
-              </a:rPr>
-              <a:t>ableau</a:t>
-            </a:r>
-            <a:endParaRPr lang="en-US" altLang="en-US" sz="1200" dirty="0">
-              <a:cs typeface="Arial" charset="0"/>
-            </a:endParaRPr>
-          </a:p>
-        </p:txBody>
-      </p:sp>
-      <p:sp>
-        <p:nvSpPr>
-          <p:cNvPr id="105" name="Rounded Rectangle 104"/>
-          <p:cNvSpPr/>
-          <p:nvPr/>
-        </p:nvSpPr>
-        <p:spPr bwMode="auto">
-          <a:xfrm>
-            <a:off x="8011851" y="539800"/>
-            <a:ext cx="881199" cy="461966"/>
-          </a:xfrm>
-          <a:prstGeom prst="roundRect">
-            <a:avLst/>
-          </a:prstGeom>
-          <a:solidFill>
-            <a:schemeClr val="bg1"/>
-          </a:solidFill>
-          <a:ln w="19050" cap="flat" cmpd="sng" algn="ctr">
-            <a:solidFill>
-              <a:schemeClr val="tx1"/>
-            </a:solidFill>
-            <a:prstDash val="solid"/>
-            <a:round/>
-            <a:headEnd type="none" w="med" len="med"/>
-            <a:tailEnd type="none" w="med" len="med"/>
-          </a:ln>
-          <a:effectLst/>
-        </p:spPr>
-        <p:style>
-          <a:lnRef idx="1">
-            <a:schemeClr val="accent1"/>
-          </a:lnRef>
-          <a:fillRef idx="3">
-            <a:schemeClr val="accent1"/>
-          </a:fillRef>
-          <a:effectRef idx="2">
-            <a:schemeClr val="accent1"/>
-          </a:effectRef>
-          <a:fontRef idx="minor">
-            <a:schemeClr val="lt1"/>
-          </a:fontRef>
-        </p:style>
-        <p:txBody>
-          <a:bodyPr anchor="ctr"/>
-          <a:lstStyle>
-            <a:lvl1pPr eaLnBrk="0" hangingPunct="0">
-              <a:defRPr sz="2400">
-                <a:solidFill>
-                  <a:schemeClr val="tx1"/>
-                </a:solidFill>
-                <a:latin typeface="Arial" charset="0"/>
-                <a:ea typeface="ＭＳ Ｐゴシック" charset="-128"/>
-              </a:defRPr>
-            </a:lvl1pPr>
-            <a:lvl2pPr marL="37931725" indent="-37474525" eaLnBrk="0" hangingPunct="0">
-              <a:defRPr sz="2400">
-                <a:solidFill>
-                  <a:schemeClr val="tx1"/>
-                </a:solidFill>
-                <a:latin typeface="Arial" charset="0"/>
-                <a:ea typeface="ＭＳ Ｐゴシック" charset="-128"/>
-              </a:defRPr>
-            </a:lvl2pPr>
-            <a:lvl3pPr eaLnBrk="0" hangingPunct="0">
-              <a:defRPr sz="2400">
-                <a:solidFill>
-                  <a:schemeClr val="tx1"/>
-                </a:solidFill>
-                <a:latin typeface="Arial" charset="0"/>
-                <a:ea typeface="ＭＳ Ｐゴシック" charset="-128"/>
-              </a:defRPr>
-            </a:lvl3pPr>
-            <a:lvl4pPr eaLnBrk="0" hangingPunct="0">
-              <a:defRPr sz="2400">
-                <a:solidFill>
-                  <a:schemeClr val="tx1"/>
-                </a:solidFill>
-                <a:latin typeface="Arial" charset="0"/>
-                <a:ea typeface="ＭＳ Ｐゴシック" charset="-128"/>
-              </a:defRPr>
-            </a:lvl4pPr>
-            <a:lvl5pPr eaLnBrk="0" hangingPunct="0">
-              <a:defRPr sz="2400">
-                <a:solidFill>
-                  <a:schemeClr val="tx1"/>
-                </a:solidFill>
-                <a:latin typeface="Arial" charset="0"/>
-                <a:ea typeface="ＭＳ Ｐゴシック" charset="-128"/>
-              </a:defRPr>
-            </a:lvl5pPr>
-            <a:lvl6pPr marL="457200" eaLnBrk="0" fontAlgn="base" hangingPunct="0">
-              <a:spcBef>
-                <a:spcPct val="0"/>
-              </a:spcBef>
-              <a:spcAft>
-                <a:spcPct val="0"/>
-              </a:spcAft>
-              <a:defRPr sz="2400">
-                <a:solidFill>
-                  <a:schemeClr val="tx1"/>
-                </a:solidFill>
-                <a:latin typeface="Arial" charset="0"/>
-                <a:ea typeface="ＭＳ Ｐゴシック" charset="-128"/>
-              </a:defRPr>
-            </a:lvl6pPr>
-            <a:lvl7pPr marL="914400" eaLnBrk="0" fontAlgn="base" hangingPunct="0">
-              <a:spcBef>
-                <a:spcPct val="0"/>
-              </a:spcBef>
-              <a:spcAft>
-                <a:spcPct val="0"/>
-              </a:spcAft>
-              <a:defRPr sz="2400">
-                <a:solidFill>
-                  <a:schemeClr val="tx1"/>
-                </a:solidFill>
-                <a:latin typeface="Arial" charset="0"/>
-                <a:ea typeface="ＭＳ Ｐゴシック" charset="-128"/>
-              </a:defRPr>
-            </a:lvl7pPr>
-            <a:lvl8pPr marL="1371600" eaLnBrk="0" fontAlgn="base" hangingPunct="0">
-              <a:spcBef>
-                <a:spcPct val="0"/>
-              </a:spcBef>
-              <a:spcAft>
-                <a:spcPct val="0"/>
-              </a:spcAft>
-              <a:defRPr sz="2400">
-                <a:solidFill>
-                  <a:schemeClr val="tx1"/>
-                </a:solidFill>
-                <a:latin typeface="Arial" charset="0"/>
-                <a:ea typeface="ＭＳ Ｐゴシック" charset="-128"/>
-              </a:defRPr>
-            </a:lvl8pPr>
-            <a:lvl9pPr marL="1828800" eaLnBrk="0" fontAlgn="base" hangingPunct="0">
-              <a:spcBef>
-                <a:spcPct val="0"/>
-              </a:spcBef>
-              <a:spcAft>
-                <a:spcPct val="0"/>
-              </a:spcAft>
-              <a:defRPr sz="2400">
-                <a:solidFill>
-                  <a:schemeClr val="tx1"/>
-                </a:solidFill>
-                <a:latin typeface="Arial" charset="0"/>
-                <a:ea typeface="ＭＳ Ｐゴシック" charset="-128"/>
-              </a:defRPr>
-            </a:lvl9pPr>
-          </a:lstStyle>
-          <a:p>
-            <a:pPr algn="ctr" eaLnBrk="1" hangingPunct="1"/>
-            <a:r>
-              <a:rPr lang="en-US" altLang="en-US" sz="1200" dirty="0" smtClean="0">
-                <a:cs typeface="Arial" charset="0"/>
-              </a:rPr>
-              <a:t>counts</a:t>
-            </a:r>
-            <a:endParaRPr lang="en-US" altLang="en-US" sz="1200" dirty="0">
-              <a:cs typeface="Arial" charset="0"/>
-            </a:endParaRPr>
-          </a:p>
-        </p:txBody>
-      </p:sp>
       <p:pic>
         <p:nvPicPr>
           <p:cNvPr id="124" name="Picture 4" descr="C:\Users\anhorni\Desktop\Picture1.png"/>
@@ -10383,7 +6342,7 @@
         </p:blipFill>
         <p:spPr bwMode="auto">
           <a:xfrm rot="14681738">
-            <a:off x="3443923" y="3127875"/>
+            <a:off x="2470921" y="3622628"/>
             <a:ext cx="712787" cy="396875"/>
           </a:xfrm>
           <a:prstGeom prst="rect">
@@ -10401,643 +6360,6 @@
           </a:extLst>
         </p:spPr>
       </p:pic>
-      <p:grpSp>
-        <p:nvGrpSpPr>
-          <p:cNvPr id="89" name="Group 88"/>
-          <p:cNvGrpSpPr/>
-          <p:nvPr/>
-        </p:nvGrpSpPr>
-        <p:grpSpPr>
-          <a:xfrm>
-            <a:off x="2323219" y="2958154"/>
-            <a:ext cx="881199" cy="1038030"/>
-            <a:chOff x="457939" y="4797152"/>
-            <a:chExt cx="881199" cy="1038030"/>
-          </a:xfrm>
-        </p:grpSpPr>
-        <p:pic>
-          <p:nvPicPr>
-            <p:cNvPr id="90" name="Picture 4" descr="C:\Users\anhorni\Desktop\Picture1.png"/>
-            <p:cNvPicPr>
-              <a:picLocks noChangeAspect="1" noChangeArrowheads="1"/>
-            </p:cNvPicPr>
-            <p:nvPr/>
-          </p:nvPicPr>
-          <p:blipFill>
-            <a:blip r:embed="rId3">
-              <a:extLst>
-                <a:ext uri="{28A0092B-C50C-407E-A947-70E740481C1C}">
-                  <a14:useLocalDpi xmlns:a14="http://schemas.microsoft.com/office/drawing/2010/main" val="0"/>
-                </a:ext>
-              </a:extLst>
-            </a:blip>
-            <a:srcRect/>
-            <a:stretch>
-              <a:fillRect/>
-            </a:stretch>
-          </p:blipFill>
-          <p:spPr bwMode="auto">
-            <a:xfrm rot="16200000">
-              <a:off x="420136" y="4955108"/>
-              <a:ext cx="712787" cy="396875"/>
-            </a:xfrm>
-            <a:prstGeom prst="rect">
-              <a:avLst/>
-            </a:prstGeom>
-            <a:noFill/>
-            <a:extLst>
-              <a:ext uri="{909E8E84-426E-40DD-AFC4-6F175D3DCCD1}">
-                <a14:hiddenFill xmlns:a14="http://schemas.microsoft.com/office/drawing/2010/main">
-                  <a:solidFill>
-                    <a:srgbClr val="FFFFFF"/>
-                  </a:solidFill>
-                </a14:hiddenFill>
-              </a:ext>
-            </a:extLst>
-          </p:spPr>
-        </p:pic>
-        <p:sp>
-          <p:nvSpPr>
-            <p:cNvPr id="91" name="Rounded Rectangle 90"/>
-            <p:cNvSpPr/>
-            <p:nvPr/>
-          </p:nvSpPr>
-          <p:spPr bwMode="auto">
-            <a:xfrm>
-              <a:off x="457939" y="5373216"/>
-              <a:ext cx="881199" cy="461966"/>
-            </a:xfrm>
-            <a:prstGeom prst="roundRect">
-              <a:avLst/>
-            </a:prstGeom>
-            <a:solidFill>
-              <a:schemeClr val="bg1"/>
-            </a:solidFill>
-            <a:ln w="19050" cap="flat" cmpd="sng" algn="ctr">
-              <a:solidFill>
-                <a:schemeClr val="tx1"/>
-              </a:solidFill>
-              <a:prstDash val="solid"/>
-              <a:round/>
-              <a:headEnd type="none" w="med" len="med"/>
-              <a:tailEnd type="none" w="med" len="med"/>
-            </a:ln>
-            <a:effectLst/>
-          </p:spPr>
-          <p:style>
-            <a:lnRef idx="1">
-              <a:schemeClr val="accent1"/>
-            </a:lnRef>
-            <a:fillRef idx="3">
-              <a:schemeClr val="accent1"/>
-            </a:fillRef>
-            <a:effectRef idx="2">
-              <a:schemeClr val="accent1"/>
-            </a:effectRef>
-            <a:fontRef idx="minor">
-              <a:schemeClr val="lt1"/>
-            </a:fontRef>
-          </p:style>
-          <p:txBody>
-            <a:bodyPr anchor="ctr"/>
-            <a:lstStyle>
-              <a:lvl1pPr eaLnBrk="0" hangingPunct="0">
-                <a:defRPr sz="2400">
-                  <a:solidFill>
-                    <a:schemeClr val="tx1"/>
-                  </a:solidFill>
-                  <a:latin typeface="Arial" charset="0"/>
-                  <a:ea typeface="ＭＳ Ｐゴシック" charset="-128"/>
-                </a:defRPr>
-              </a:lvl1pPr>
-              <a:lvl2pPr marL="37931725" indent="-37474525" eaLnBrk="0" hangingPunct="0">
-                <a:defRPr sz="2400">
-                  <a:solidFill>
-                    <a:schemeClr val="tx1"/>
-                  </a:solidFill>
-                  <a:latin typeface="Arial" charset="0"/>
-                  <a:ea typeface="ＭＳ Ｐゴシック" charset="-128"/>
-                </a:defRPr>
-              </a:lvl2pPr>
-              <a:lvl3pPr eaLnBrk="0" hangingPunct="0">
-                <a:defRPr sz="2400">
-                  <a:solidFill>
-                    <a:schemeClr val="tx1"/>
-                  </a:solidFill>
-                  <a:latin typeface="Arial" charset="0"/>
-                  <a:ea typeface="ＭＳ Ｐゴシック" charset="-128"/>
-                </a:defRPr>
-              </a:lvl3pPr>
-              <a:lvl4pPr eaLnBrk="0" hangingPunct="0">
-                <a:defRPr sz="2400">
-                  <a:solidFill>
-                    <a:schemeClr val="tx1"/>
-                  </a:solidFill>
-                  <a:latin typeface="Arial" charset="0"/>
-                  <a:ea typeface="ＭＳ Ｐゴシック" charset="-128"/>
-                </a:defRPr>
-              </a:lvl4pPr>
-              <a:lvl5pPr eaLnBrk="0" hangingPunct="0">
-                <a:defRPr sz="2400">
-                  <a:solidFill>
-                    <a:schemeClr val="tx1"/>
-                  </a:solidFill>
-                  <a:latin typeface="Arial" charset="0"/>
-                  <a:ea typeface="ＭＳ Ｐゴシック" charset="-128"/>
-                </a:defRPr>
-              </a:lvl5pPr>
-              <a:lvl6pPr marL="457200" eaLnBrk="0" fontAlgn="base" hangingPunct="0">
-                <a:spcBef>
-                  <a:spcPct val="0"/>
-                </a:spcBef>
-                <a:spcAft>
-                  <a:spcPct val="0"/>
-                </a:spcAft>
-                <a:defRPr sz="2400">
-                  <a:solidFill>
-                    <a:schemeClr val="tx1"/>
-                  </a:solidFill>
-                  <a:latin typeface="Arial" charset="0"/>
-                  <a:ea typeface="ＭＳ Ｐゴシック" charset="-128"/>
-                </a:defRPr>
-              </a:lvl6pPr>
-              <a:lvl7pPr marL="914400" eaLnBrk="0" fontAlgn="base" hangingPunct="0">
-                <a:spcBef>
-                  <a:spcPct val="0"/>
-                </a:spcBef>
-                <a:spcAft>
-                  <a:spcPct val="0"/>
-                </a:spcAft>
-                <a:defRPr sz="2400">
-                  <a:solidFill>
-                    <a:schemeClr val="tx1"/>
-                  </a:solidFill>
-                  <a:latin typeface="Arial" charset="0"/>
-                  <a:ea typeface="ＭＳ Ｐゴシック" charset="-128"/>
-                </a:defRPr>
-              </a:lvl7pPr>
-              <a:lvl8pPr marL="1371600" eaLnBrk="0" fontAlgn="base" hangingPunct="0">
-                <a:spcBef>
-                  <a:spcPct val="0"/>
-                </a:spcBef>
-                <a:spcAft>
-                  <a:spcPct val="0"/>
-                </a:spcAft>
-                <a:defRPr sz="2400">
-                  <a:solidFill>
-                    <a:schemeClr val="tx1"/>
-                  </a:solidFill>
-                  <a:latin typeface="Arial" charset="0"/>
-                  <a:ea typeface="ＭＳ Ｐゴシック" charset="-128"/>
-                </a:defRPr>
-              </a:lvl8pPr>
-              <a:lvl9pPr marL="1828800" eaLnBrk="0" fontAlgn="base" hangingPunct="0">
-                <a:spcBef>
-                  <a:spcPct val="0"/>
-                </a:spcBef>
-                <a:spcAft>
-                  <a:spcPct val="0"/>
-                </a:spcAft>
-                <a:defRPr sz="2400">
-                  <a:solidFill>
-                    <a:schemeClr val="tx1"/>
-                  </a:solidFill>
-                  <a:latin typeface="Arial" charset="0"/>
-                  <a:ea typeface="ＭＳ Ｐゴシック" charset="-128"/>
-                </a:defRPr>
-              </a:lvl9pPr>
-            </a:lstStyle>
-            <a:p>
-              <a:pPr algn="ctr" eaLnBrk="1" hangingPunct="1"/>
-              <a:r>
-                <a:rPr lang="en-US" altLang="en-US" sz="1200" dirty="0">
-                  <a:cs typeface="Arial" charset="0"/>
-                </a:rPr>
-                <a:t>p</a:t>
-              </a:r>
-              <a:r>
-                <a:rPr lang="en-US" altLang="en-US" sz="1200" dirty="0" smtClean="0">
-                  <a:cs typeface="Arial" charset="0"/>
-                </a:rPr>
-                <a:t>ublic</a:t>
-              </a:r>
-            </a:p>
-            <a:p>
-              <a:pPr algn="ctr" eaLnBrk="1" hangingPunct="1"/>
-              <a:r>
-                <a:rPr lang="en-US" altLang="en-US" sz="1200" dirty="0" smtClean="0">
-                  <a:cs typeface="Arial" charset="0"/>
-                </a:rPr>
-                <a:t>transport</a:t>
-              </a:r>
-            </a:p>
-          </p:txBody>
-        </p:sp>
-      </p:grpSp>
-      <p:sp>
-        <p:nvSpPr>
-          <p:cNvPr id="122" name="Rounded Rectangle 121"/>
-          <p:cNvSpPr/>
-          <p:nvPr/>
-        </p:nvSpPr>
-        <p:spPr bwMode="auto">
-          <a:xfrm>
-            <a:off x="3626414" y="4103169"/>
-            <a:ext cx="724882" cy="461966"/>
-          </a:xfrm>
-          <a:prstGeom prst="roundRect">
-            <a:avLst/>
-          </a:prstGeom>
-          <a:solidFill>
-            <a:schemeClr val="bg1"/>
-          </a:solidFill>
-          <a:ln w="19050" cap="flat" cmpd="sng" algn="ctr">
-            <a:solidFill>
-              <a:schemeClr val="tx1"/>
-            </a:solidFill>
-            <a:prstDash val="solid"/>
-            <a:round/>
-            <a:headEnd type="none" w="med" len="med"/>
-            <a:tailEnd type="none" w="med" len="med"/>
-          </a:ln>
-          <a:effectLst/>
-        </p:spPr>
-        <p:style>
-          <a:lnRef idx="1">
-            <a:schemeClr val="accent1"/>
-          </a:lnRef>
-          <a:fillRef idx="3">
-            <a:schemeClr val="accent1"/>
-          </a:fillRef>
-          <a:effectRef idx="2">
-            <a:schemeClr val="accent1"/>
-          </a:effectRef>
-          <a:fontRef idx="minor">
-            <a:schemeClr val="lt1"/>
-          </a:fontRef>
-        </p:style>
-        <p:txBody>
-          <a:bodyPr anchor="ctr"/>
-          <a:lstStyle>
-            <a:lvl1pPr eaLnBrk="0" hangingPunct="0">
-              <a:defRPr sz="2400">
-                <a:solidFill>
-                  <a:schemeClr val="tx1"/>
-                </a:solidFill>
-                <a:latin typeface="Arial" charset="0"/>
-                <a:ea typeface="ＭＳ Ｐゴシック" charset="-128"/>
-              </a:defRPr>
-            </a:lvl1pPr>
-            <a:lvl2pPr marL="37931725" indent="-37474525" eaLnBrk="0" hangingPunct="0">
-              <a:defRPr sz="2400">
-                <a:solidFill>
-                  <a:schemeClr val="tx1"/>
-                </a:solidFill>
-                <a:latin typeface="Arial" charset="0"/>
-                <a:ea typeface="ＭＳ Ｐゴシック" charset="-128"/>
-              </a:defRPr>
-            </a:lvl2pPr>
-            <a:lvl3pPr eaLnBrk="0" hangingPunct="0">
-              <a:defRPr sz="2400">
-                <a:solidFill>
-                  <a:schemeClr val="tx1"/>
-                </a:solidFill>
-                <a:latin typeface="Arial" charset="0"/>
-                <a:ea typeface="ＭＳ Ｐゴシック" charset="-128"/>
-              </a:defRPr>
-            </a:lvl3pPr>
-            <a:lvl4pPr eaLnBrk="0" hangingPunct="0">
-              <a:defRPr sz="2400">
-                <a:solidFill>
-                  <a:schemeClr val="tx1"/>
-                </a:solidFill>
-                <a:latin typeface="Arial" charset="0"/>
-                <a:ea typeface="ＭＳ Ｐゴシック" charset="-128"/>
-              </a:defRPr>
-            </a:lvl4pPr>
-            <a:lvl5pPr eaLnBrk="0" hangingPunct="0">
-              <a:defRPr sz="2400">
-                <a:solidFill>
-                  <a:schemeClr val="tx1"/>
-                </a:solidFill>
-                <a:latin typeface="Arial" charset="0"/>
-                <a:ea typeface="ＭＳ Ｐゴシック" charset="-128"/>
-              </a:defRPr>
-            </a:lvl5pPr>
-            <a:lvl6pPr marL="457200" eaLnBrk="0" fontAlgn="base" hangingPunct="0">
-              <a:spcBef>
-                <a:spcPct val="0"/>
-              </a:spcBef>
-              <a:spcAft>
-                <a:spcPct val="0"/>
-              </a:spcAft>
-              <a:defRPr sz="2400">
-                <a:solidFill>
-                  <a:schemeClr val="tx1"/>
-                </a:solidFill>
-                <a:latin typeface="Arial" charset="0"/>
-                <a:ea typeface="ＭＳ Ｐゴシック" charset="-128"/>
-              </a:defRPr>
-            </a:lvl6pPr>
-            <a:lvl7pPr marL="914400" eaLnBrk="0" fontAlgn="base" hangingPunct="0">
-              <a:spcBef>
-                <a:spcPct val="0"/>
-              </a:spcBef>
-              <a:spcAft>
-                <a:spcPct val="0"/>
-              </a:spcAft>
-              <a:defRPr sz="2400">
-                <a:solidFill>
-                  <a:schemeClr val="tx1"/>
-                </a:solidFill>
-                <a:latin typeface="Arial" charset="0"/>
-                <a:ea typeface="ＭＳ Ｐゴシック" charset="-128"/>
-              </a:defRPr>
-            </a:lvl7pPr>
-            <a:lvl8pPr marL="1371600" eaLnBrk="0" fontAlgn="base" hangingPunct="0">
-              <a:spcBef>
-                <a:spcPct val="0"/>
-              </a:spcBef>
-              <a:spcAft>
-                <a:spcPct val="0"/>
-              </a:spcAft>
-              <a:defRPr sz="2400">
-                <a:solidFill>
-                  <a:schemeClr val="tx1"/>
-                </a:solidFill>
-                <a:latin typeface="Arial" charset="0"/>
-                <a:ea typeface="ＭＳ Ｐゴシック" charset="-128"/>
-              </a:defRPr>
-            </a:lvl8pPr>
-            <a:lvl9pPr marL="1828800" eaLnBrk="0" fontAlgn="base" hangingPunct="0">
-              <a:spcBef>
-                <a:spcPct val="0"/>
-              </a:spcBef>
-              <a:spcAft>
-                <a:spcPct val="0"/>
-              </a:spcAft>
-              <a:defRPr sz="2400">
-                <a:solidFill>
-                  <a:schemeClr val="tx1"/>
-                </a:solidFill>
-                <a:latin typeface="Arial" charset="0"/>
-                <a:ea typeface="ＭＳ Ｐゴシック" charset="-128"/>
-              </a:defRPr>
-            </a:lvl9pPr>
-          </a:lstStyle>
-          <a:p>
-            <a:pPr algn="ctr" eaLnBrk="1" hangingPunct="1"/>
-            <a:r>
-              <a:rPr lang="en-US" altLang="en-US" sz="1200" dirty="0" smtClean="0">
-                <a:cs typeface="Arial" charset="0"/>
-              </a:rPr>
-              <a:t>parking</a:t>
-            </a:r>
-          </a:p>
-        </p:txBody>
-      </p:sp>
-      <p:sp>
-        <p:nvSpPr>
-          <p:cNvPr id="3" name="Freeform 2"/>
-          <p:cNvSpPr/>
-          <p:nvPr/>
-        </p:nvSpPr>
-        <p:spPr>
-          <a:xfrm>
-            <a:off x="2886635" y="4007224"/>
-            <a:ext cx="609600" cy="788894"/>
-          </a:xfrm>
-          <a:custGeom>
-            <a:avLst/>
-            <a:gdLst>
-              <a:gd name="connsiteX0" fmla="*/ 609600 w 609600"/>
-              <a:gd name="connsiteY0" fmla="*/ 788894 h 788894"/>
-              <a:gd name="connsiteX1" fmla="*/ 582706 w 609600"/>
-              <a:gd name="connsiteY1" fmla="*/ 744070 h 788894"/>
-              <a:gd name="connsiteX2" fmla="*/ 546847 w 609600"/>
-              <a:gd name="connsiteY2" fmla="*/ 663388 h 788894"/>
-              <a:gd name="connsiteX3" fmla="*/ 510989 w 609600"/>
-              <a:gd name="connsiteY3" fmla="*/ 591670 h 788894"/>
-              <a:gd name="connsiteX4" fmla="*/ 475130 w 609600"/>
-              <a:gd name="connsiteY4" fmla="*/ 555811 h 788894"/>
-              <a:gd name="connsiteX5" fmla="*/ 421341 w 609600"/>
-              <a:gd name="connsiteY5" fmla="*/ 510988 h 788894"/>
-              <a:gd name="connsiteX6" fmla="*/ 349624 w 609600"/>
-              <a:gd name="connsiteY6" fmla="*/ 484094 h 788894"/>
-              <a:gd name="connsiteX7" fmla="*/ 322730 w 609600"/>
-              <a:gd name="connsiteY7" fmla="*/ 466164 h 788894"/>
-              <a:gd name="connsiteX8" fmla="*/ 286871 w 609600"/>
-              <a:gd name="connsiteY8" fmla="*/ 448235 h 788894"/>
-              <a:gd name="connsiteX9" fmla="*/ 197224 w 609600"/>
-              <a:gd name="connsiteY9" fmla="*/ 376517 h 788894"/>
-              <a:gd name="connsiteX10" fmla="*/ 170330 w 609600"/>
-              <a:gd name="connsiteY10" fmla="*/ 358588 h 788894"/>
-              <a:gd name="connsiteX11" fmla="*/ 143436 w 609600"/>
-              <a:gd name="connsiteY11" fmla="*/ 322729 h 788894"/>
-              <a:gd name="connsiteX12" fmla="*/ 116541 w 609600"/>
-              <a:gd name="connsiteY12" fmla="*/ 277905 h 788894"/>
-              <a:gd name="connsiteX13" fmla="*/ 98612 w 609600"/>
-              <a:gd name="connsiteY13" fmla="*/ 224117 h 788894"/>
-              <a:gd name="connsiteX14" fmla="*/ 71718 w 609600"/>
-              <a:gd name="connsiteY14" fmla="*/ 197223 h 788894"/>
-              <a:gd name="connsiteX15" fmla="*/ 35859 w 609600"/>
-              <a:gd name="connsiteY15" fmla="*/ 152400 h 788894"/>
-              <a:gd name="connsiteX16" fmla="*/ 26894 w 609600"/>
-              <a:gd name="connsiteY16" fmla="*/ 125505 h 788894"/>
-              <a:gd name="connsiteX17" fmla="*/ 8965 w 609600"/>
-              <a:gd name="connsiteY17" fmla="*/ 98611 h 788894"/>
-              <a:gd name="connsiteX18" fmla="*/ 0 w 609600"/>
-              <a:gd name="connsiteY18" fmla="*/ 0 h 788894"/>
-            </a:gdLst>
-            <a:ahLst/>
-            <a:cxnLst>
-              <a:cxn ang="0">
-                <a:pos x="connsiteX0" y="connsiteY0"/>
-              </a:cxn>
-              <a:cxn ang="0">
-                <a:pos x="connsiteX1" y="connsiteY1"/>
-              </a:cxn>
-              <a:cxn ang="0">
-                <a:pos x="connsiteX2" y="connsiteY2"/>
-              </a:cxn>
-              <a:cxn ang="0">
-                <a:pos x="connsiteX3" y="connsiteY3"/>
-              </a:cxn>
-              <a:cxn ang="0">
-                <a:pos x="connsiteX4" y="connsiteY4"/>
-              </a:cxn>
-              <a:cxn ang="0">
-                <a:pos x="connsiteX5" y="connsiteY5"/>
-              </a:cxn>
-              <a:cxn ang="0">
-                <a:pos x="connsiteX6" y="connsiteY6"/>
-              </a:cxn>
-              <a:cxn ang="0">
-                <a:pos x="connsiteX7" y="connsiteY7"/>
-              </a:cxn>
-              <a:cxn ang="0">
-                <a:pos x="connsiteX8" y="connsiteY8"/>
-              </a:cxn>
-              <a:cxn ang="0">
-                <a:pos x="connsiteX9" y="connsiteY9"/>
-              </a:cxn>
-              <a:cxn ang="0">
-                <a:pos x="connsiteX10" y="connsiteY10"/>
-              </a:cxn>
-              <a:cxn ang="0">
-                <a:pos x="connsiteX11" y="connsiteY11"/>
-              </a:cxn>
-              <a:cxn ang="0">
-                <a:pos x="connsiteX12" y="connsiteY12"/>
-              </a:cxn>
-              <a:cxn ang="0">
-                <a:pos x="connsiteX13" y="connsiteY13"/>
-              </a:cxn>
-              <a:cxn ang="0">
-                <a:pos x="connsiteX14" y="connsiteY14"/>
-              </a:cxn>
-              <a:cxn ang="0">
-                <a:pos x="connsiteX15" y="connsiteY15"/>
-              </a:cxn>
-              <a:cxn ang="0">
-                <a:pos x="connsiteX16" y="connsiteY16"/>
-              </a:cxn>
-              <a:cxn ang="0">
-                <a:pos x="connsiteX17" y="connsiteY17"/>
-              </a:cxn>
-              <a:cxn ang="0">
-                <a:pos x="connsiteX18" y="connsiteY18"/>
-              </a:cxn>
-            </a:cxnLst>
-            <a:rect l="l" t="t" r="r" b="b"/>
-            <a:pathLst>
-              <a:path w="609600" h="788894">
-                <a:moveTo>
-                  <a:pt x="609600" y="788894"/>
-                </a:moveTo>
-                <a:cubicBezTo>
-                  <a:pt x="600635" y="773953"/>
-                  <a:pt x="589408" y="760154"/>
-                  <a:pt x="582706" y="744070"/>
-                </a:cubicBezTo>
-                <a:cubicBezTo>
-                  <a:pt x="546544" y="657280"/>
-                  <a:pt x="586342" y="702881"/>
-                  <a:pt x="546847" y="663388"/>
-                </a:cubicBezTo>
-                <a:cubicBezTo>
-                  <a:pt x="534894" y="639482"/>
-                  <a:pt x="525815" y="613909"/>
-                  <a:pt x="510989" y="591670"/>
-                </a:cubicBezTo>
-                <a:cubicBezTo>
-                  <a:pt x="501612" y="577605"/>
-                  <a:pt x="487695" y="567119"/>
-                  <a:pt x="475130" y="555811"/>
-                </a:cubicBezTo>
-                <a:cubicBezTo>
-                  <a:pt x="457782" y="540198"/>
-                  <a:pt x="441031" y="523518"/>
-                  <a:pt x="421341" y="510988"/>
-                </a:cubicBezTo>
-                <a:cubicBezTo>
-                  <a:pt x="409543" y="503480"/>
-                  <a:pt x="367239" y="489965"/>
-                  <a:pt x="349624" y="484094"/>
-                </a:cubicBezTo>
-                <a:cubicBezTo>
-                  <a:pt x="340659" y="478117"/>
-                  <a:pt x="332085" y="471510"/>
-                  <a:pt x="322730" y="466164"/>
-                </a:cubicBezTo>
-                <a:cubicBezTo>
-                  <a:pt x="311127" y="459534"/>
-                  <a:pt x="297746" y="456003"/>
-                  <a:pt x="286871" y="448235"/>
-                </a:cubicBezTo>
-                <a:cubicBezTo>
-                  <a:pt x="255731" y="425992"/>
-                  <a:pt x="229065" y="397744"/>
-                  <a:pt x="197224" y="376517"/>
-                </a:cubicBezTo>
-                <a:lnTo>
-                  <a:pt x="170330" y="358588"/>
-                </a:lnTo>
-                <a:cubicBezTo>
-                  <a:pt x="161365" y="346635"/>
-                  <a:pt x="150849" y="335702"/>
-                  <a:pt x="143436" y="322729"/>
-                </a:cubicBezTo>
-                <a:cubicBezTo>
-                  <a:pt x="112403" y="268421"/>
-                  <a:pt x="158501" y="319865"/>
-                  <a:pt x="116541" y="277905"/>
-                </a:cubicBezTo>
-                <a:cubicBezTo>
-                  <a:pt x="110565" y="259976"/>
-                  <a:pt x="111976" y="237481"/>
-                  <a:pt x="98612" y="224117"/>
-                </a:cubicBezTo>
-                <a:cubicBezTo>
-                  <a:pt x="89647" y="215152"/>
-                  <a:pt x="79834" y="206963"/>
-                  <a:pt x="71718" y="197223"/>
-                </a:cubicBezTo>
-                <a:cubicBezTo>
-                  <a:pt x="15184" y="129381"/>
-                  <a:pt x="88015" y="204553"/>
-                  <a:pt x="35859" y="152400"/>
-                </a:cubicBezTo>
-                <a:cubicBezTo>
-                  <a:pt x="32871" y="143435"/>
-                  <a:pt x="31120" y="133957"/>
-                  <a:pt x="26894" y="125505"/>
-                </a:cubicBezTo>
-                <a:cubicBezTo>
-                  <a:pt x="22076" y="115868"/>
-                  <a:pt x="11222" y="109146"/>
-                  <a:pt x="8965" y="98611"/>
-                </a:cubicBezTo>
-                <a:cubicBezTo>
-                  <a:pt x="2049" y="66338"/>
-                  <a:pt x="0" y="0"/>
-                  <a:pt x="0" y="0"/>
-                </a:cubicBezTo>
-              </a:path>
-            </a:pathLst>
-          </a:custGeom>
-          <a:noFill/>
-          <a:ln w="15875">
-            <a:solidFill>
-              <a:schemeClr val="tx1"/>
-            </a:solidFill>
-          </a:ln>
-        </p:spPr>
-        <p:style>
-          <a:lnRef idx="2">
-            <a:schemeClr val="accent1">
-              <a:shade val="50000"/>
-            </a:schemeClr>
-          </a:lnRef>
-          <a:fillRef idx="1">
-            <a:schemeClr val="accent1"/>
-          </a:fillRef>
-          <a:effectRef idx="0">
-            <a:schemeClr val="accent1"/>
-          </a:effectRef>
-          <a:fontRef idx="minor">
-            <a:schemeClr val="lt1"/>
-          </a:fontRef>
-        </p:style>
-        <p:txBody>
-          <a:bodyPr rtlCol="0" anchor="ctr"/>
-          <a:lstStyle/>
-          <a:p>
-            <a:pPr algn="ctr"/>
-            <a:endParaRPr lang="en-US"/>
-          </a:p>
-        </p:txBody>
-      </p:sp>
       <p:sp>
         <p:nvSpPr>
           <p:cNvPr id="4" name="Freeform 3"/>
@@ -11046,7 +6368,7 @@
         </p:nvSpPr>
         <p:spPr>
           <a:xfrm>
-            <a:off x="4025153" y="3567953"/>
+            <a:off x="4025153" y="4088411"/>
             <a:ext cx="331694" cy="439271"/>
           </a:xfrm>
           <a:custGeom>
@@ -11254,14 +6576,14 @@
       </p:sp>
       <p:sp>
         <p:nvSpPr>
-          <p:cNvPr id="115" name="Rounded Rectangle 114"/>
+          <p:cNvPr id="120" name="Rounded Rectangle 119"/>
           <p:cNvSpPr/>
           <p:nvPr/>
         </p:nvSpPr>
         <p:spPr bwMode="auto">
           <a:xfrm>
-            <a:off x="6154410" y="4343117"/>
-            <a:ext cx="810419" cy="461966"/>
+            <a:off x="147333" y="107752"/>
+            <a:ext cx="1914035" cy="1673626"/>
           </a:xfrm>
           <a:prstGeom prst="roundRect">
             <a:avLst/>
@@ -11404,32 +6726,542 @@
             </a:lvl9pPr>
           </a:lstStyle>
           <a:p>
-            <a:pPr algn="ctr" eaLnBrk="1" hangingPunct="1"/>
-            <a:r>
-              <a:rPr lang="en-US" altLang="en-US" sz="1200" dirty="0">
+            <a:pPr eaLnBrk="1" hangingPunct="1"/>
+            <a:r>
+              <a:rPr lang="en-US" altLang="en-US" sz="1200" b="1" dirty="0">
                 <a:cs typeface="Arial" charset="0"/>
               </a:rPr>
-              <a:t>c</a:t>
-            </a:r>
-            <a:r>
-              <a:rPr lang="en-US" altLang="en-US" sz="1200" dirty="0" smtClean="0">
+              <a:t>s</a:t>
+            </a:r>
+            <a:r>
+              <a:rPr lang="en-US" altLang="en-US" sz="1200" b="1" dirty="0" smtClean="0">
                 <a:cs typeface="Arial" charset="0"/>
               </a:rPr>
-              <a:t>ar sharing</a:t>
+              <a:t>cenario</a:t>
+            </a:r>
+          </a:p>
+          <a:p>
+            <a:pPr eaLnBrk="1" hangingPunct="1"/>
+            <a:r>
+              <a:rPr lang="en-US" altLang="en-US" sz="1200" b="1" dirty="0" smtClean="0">
+                <a:cs typeface="Arial" charset="0"/>
+              </a:rPr>
+              <a:t>population</a:t>
+            </a:r>
+          </a:p>
+          <a:p>
+            <a:pPr eaLnBrk="1" hangingPunct="1"/>
+            <a:r>
+              <a:rPr lang="en-US" altLang="en-US" sz="1200" b="1" dirty="0" smtClean="0">
+                <a:cs typeface="Arial" charset="0"/>
+              </a:rPr>
+              <a:t>households</a:t>
+            </a:r>
+          </a:p>
+          <a:p>
+            <a:pPr eaLnBrk="1" hangingPunct="1"/>
+            <a:r>
+              <a:rPr lang="en-US" altLang="en-US" sz="1200" b="1" dirty="0" err="1" smtClean="0">
+                <a:cs typeface="Arial" charset="0"/>
+              </a:rPr>
+              <a:t>controler</a:t>
+            </a:r>
+            <a:endParaRPr lang="en-US" altLang="en-US" sz="1200" b="1" dirty="0" smtClean="0">
+              <a:cs typeface="Arial" charset="0"/>
+            </a:endParaRPr>
+          </a:p>
+          <a:p>
+            <a:pPr eaLnBrk="1" hangingPunct="1"/>
+            <a:r>
+              <a:rPr lang="en-US" altLang="en-US" sz="1200" b="1" dirty="0">
+                <a:cs typeface="Arial" charset="0"/>
+              </a:rPr>
+              <a:t>events</a:t>
+            </a:r>
+          </a:p>
+          <a:p>
+            <a:pPr eaLnBrk="1" hangingPunct="1"/>
+            <a:r>
+              <a:rPr lang="en-US" altLang="en-US" sz="1200" b="1" dirty="0" smtClean="0">
+                <a:cs typeface="Arial" charset="0"/>
+              </a:rPr>
+              <a:t>parallel computing</a:t>
+            </a:r>
+          </a:p>
+          <a:p>
+            <a:pPr eaLnBrk="1" hangingPunct="1"/>
+            <a:r>
+              <a:rPr lang="en-US" altLang="en-US" sz="1200" b="1" dirty="0">
+                <a:cs typeface="Arial" charset="0"/>
+              </a:rPr>
+              <a:t>global</a:t>
+            </a:r>
+            <a:endParaRPr lang="en-US" altLang="en-US" sz="1200" dirty="0" smtClean="0">
+              <a:cs typeface="Arial" charset="0"/>
+            </a:endParaRPr>
+          </a:p>
+          <a:p>
+            <a:pPr eaLnBrk="1" hangingPunct="1"/>
+            <a:r>
+              <a:rPr lang="en-US" altLang="en-US" sz="1200" b="1" dirty="0" smtClean="0">
+                <a:cs typeface="Arial" charset="0"/>
+              </a:rPr>
+              <a:t>t</a:t>
+            </a:r>
+            <a:r>
+              <a:rPr lang="en-US" altLang="en-US" sz="1200" b="1" dirty="0" smtClean="0">
+                <a:cs typeface="Arial" charset="0"/>
+              </a:rPr>
+              <a:t>ravel time calculator</a:t>
             </a:r>
           </a:p>
         </p:txBody>
       </p:sp>
+      <p:pic>
+        <p:nvPicPr>
+          <p:cNvPr id="52" name="Picture 4" descr="C:\Users\anhorni\Desktop\Picture1.png"/>
+          <p:cNvPicPr>
+            <a:picLocks noChangeAspect="1" noChangeArrowheads="1"/>
+          </p:cNvPicPr>
+          <p:nvPr/>
+        </p:nvPicPr>
+        <p:blipFill>
+          <a:blip r:embed="rId3">
+            <a:extLst>
+              <a:ext uri="{28A0092B-C50C-407E-A947-70E740481C1C}">
+                <a14:useLocalDpi xmlns:a14="http://schemas.microsoft.com/office/drawing/2010/main" val="0"/>
+              </a:ext>
+            </a:extLst>
+          </a:blip>
+          <a:srcRect/>
+          <a:stretch>
+            <a:fillRect/>
+          </a:stretch>
+        </p:blipFill>
+        <p:spPr bwMode="auto">
+          <a:xfrm rot="16200000">
+            <a:off x="3946418" y="6553595"/>
+            <a:ext cx="712787" cy="396875"/>
+          </a:xfrm>
+          <a:prstGeom prst="rect">
+            <a:avLst/>
+          </a:prstGeom>
+          <a:noFill/>
+          <a:extLst>
+            <a:ext uri="{909E8E84-426E-40DD-AFC4-6F175D3DCCD1}">
+              <a14:hiddenFill xmlns:a14="http://schemas.microsoft.com/office/drawing/2010/main">
+                <a:solidFill>
+                  <a:srgbClr val="FFFFFF"/>
+                </a:solidFill>
+              </a14:hiddenFill>
+            </a:ext>
+          </a:extLst>
+        </p:spPr>
+      </p:pic>
       <p:sp>
         <p:nvSpPr>
-          <p:cNvPr id="128" name="Rounded Rectangle 127"/>
+          <p:cNvPr id="136" name="Rounded Rectangle 135"/>
           <p:cNvSpPr/>
           <p:nvPr/>
         </p:nvSpPr>
         <p:spPr bwMode="auto">
           <a:xfrm>
-            <a:off x="3727529" y="3708152"/>
-            <a:ext cx="984037" cy="461966"/>
+            <a:off x="147394" y="7615868"/>
+            <a:ext cx="1875784" cy="438260"/>
+          </a:xfrm>
+          <a:prstGeom prst="roundRect">
+            <a:avLst/>
+          </a:prstGeom>
+          <a:solidFill>
+            <a:schemeClr val="bg1"/>
+          </a:solidFill>
+          <a:ln w="19050" cap="flat" cmpd="sng" algn="ctr">
+            <a:solidFill>
+              <a:schemeClr val="tx1"/>
+            </a:solidFill>
+            <a:prstDash val="solid"/>
+            <a:round/>
+            <a:headEnd type="none" w="med" len="med"/>
+            <a:tailEnd type="none" w="med" len="med"/>
+          </a:ln>
+          <a:effectLst/>
+        </p:spPr>
+        <p:style>
+          <a:lnRef idx="1">
+            <a:schemeClr val="accent1"/>
+          </a:lnRef>
+          <a:fillRef idx="3">
+            <a:schemeClr val="accent1"/>
+          </a:fillRef>
+          <a:effectRef idx="2">
+            <a:schemeClr val="accent1"/>
+          </a:effectRef>
+          <a:fontRef idx="minor">
+            <a:schemeClr val="lt1"/>
+          </a:fontRef>
+        </p:style>
+        <p:txBody>
+          <a:bodyPr anchor="ctr"/>
+          <a:lstStyle/>
+          <a:p>
+            <a:r>
+              <a:rPr lang="en-US" altLang="en-US" sz="1200" b="1" dirty="0" err="1">
+                <a:solidFill>
+                  <a:schemeClr val="tx1"/>
+                </a:solidFill>
+                <a:latin typeface="Arial" charset="0"/>
+                <a:ea typeface="ＭＳ Ｐゴシック" charset="-128"/>
+                <a:cs typeface="Arial" charset="0"/>
+              </a:rPr>
+              <a:t>p</a:t>
+            </a:r>
+            <a:r>
+              <a:rPr lang="en-US" altLang="en-US" sz="1200" b="1" dirty="0" err="1" smtClean="0">
+                <a:solidFill>
+                  <a:schemeClr val="tx1"/>
+                </a:solidFill>
+                <a:latin typeface="Arial" charset="0"/>
+                <a:ea typeface="ＭＳ Ｐゴシック" charset="-128"/>
+                <a:cs typeface="Arial" charset="0"/>
+              </a:rPr>
+              <a:t>sim</a:t>
+            </a:r>
+            <a:endParaRPr lang="en-US" altLang="en-US" sz="1200" b="1" dirty="0" smtClean="0">
+              <a:solidFill>
+                <a:schemeClr val="tx1"/>
+              </a:solidFill>
+              <a:latin typeface="Arial" charset="0"/>
+              <a:ea typeface="ＭＳ Ｐゴシック" charset="-128"/>
+              <a:cs typeface="Arial" charset="0"/>
+            </a:endParaRPr>
+          </a:p>
+          <a:p>
+            <a:r>
+              <a:rPr lang="en-US" altLang="en-US" sz="1200" b="1" dirty="0" smtClean="0">
+                <a:solidFill>
+                  <a:schemeClr val="tx1"/>
+                </a:solidFill>
+                <a:latin typeface="Arial" charset="0"/>
+                <a:ea typeface="ＭＳ Ｐゴシック" charset="-128"/>
+                <a:cs typeface="Arial" charset="0"/>
+              </a:rPr>
+              <a:t>matsim4urbansim</a:t>
+            </a:r>
+            <a:endParaRPr lang="en-US" altLang="en-US" sz="1200" b="1" dirty="0">
+              <a:solidFill>
+                <a:schemeClr val="tx1"/>
+              </a:solidFill>
+              <a:latin typeface="Arial" charset="0"/>
+              <a:ea typeface="ＭＳ Ｐゴシック" charset="-128"/>
+              <a:cs typeface="Arial" charset="0"/>
+            </a:endParaRPr>
+          </a:p>
+        </p:txBody>
+      </p:sp>
+      <p:sp>
+        <p:nvSpPr>
+          <p:cNvPr id="137" name="Rounded Rectangle 136"/>
+          <p:cNvSpPr/>
+          <p:nvPr/>
+        </p:nvSpPr>
+        <p:spPr bwMode="auto">
+          <a:xfrm>
+            <a:off x="2848340" y="3857429"/>
+            <a:ext cx="3043193" cy="1462127"/>
+          </a:xfrm>
+          <a:prstGeom prst="roundRect">
+            <a:avLst/>
+          </a:prstGeom>
+          <a:solidFill>
+            <a:schemeClr val="bg1"/>
+          </a:solidFill>
+          <a:ln w="19050" cap="flat" cmpd="sng" algn="ctr">
+            <a:solidFill>
+              <a:schemeClr val="tx1"/>
+            </a:solidFill>
+            <a:prstDash val="solid"/>
+            <a:round/>
+            <a:headEnd type="none" w="med" len="med"/>
+            <a:tailEnd type="none" w="med" len="med"/>
+          </a:ln>
+          <a:effectLst/>
+        </p:spPr>
+        <p:style>
+          <a:lnRef idx="1">
+            <a:schemeClr val="accent1"/>
+          </a:lnRef>
+          <a:fillRef idx="3">
+            <a:schemeClr val="accent1"/>
+          </a:fillRef>
+          <a:effectRef idx="2">
+            <a:schemeClr val="accent1"/>
+          </a:effectRef>
+          <a:fontRef idx="minor">
+            <a:schemeClr val="lt1"/>
+          </a:fontRef>
+        </p:style>
+        <p:txBody>
+          <a:bodyPr numCol="2" anchor="ctr"/>
+          <a:lstStyle>
+            <a:lvl1pPr eaLnBrk="0" hangingPunct="0">
+              <a:defRPr sz="2400">
+                <a:solidFill>
+                  <a:schemeClr val="tx1"/>
+                </a:solidFill>
+                <a:latin typeface="Arial" charset="0"/>
+                <a:ea typeface="ＭＳ Ｐゴシック" charset="-128"/>
+              </a:defRPr>
+            </a:lvl1pPr>
+            <a:lvl2pPr marL="37931725" indent="-37474525" eaLnBrk="0" hangingPunct="0">
+              <a:defRPr sz="2400">
+                <a:solidFill>
+                  <a:schemeClr val="tx1"/>
+                </a:solidFill>
+                <a:latin typeface="Arial" charset="0"/>
+                <a:ea typeface="ＭＳ Ｐゴシック" charset="-128"/>
+              </a:defRPr>
+            </a:lvl2pPr>
+            <a:lvl3pPr eaLnBrk="0" hangingPunct="0">
+              <a:defRPr sz="2400">
+                <a:solidFill>
+                  <a:schemeClr val="tx1"/>
+                </a:solidFill>
+                <a:latin typeface="Arial" charset="0"/>
+                <a:ea typeface="ＭＳ Ｐゴシック" charset="-128"/>
+              </a:defRPr>
+            </a:lvl3pPr>
+            <a:lvl4pPr eaLnBrk="0" hangingPunct="0">
+              <a:defRPr sz="2400">
+                <a:solidFill>
+                  <a:schemeClr val="tx1"/>
+                </a:solidFill>
+                <a:latin typeface="Arial" charset="0"/>
+                <a:ea typeface="ＭＳ Ｐゴシック" charset="-128"/>
+              </a:defRPr>
+            </a:lvl4pPr>
+            <a:lvl5pPr eaLnBrk="0" hangingPunct="0">
+              <a:defRPr sz="2400">
+                <a:solidFill>
+                  <a:schemeClr val="tx1"/>
+                </a:solidFill>
+                <a:latin typeface="Arial" charset="0"/>
+                <a:ea typeface="ＭＳ Ｐゴシック" charset="-128"/>
+              </a:defRPr>
+            </a:lvl5pPr>
+            <a:lvl6pPr marL="457200" eaLnBrk="0" fontAlgn="base" hangingPunct="0">
+              <a:spcBef>
+                <a:spcPct val="0"/>
+              </a:spcBef>
+              <a:spcAft>
+                <a:spcPct val="0"/>
+              </a:spcAft>
+              <a:defRPr sz="2400">
+                <a:solidFill>
+                  <a:schemeClr val="tx1"/>
+                </a:solidFill>
+                <a:latin typeface="Arial" charset="0"/>
+                <a:ea typeface="ＭＳ Ｐゴシック" charset="-128"/>
+              </a:defRPr>
+            </a:lvl6pPr>
+            <a:lvl7pPr marL="914400" eaLnBrk="0" fontAlgn="base" hangingPunct="0">
+              <a:spcBef>
+                <a:spcPct val="0"/>
+              </a:spcBef>
+              <a:spcAft>
+                <a:spcPct val="0"/>
+              </a:spcAft>
+              <a:defRPr sz="2400">
+                <a:solidFill>
+                  <a:schemeClr val="tx1"/>
+                </a:solidFill>
+                <a:latin typeface="Arial" charset="0"/>
+                <a:ea typeface="ＭＳ Ｐゴシック" charset="-128"/>
+              </a:defRPr>
+            </a:lvl7pPr>
+            <a:lvl8pPr marL="1371600" eaLnBrk="0" fontAlgn="base" hangingPunct="0">
+              <a:spcBef>
+                <a:spcPct val="0"/>
+              </a:spcBef>
+              <a:spcAft>
+                <a:spcPct val="0"/>
+              </a:spcAft>
+              <a:defRPr sz="2400">
+                <a:solidFill>
+                  <a:schemeClr val="tx1"/>
+                </a:solidFill>
+                <a:latin typeface="Arial" charset="0"/>
+                <a:ea typeface="ＭＳ Ｐゴシック" charset="-128"/>
+              </a:defRPr>
+            </a:lvl8pPr>
+            <a:lvl9pPr marL="1828800" eaLnBrk="0" fontAlgn="base" hangingPunct="0">
+              <a:spcBef>
+                <a:spcPct val="0"/>
+              </a:spcBef>
+              <a:spcAft>
+                <a:spcPct val="0"/>
+              </a:spcAft>
+              <a:defRPr sz="2400">
+                <a:solidFill>
+                  <a:schemeClr val="tx1"/>
+                </a:solidFill>
+                <a:latin typeface="Arial" charset="0"/>
+                <a:ea typeface="ＭＳ Ｐゴシック" charset="-128"/>
+              </a:defRPr>
+            </a:lvl9pPr>
+          </a:lstStyle>
+          <a:p>
+            <a:pPr eaLnBrk="1" hangingPunct="1"/>
+            <a:r>
+              <a:rPr lang="en-US" altLang="en-US" sz="1200" b="1" dirty="0" smtClean="0">
+                <a:cs typeface="Arial" charset="0"/>
+              </a:rPr>
+              <a:t>destination innovation</a:t>
+            </a:r>
+          </a:p>
+          <a:p>
+            <a:pPr eaLnBrk="1" hangingPunct="1"/>
+            <a:r>
+              <a:rPr lang="en-US" altLang="en-US" sz="1200" b="1" dirty="0" smtClean="0">
+                <a:cs typeface="Arial" charset="0"/>
+              </a:rPr>
+              <a:t>freight</a:t>
+            </a:r>
+          </a:p>
+          <a:p>
+            <a:pPr eaLnBrk="1" hangingPunct="1"/>
+            <a:r>
+              <a:rPr lang="en-US" altLang="en-US" sz="1200" b="1" dirty="0">
+                <a:cs typeface="Arial" charset="0"/>
+              </a:rPr>
+              <a:t>car sharing</a:t>
+            </a:r>
+          </a:p>
+          <a:p>
+            <a:pPr eaLnBrk="1" hangingPunct="1"/>
+            <a:r>
+              <a:rPr lang="en-US" altLang="en-US" sz="1200" b="1" dirty="0" smtClean="0">
+                <a:cs typeface="Arial" charset="0"/>
+              </a:rPr>
+              <a:t>joint trips</a:t>
+            </a:r>
+          </a:p>
+          <a:p>
+            <a:pPr eaLnBrk="1" hangingPunct="1"/>
+            <a:r>
+              <a:rPr lang="en-US" altLang="en-US" sz="1200" b="1" dirty="0" smtClean="0">
+                <a:cs typeface="Arial" charset="0"/>
+              </a:rPr>
+              <a:t>parking</a:t>
+            </a:r>
+            <a:endParaRPr lang="en-US" altLang="en-US" sz="1200" b="1" dirty="0">
+              <a:cs typeface="Arial" charset="0"/>
+            </a:endParaRPr>
+          </a:p>
+          <a:p>
+            <a:pPr eaLnBrk="1" hangingPunct="1"/>
+            <a:r>
+              <a:rPr lang="en-US" altLang="en-US" sz="1200" b="1" dirty="0" smtClean="0">
+                <a:cs typeface="Arial" charset="0"/>
+              </a:rPr>
+              <a:t>electric vehicles</a:t>
+            </a:r>
+            <a:endParaRPr lang="en-US" altLang="en-US" sz="1200" b="1" dirty="0" smtClean="0">
+              <a:cs typeface="Arial" charset="0"/>
+            </a:endParaRPr>
+          </a:p>
+          <a:p>
+            <a:pPr eaLnBrk="1" hangingPunct="1"/>
+            <a:r>
+              <a:rPr lang="en-US" altLang="en-US" sz="1200" b="1" dirty="0" smtClean="0">
+                <a:cs typeface="Arial" charset="0"/>
+              </a:rPr>
+              <a:t>road pricing</a:t>
+            </a:r>
+          </a:p>
+          <a:p>
+            <a:pPr eaLnBrk="1" hangingPunct="1"/>
+            <a:r>
+              <a:rPr lang="en-US" altLang="en-US" sz="1200" b="1" dirty="0" err="1" smtClean="0">
+                <a:cs typeface="Arial" charset="0"/>
+              </a:rPr>
+              <a:t>c</a:t>
+            </a:r>
+            <a:r>
+              <a:rPr lang="en-US" altLang="en-US" sz="1200" b="1" dirty="0" err="1" smtClean="0">
+                <a:cs typeface="Arial" charset="0"/>
+              </a:rPr>
+              <a:t>adyts</a:t>
+            </a:r>
+            <a:endParaRPr lang="en-US" altLang="en-US" sz="1200" b="1" dirty="0" smtClean="0">
+              <a:cs typeface="Arial" charset="0"/>
+            </a:endParaRPr>
+          </a:p>
+          <a:p>
+            <a:pPr eaLnBrk="1" hangingPunct="1"/>
+            <a:r>
+              <a:rPr lang="en-US" altLang="en-US" sz="1200" b="1" dirty="0" err="1" smtClean="0">
+                <a:cs typeface="Arial" charset="0"/>
+              </a:rPr>
+              <a:t>wagonSim</a:t>
+            </a:r>
+            <a:endParaRPr lang="en-US" altLang="en-US" sz="1200" b="1" dirty="0" smtClean="0">
+              <a:cs typeface="Arial" charset="0"/>
+            </a:endParaRPr>
+          </a:p>
+          <a:p>
+            <a:pPr eaLnBrk="1" hangingPunct="1"/>
+            <a:r>
+              <a:rPr lang="en-US" altLang="en-US" sz="1200" b="1" dirty="0" err="1">
+                <a:cs typeface="Arial" charset="0"/>
+              </a:rPr>
+              <a:t>withinday</a:t>
+            </a:r>
+            <a:endParaRPr lang="en-US" altLang="en-US" sz="1200" b="1" dirty="0">
+              <a:cs typeface="Arial" charset="0"/>
+            </a:endParaRPr>
+          </a:p>
+          <a:p>
+            <a:pPr eaLnBrk="1" hangingPunct="1"/>
+            <a:r>
+              <a:rPr lang="en-US" altLang="en-US" sz="1200" b="1" dirty="0">
+                <a:cs typeface="Arial" charset="0"/>
+              </a:rPr>
+              <a:t>public transport</a:t>
+            </a:r>
+          </a:p>
+          <a:p>
+            <a:pPr eaLnBrk="1" hangingPunct="1"/>
+            <a:r>
+              <a:rPr lang="en-US" altLang="en-US" sz="1200" b="1" dirty="0" smtClean="0">
+                <a:cs typeface="Arial" charset="0"/>
+              </a:rPr>
+              <a:t>DVRP</a:t>
+            </a:r>
+          </a:p>
+          <a:p>
+            <a:pPr eaLnBrk="1" hangingPunct="1"/>
+            <a:r>
+              <a:rPr lang="en-US" altLang="en-US" sz="1200" b="1" dirty="0" smtClean="0">
+                <a:cs typeface="Arial" charset="0"/>
+              </a:rPr>
+              <a:t>evacuation</a:t>
+            </a:r>
+            <a:endParaRPr lang="en-US" altLang="en-US" sz="1200" b="1" dirty="0">
+              <a:cs typeface="Arial" charset="0"/>
+            </a:endParaRPr>
+          </a:p>
+        </p:txBody>
+      </p:sp>
+      <p:sp>
+        <p:nvSpPr>
+          <p:cNvPr id="140" name="Rounded Rectangle 139"/>
+          <p:cNvSpPr/>
+          <p:nvPr/>
+        </p:nvSpPr>
+        <p:spPr bwMode="auto">
+          <a:xfrm>
+            <a:off x="7220089" y="954029"/>
+            <a:ext cx="1547163" cy="1271134"/>
           </a:xfrm>
           <a:prstGeom prst="roundRect">
             <a:avLst/>
@@ -11572,29 +7404,142 @@
             </a:lvl9pPr>
           </a:lstStyle>
           <a:p>
-            <a:pPr algn="ctr" eaLnBrk="1" hangingPunct="1"/>
-            <a:r>
-              <a:rPr lang="en-US" altLang="en-US" sz="1200" dirty="0" smtClean="0">
+            <a:pPr eaLnBrk="1" hangingPunct="1"/>
+            <a:r>
+              <a:rPr lang="en-US" altLang="en-US" sz="1200" b="1" dirty="0">
                 <a:cs typeface="Arial" charset="0"/>
               </a:rPr>
-              <a:t>evacuation</a:t>
-            </a:r>
-            <a:endParaRPr lang="en-US" altLang="en-US" sz="1200" dirty="0">
+              <a:t>c</a:t>
+            </a:r>
+            <a:r>
+              <a:rPr lang="en-US" altLang="en-US" sz="1200" b="1" dirty="0" smtClean="0">
+                <a:cs typeface="Arial" charset="0"/>
+              </a:rPr>
+              <a:t>ounts</a:t>
+            </a:r>
+          </a:p>
+          <a:p>
+            <a:pPr eaLnBrk="1" hangingPunct="1"/>
+            <a:r>
+              <a:rPr lang="en-US" altLang="en-US" sz="1200" b="1" dirty="0" smtClean="0">
+                <a:cs typeface="Arial" charset="0"/>
+              </a:rPr>
+              <a:t>Via</a:t>
+            </a:r>
+          </a:p>
+          <a:p>
+            <a:pPr eaLnBrk="1" hangingPunct="1"/>
+            <a:r>
+              <a:rPr lang="en-US" altLang="en-US" sz="1200" b="1" dirty="0" err="1" smtClean="0">
+                <a:cs typeface="Arial" charset="0"/>
+              </a:rPr>
+              <a:t>OTFVis</a:t>
+            </a:r>
+            <a:endParaRPr lang="en-US" altLang="en-US" sz="1200" b="1" dirty="0" smtClean="0">
               <a:cs typeface="Arial" charset="0"/>
             </a:endParaRPr>
           </a:p>
+          <a:p>
+            <a:pPr eaLnBrk="1" hangingPunct="1"/>
+            <a:r>
+              <a:rPr lang="en-US" altLang="en-US" sz="1200" b="1" dirty="0">
+                <a:cs typeface="Arial" charset="0"/>
+              </a:rPr>
+              <a:t>emissions</a:t>
+            </a:r>
+          </a:p>
+          <a:p>
+            <a:pPr eaLnBrk="1" hangingPunct="1"/>
+            <a:r>
+              <a:rPr lang="en-US" altLang="en-US" sz="1200" b="1" dirty="0" smtClean="0">
+                <a:cs typeface="Arial" charset="0"/>
+              </a:rPr>
+              <a:t>accessibility</a:t>
+            </a:r>
+          </a:p>
+          <a:p>
+            <a:pPr eaLnBrk="1" hangingPunct="1"/>
+            <a:r>
+              <a:rPr lang="en-US" altLang="en-US" sz="1200" b="1" dirty="0">
+                <a:cs typeface="Arial" charset="0"/>
+              </a:rPr>
+              <a:t>d</a:t>
+            </a:r>
+            <a:r>
+              <a:rPr lang="en-US" altLang="en-US" sz="1200" b="1" dirty="0" smtClean="0">
+                <a:cs typeface="Arial" charset="0"/>
+              </a:rPr>
+              <a:t>ecision support</a:t>
+            </a:r>
+          </a:p>
+          <a:p>
+            <a:pPr eaLnBrk="1" hangingPunct="1"/>
+            <a:r>
+              <a:rPr lang="en-US" altLang="en-US" sz="1200" b="1" dirty="0">
+                <a:cs typeface="Arial" charset="0"/>
+              </a:rPr>
+              <a:t>l</a:t>
+            </a:r>
+            <a:r>
+              <a:rPr lang="en-US" altLang="en-US" sz="1200" b="1" dirty="0" smtClean="0">
+                <a:cs typeface="Arial" charset="0"/>
+              </a:rPr>
+              <a:t>ink stats</a:t>
+            </a:r>
+          </a:p>
         </p:txBody>
       </p:sp>
+      <p:pic>
+        <p:nvPicPr>
+          <p:cNvPr id="75" name="Picture 4" descr="C:\Users\anhorni\Desktop\Picture1.png"/>
+          <p:cNvPicPr>
+            <a:picLocks noChangeAspect="1" noChangeArrowheads="1"/>
+          </p:cNvPicPr>
+          <p:nvPr/>
+        </p:nvPicPr>
+        <p:blipFill>
+          <a:blip r:embed="rId3">
+            <a:extLst>
+              <a:ext uri="{28A0092B-C50C-407E-A947-70E740481C1C}">
+                <a14:useLocalDpi xmlns:a14="http://schemas.microsoft.com/office/drawing/2010/main" val="0"/>
+              </a:ext>
+            </a:extLst>
+          </a:blip>
+          <a:srcRect/>
+          <a:stretch>
+            <a:fillRect/>
+          </a:stretch>
+        </p:blipFill>
+        <p:spPr bwMode="auto">
+          <a:xfrm rot="5400000">
+            <a:off x="2839002" y="2346013"/>
+            <a:ext cx="712787" cy="396875"/>
+          </a:xfrm>
+          <a:prstGeom prst="rect">
+            <a:avLst/>
+          </a:prstGeom>
+          <a:noFill/>
+          <a:extLst>
+            <a:ext uri="{909E8E84-426E-40DD-AFC4-6F175D3DCCD1}">
+              <a14:hiddenFill xmlns:a14="http://schemas.microsoft.com/office/drawing/2010/main">
+                <a:solidFill>
+                  <a:srgbClr val="FFFFFF"/>
+                </a:solidFill>
+              </a14:hiddenFill>
+            </a:ext>
+          </a:extLst>
+        </p:spPr>
+      </p:pic>
       <p:sp>
         <p:nvSpPr>
-          <p:cNvPr id="129" name="Rounded Rectangle 128"/>
+          <p:cNvPr id="50" name="Rounded Rectangle 49"/>
           <p:cNvSpPr/>
           <p:nvPr/>
         </p:nvSpPr>
         <p:spPr bwMode="auto">
           <a:xfrm>
-            <a:off x="6067302" y="3911662"/>
-            <a:ext cx="738902" cy="461966"/>
+            <a:off x="3727529" y="7036922"/>
+            <a:ext cx="1592951" cy="798076"/>
           </a:xfrm>
           <a:prstGeom prst="roundRect">
             <a:avLst/>
@@ -11737,197 +7682,74 @@
             </a:lvl9pPr>
           </a:lstStyle>
           <a:p>
-            <a:pPr algn="ctr" eaLnBrk="1" hangingPunct="1"/>
-            <a:r>
-              <a:rPr lang="en-US" altLang="en-US" sz="1200" dirty="0">
+            <a:pPr eaLnBrk="1" hangingPunct="1"/>
+            <a:r>
+              <a:rPr lang="en-US" altLang="en-US" sz="1200" b="1" dirty="0">
                 <a:cs typeface="Arial" charset="0"/>
               </a:rPr>
-              <a:t>j</a:t>
-            </a:r>
-            <a:r>
-              <a:rPr lang="en-US" altLang="en-US" sz="1200" dirty="0" smtClean="0">
+              <a:t>t</a:t>
+            </a:r>
+            <a:r>
+              <a:rPr lang="en-US" altLang="en-US" sz="1200" b="1" dirty="0" smtClean="0">
                 <a:cs typeface="Arial" charset="0"/>
               </a:rPr>
-              <a:t>oint</a:t>
-            </a:r>
-          </a:p>
-          <a:p>
-            <a:pPr algn="ctr" eaLnBrk="1" hangingPunct="1"/>
-            <a:r>
-              <a:rPr lang="en-US" altLang="en-US" sz="1200" dirty="0" smtClean="0">
+              <a:t>ime innovation</a:t>
+            </a:r>
+          </a:p>
+          <a:p>
+            <a:pPr eaLnBrk="1" hangingPunct="1"/>
+            <a:r>
+              <a:rPr lang="en-US" altLang="en-US" sz="1200" b="1" dirty="0">
                 <a:cs typeface="Arial" charset="0"/>
               </a:rPr>
-              <a:t>trips</a:t>
-            </a:r>
-            <a:endParaRPr lang="en-US" altLang="en-US" sz="1200" dirty="0">
+              <a:t>r</a:t>
+            </a:r>
+            <a:r>
+              <a:rPr lang="en-US" altLang="en-US" sz="1200" b="1" dirty="0" smtClean="0">
+                <a:cs typeface="Arial" charset="0"/>
+              </a:rPr>
+              <a:t>oute innovation</a:t>
+            </a:r>
+          </a:p>
+          <a:p>
+            <a:pPr eaLnBrk="1" hangingPunct="1"/>
+            <a:r>
+              <a:rPr lang="en-US" altLang="en-US" sz="1200" b="1" dirty="0">
+                <a:cs typeface="Arial" charset="0"/>
+              </a:rPr>
+              <a:t>m</a:t>
+            </a:r>
+            <a:r>
+              <a:rPr lang="en-US" altLang="en-US" sz="1200" b="1" dirty="0" smtClean="0">
+                <a:cs typeface="Arial" charset="0"/>
+              </a:rPr>
+              <a:t>ode innovation</a:t>
+            </a:r>
+          </a:p>
+          <a:p>
+            <a:pPr eaLnBrk="1" hangingPunct="1"/>
+            <a:r>
+              <a:rPr lang="en-US" altLang="en-US" sz="1200" b="1" dirty="0" smtClean="0">
+                <a:cs typeface="Arial" charset="0"/>
+              </a:rPr>
+              <a:t>selectors</a:t>
+            </a:r>
+            <a:endParaRPr lang="en-US" altLang="en-US" sz="1200" b="1" dirty="0">
               <a:cs typeface="Arial" charset="0"/>
             </a:endParaRPr>
-          </a:p>
-        </p:txBody>
-      </p:sp>
-      <p:pic>
-        <p:nvPicPr>
-          <p:cNvPr id="130" name="Picture 4" descr="C:\Users\anhorni\Desktop\Picture1.png"/>
-          <p:cNvPicPr>
-            <a:picLocks noChangeAspect="1" noChangeArrowheads="1"/>
-          </p:cNvPicPr>
-          <p:nvPr/>
-        </p:nvPicPr>
-        <p:blipFill>
-          <a:blip r:embed="rId3">
-            <a:extLst>
-              <a:ext uri="{28A0092B-C50C-407E-A947-70E740481C1C}">
-                <a14:useLocalDpi xmlns:a14="http://schemas.microsoft.com/office/drawing/2010/main" val="0"/>
-              </a:ext>
-            </a:extLst>
-          </a:blip>
-          <a:srcRect/>
-          <a:stretch>
-            <a:fillRect/>
-          </a:stretch>
-        </p:blipFill>
-        <p:spPr bwMode="auto">
-          <a:xfrm rot="8119623">
-            <a:off x="4964085" y="4932101"/>
-            <a:ext cx="712787" cy="396875"/>
-          </a:xfrm>
-          <a:prstGeom prst="rect">
-            <a:avLst/>
-          </a:prstGeom>
-          <a:noFill/>
-          <a:extLst>
-            <a:ext uri="{909E8E84-426E-40DD-AFC4-6F175D3DCCD1}">
-              <a14:hiddenFill xmlns:a14="http://schemas.microsoft.com/office/drawing/2010/main">
-                <a:solidFill>
-                  <a:srgbClr val="FFFFFF"/>
-                </a:solidFill>
-              </a14:hiddenFill>
-            </a:ext>
-          </a:extLst>
-        </p:spPr>
-      </p:pic>
-      <p:sp>
-        <p:nvSpPr>
-          <p:cNvPr id="5" name="Freeform 4"/>
-          <p:cNvSpPr/>
-          <p:nvPr/>
-        </p:nvSpPr>
-        <p:spPr>
-          <a:xfrm>
-            <a:off x="5970494" y="3657600"/>
-            <a:ext cx="134471" cy="242047"/>
-          </a:xfrm>
-          <a:custGeom>
-            <a:avLst/>
-            <a:gdLst>
-              <a:gd name="connsiteX0" fmla="*/ 134471 w 134471"/>
-              <a:gd name="connsiteY0" fmla="*/ 0 h 242047"/>
-              <a:gd name="connsiteX1" fmla="*/ 89647 w 134471"/>
-              <a:gd name="connsiteY1" fmla="*/ 35859 h 242047"/>
-              <a:gd name="connsiteX2" fmla="*/ 62753 w 134471"/>
-              <a:gd name="connsiteY2" fmla="*/ 98612 h 242047"/>
-              <a:gd name="connsiteX3" fmla="*/ 35859 w 134471"/>
-              <a:gd name="connsiteY3" fmla="*/ 125506 h 242047"/>
-              <a:gd name="connsiteX4" fmla="*/ 0 w 134471"/>
-              <a:gd name="connsiteY4" fmla="*/ 206188 h 242047"/>
-              <a:gd name="connsiteX5" fmla="*/ 0 w 134471"/>
-              <a:gd name="connsiteY5" fmla="*/ 242047 h 242047"/>
-            </a:gdLst>
-            <a:ahLst/>
-            <a:cxnLst>
-              <a:cxn ang="0">
-                <a:pos x="connsiteX0" y="connsiteY0"/>
-              </a:cxn>
-              <a:cxn ang="0">
-                <a:pos x="connsiteX1" y="connsiteY1"/>
-              </a:cxn>
-              <a:cxn ang="0">
-                <a:pos x="connsiteX2" y="connsiteY2"/>
-              </a:cxn>
-              <a:cxn ang="0">
-                <a:pos x="connsiteX3" y="connsiteY3"/>
-              </a:cxn>
-              <a:cxn ang="0">
-                <a:pos x="connsiteX4" y="connsiteY4"/>
-              </a:cxn>
-              <a:cxn ang="0">
-                <a:pos x="connsiteX5" y="connsiteY5"/>
-              </a:cxn>
-            </a:cxnLst>
-            <a:rect l="l" t="t" r="r" b="b"/>
-            <a:pathLst>
-              <a:path w="134471" h="242047">
-                <a:moveTo>
-                  <a:pt x="134471" y="0"/>
-                </a:moveTo>
-                <a:cubicBezTo>
-                  <a:pt x="119530" y="11953"/>
-                  <a:pt x="102247" y="21459"/>
-                  <a:pt x="89647" y="35859"/>
-                </a:cubicBezTo>
-                <a:cubicBezTo>
-                  <a:pt x="42319" y="89948"/>
-                  <a:pt x="93744" y="52126"/>
-                  <a:pt x="62753" y="98612"/>
-                </a:cubicBezTo>
-                <a:cubicBezTo>
-                  <a:pt x="55720" y="109161"/>
-                  <a:pt x="43975" y="115766"/>
-                  <a:pt x="35859" y="125506"/>
-                </a:cubicBezTo>
-                <a:cubicBezTo>
-                  <a:pt x="19611" y="145004"/>
-                  <a:pt x="0" y="182736"/>
-                  <a:pt x="0" y="206188"/>
-                </a:cubicBezTo>
-                <a:lnTo>
-                  <a:pt x="0" y="242047"/>
-                </a:lnTo>
-              </a:path>
-            </a:pathLst>
-          </a:custGeom>
-          <a:noFill/>
-          <a:ln w="15875">
-            <a:solidFill>
-              <a:schemeClr val="tx1"/>
-            </a:solidFill>
-          </a:ln>
-        </p:spPr>
-        <p:style>
-          <a:lnRef idx="2">
-            <a:schemeClr val="accent1">
-              <a:shade val="50000"/>
-            </a:schemeClr>
-          </a:lnRef>
-          <a:fillRef idx="1">
-            <a:schemeClr val="accent1"/>
-          </a:fillRef>
-          <a:effectRef idx="0">
-            <a:schemeClr val="accent1"/>
-          </a:effectRef>
-          <a:fontRef idx="minor">
-            <a:schemeClr val="lt1"/>
-          </a:fontRef>
-        </p:style>
-        <p:txBody>
-          <a:bodyPr rtlCol="0" anchor="ctr"/>
-          <a:lstStyle/>
-          <a:p>
-            <a:pPr algn="ctr"/>
-            <a:endParaRPr lang="en-US"/>
           </a:p>
         </p:txBody>
       </p:sp>
       <p:sp>
         <p:nvSpPr>
-          <p:cNvPr id="116" name="Rounded Rectangle 115"/>
+          <p:cNvPr id="70" name="Rounded Rectangle 69"/>
           <p:cNvSpPr/>
           <p:nvPr/>
         </p:nvSpPr>
         <p:spPr bwMode="auto">
           <a:xfrm>
-            <a:off x="5204141" y="3881151"/>
-            <a:ext cx="881199" cy="461966"/>
+            <a:off x="2534311" y="954028"/>
+            <a:ext cx="1193218" cy="1381295"/>
           </a:xfrm>
           <a:prstGeom prst="roundRect">
             <a:avLst/>
@@ -12070,191 +7892,89 @@
             </a:lvl9pPr>
           </a:lstStyle>
           <a:p>
-            <a:pPr algn="ctr" eaLnBrk="1" hangingPunct="1"/>
-            <a:r>
-              <a:rPr lang="en-US" altLang="en-US" sz="1200" dirty="0">
+            <a:pPr eaLnBrk="1" hangingPunct="1"/>
+            <a:r>
+              <a:rPr lang="en-US" altLang="en-US" sz="1200" b="1" dirty="0">
                 <a:cs typeface="Arial" charset="0"/>
               </a:rPr>
-              <a:t>e</a:t>
-            </a:r>
-            <a:r>
-              <a:rPr lang="en-US" altLang="en-US" sz="1200" dirty="0" smtClean="0">
+              <a:t>n</a:t>
+            </a:r>
+            <a:r>
+              <a:rPr lang="en-US" altLang="en-US" sz="1200" b="1" dirty="0" smtClean="0">
                 <a:cs typeface="Arial" charset="0"/>
               </a:rPr>
-              <a:t>lectric</a:t>
-            </a:r>
-          </a:p>
-          <a:p>
-            <a:pPr algn="ctr" eaLnBrk="1" hangingPunct="1"/>
-            <a:r>
-              <a:rPr lang="en-US" altLang="en-US" sz="1200" dirty="0" smtClean="0">
+              <a:t>etwork</a:t>
+            </a:r>
+          </a:p>
+          <a:p>
+            <a:pPr eaLnBrk="1" hangingPunct="1"/>
+            <a:r>
+              <a:rPr lang="en-US" altLang="en-US" sz="1200" b="1" dirty="0">
+                <a:cs typeface="Arial" charset="0"/>
+              </a:rPr>
+              <a:t>facilities</a:t>
+            </a:r>
+            <a:endParaRPr lang="en-US" altLang="en-US" sz="1200" dirty="0">
+              <a:cs typeface="Arial" charset="0"/>
+            </a:endParaRPr>
+          </a:p>
+          <a:p>
+            <a:pPr eaLnBrk="1" hangingPunct="1"/>
+            <a:r>
+              <a:rPr lang="en-US" altLang="en-US" sz="1200" b="1" dirty="0">
                 <a:cs typeface="Arial" charset="0"/>
               </a:rPr>
               <a:t>vehicles</a:t>
             </a:r>
           </a:p>
-        </p:txBody>
-      </p:sp>
-      <p:sp>
-        <p:nvSpPr>
-          <p:cNvPr id="93" name="Rounded Rectangle 92"/>
-          <p:cNvSpPr/>
-          <p:nvPr/>
-        </p:nvSpPr>
-        <p:spPr bwMode="auto">
-          <a:xfrm>
-            <a:off x="5706940" y="3477169"/>
-            <a:ext cx="812057" cy="461966"/>
-          </a:xfrm>
-          <a:prstGeom prst="roundRect">
-            <a:avLst/>
-          </a:prstGeom>
-          <a:solidFill>
-            <a:schemeClr val="bg1"/>
-          </a:solidFill>
-          <a:ln w="19050" cap="flat" cmpd="sng" algn="ctr">
-            <a:solidFill>
-              <a:schemeClr val="tx1"/>
-            </a:solidFill>
-            <a:prstDash val="solid"/>
-            <a:round/>
-            <a:headEnd type="none" w="med" len="med"/>
-            <a:tailEnd type="none" w="med" len="med"/>
-          </a:ln>
-          <a:effectLst/>
-        </p:spPr>
-        <p:style>
-          <a:lnRef idx="1">
-            <a:schemeClr val="accent1"/>
-          </a:lnRef>
-          <a:fillRef idx="3">
-            <a:schemeClr val="accent1"/>
-          </a:fillRef>
-          <a:effectRef idx="2">
-            <a:schemeClr val="accent1"/>
-          </a:effectRef>
-          <a:fontRef idx="minor">
-            <a:schemeClr val="lt1"/>
-          </a:fontRef>
-        </p:style>
-        <p:txBody>
-          <a:bodyPr anchor="ctr"/>
-          <a:lstStyle>
-            <a:lvl1pPr eaLnBrk="0" hangingPunct="0">
-              <a:defRPr sz="2400">
-                <a:solidFill>
-                  <a:schemeClr val="tx1"/>
-                </a:solidFill>
-                <a:latin typeface="Arial" charset="0"/>
-                <a:ea typeface="ＭＳ Ｐゴシック" charset="-128"/>
-              </a:defRPr>
-            </a:lvl1pPr>
-            <a:lvl2pPr marL="37931725" indent="-37474525" eaLnBrk="0" hangingPunct="0">
-              <a:defRPr sz="2400">
-                <a:solidFill>
-                  <a:schemeClr val="tx1"/>
-                </a:solidFill>
-                <a:latin typeface="Arial" charset="0"/>
-                <a:ea typeface="ＭＳ Ｐゴシック" charset="-128"/>
-              </a:defRPr>
-            </a:lvl2pPr>
-            <a:lvl3pPr eaLnBrk="0" hangingPunct="0">
-              <a:defRPr sz="2400">
-                <a:solidFill>
-                  <a:schemeClr val="tx1"/>
-                </a:solidFill>
-                <a:latin typeface="Arial" charset="0"/>
-                <a:ea typeface="ＭＳ Ｐゴシック" charset="-128"/>
-              </a:defRPr>
-            </a:lvl3pPr>
-            <a:lvl4pPr eaLnBrk="0" hangingPunct="0">
-              <a:defRPr sz="2400">
-                <a:solidFill>
-                  <a:schemeClr val="tx1"/>
-                </a:solidFill>
-                <a:latin typeface="Arial" charset="0"/>
-                <a:ea typeface="ＭＳ Ｐゴシック" charset="-128"/>
-              </a:defRPr>
-            </a:lvl4pPr>
-            <a:lvl5pPr eaLnBrk="0" hangingPunct="0">
-              <a:defRPr sz="2400">
-                <a:solidFill>
-                  <a:schemeClr val="tx1"/>
-                </a:solidFill>
-                <a:latin typeface="Arial" charset="0"/>
-                <a:ea typeface="ＭＳ Ｐゴシック" charset="-128"/>
-              </a:defRPr>
-            </a:lvl5pPr>
-            <a:lvl6pPr marL="457200" eaLnBrk="0" fontAlgn="base" hangingPunct="0">
-              <a:spcBef>
-                <a:spcPct val="0"/>
-              </a:spcBef>
-              <a:spcAft>
-                <a:spcPct val="0"/>
-              </a:spcAft>
-              <a:defRPr sz="2400">
-                <a:solidFill>
-                  <a:schemeClr val="tx1"/>
-                </a:solidFill>
-                <a:latin typeface="Arial" charset="0"/>
-                <a:ea typeface="ＭＳ Ｐゴシック" charset="-128"/>
-              </a:defRPr>
-            </a:lvl6pPr>
-            <a:lvl7pPr marL="914400" eaLnBrk="0" fontAlgn="base" hangingPunct="0">
-              <a:spcBef>
-                <a:spcPct val="0"/>
-              </a:spcBef>
-              <a:spcAft>
-                <a:spcPct val="0"/>
-              </a:spcAft>
-              <a:defRPr sz="2400">
-                <a:solidFill>
-                  <a:schemeClr val="tx1"/>
-                </a:solidFill>
-                <a:latin typeface="Arial" charset="0"/>
-                <a:ea typeface="ＭＳ Ｐゴシック" charset="-128"/>
-              </a:defRPr>
-            </a:lvl7pPr>
-            <a:lvl8pPr marL="1371600" eaLnBrk="0" fontAlgn="base" hangingPunct="0">
-              <a:spcBef>
-                <a:spcPct val="0"/>
-              </a:spcBef>
-              <a:spcAft>
-                <a:spcPct val="0"/>
-              </a:spcAft>
-              <a:defRPr sz="2400">
-                <a:solidFill>
-                  <a:schemeClr val="tx1"/>
-                </a:solidFill>
-                <a:latin typeface="Arial" charset="0"/>
-                <a:ea typeface="ＭＳ Ｐゴシック" charset="-128"/>
-              </a:defRPr>
-            </a:lvl8pPr>
-            <a:lvl9pPr marL="1828800" eaLnBrk="0" fontAlgn="base" hangingPunct="0">
-              <a:spcBef>
-                <a:spcPct val="0"/>
-              </a:spcBef>
-              <a:spcAft>
-                <a:spcPct val="0"/>
-              </a:spcAft>
-              <a:defRPr sz="2400">
-                <a:solidFill>
-                  <a:schemeClr val="tx1"/>
-                </a:solidFill>
-                <a:latin typeface="Arial" charset="0"/>
-                <a:ea typeface="ＭＳ Ｐゴシック" charset="-128"/>
-              </a:defRPr>
-            </a:lvl9pPr>
-          </a:lstStyle>
-          <a:p>
-            <a:pPr algn="ctr" eaLnBrk="1" hangingPunct="1"/>
-            <a:r>
-              <a:rPr lang="en-US" altLang="en-US" sz="1200" dirty="0" smtClean="0">
+          <a:p>
+            <a:pPr eaLnBrk="1" hangingPunct="1"/>
+            <a:r>
+              <a:rPr lang="en-US" altLang="en-US" sz="1200" b="1" dirty="0" err="1" smtClean="0">
                 <a:cs typeface="Arial" charset="0"/>
               </a:rPr>
-              <a:t>retailers</a:t>
-            </a:r>
-            <a:endParaRPr lang="en-US" altLang="en-US" sz="1200" dirty="0">
+              <a:t>mobsims</a:t>
+            </a:r>
+            <a:endParaRPr lang="en-US" altLang="en-US" sz="1200" b="1" dirty="0" smtClean="0">
+              <a:cs typeface="Arial" charset="0"/>
+            </a:endParaRPr>
+          </a:p>
+          <a:p>
+            <a:pPr eaLnBrk="1" hangingPunct="1"/>
+            <a:r>
+              <a:rPr lang="en-US" altLang="en-US" sz="1200" b="1" dirty="0">
+                <a:cs typeface="Arial" charset="0"/>
+              </a:rPr>
+              <a:t>multimodal</a:t>
+            </a:r>
+            <a:endParaRPr lang="en-US" altLang="en-US" sz="1200" b="1" dirty="0" smtClean="0">
+              <a:cs typeface="Arial" charset="0"/>
+            </a:endParaRPr>
+          </a:p>
+          <a:p>
+            <a:pPr eaLnBrk="1" hangingPunct="1"/>
+            <a:r>
+              <a:rPr lang="en-US" altLang="en-US" sz="1200" b="1" dirty="0" smtClean="0">
+                <a:cs typeface="Arial" charset="0"/>
+              </a:rPr>
+              <a:t>signals</a:t>
+            </a:r>
+          </a:p>
+          <a:p>
+            <a:pPr eaLnBrk="1" hangingPunct="1"/>
+            <a:r>
+              <a:rPr lang="en-US" altLang="en-US" sz="1200" b="1" dirty="0" smtClean="0">
+                <a:cs typeface="Arial" charset="0"/>
+              </a:rPr>
+              <a:t>l</a:t>
+            </a:r>
+            <a:r>
+              <a:rPr lang="en-US" altLang="en-US" sz="1200" b="1" dirty="0" smtClean="0">
+                <a:cs typeface="Arial" charset="0"/>
+              </a:rPr>
+              <a:t>anes</a:t>
+            </a:r>
+            <a:endParaRPr lang="en-US" altLang="en-US" sz="1200" b="1" dirty="0" smtClean="0">
               <a:cs typeface="Arial" charset="0"/>
             </a:endParaRPr>
           </a:p>

--- a/extending/figures/modules.pptx
+++ b/extending/figures/modules.pptx
@@ -5411,242 +5411,227 @@
           </p:txBody>
         </p:sp>
       </p:grpSp>
-      <p:grpSp>
-        <p:nvGrpSpPr>
-          <p:cNvPr id="30" name="Group 29"/>
-          <p:cNvGrpSpPr/>
+      <p:pic>
+        <p:nvPicPr>
+          <p:cNvPr id="31" name="Picture 4" descr="C:\Users\anhorni\Desktop\Picture1.png"/>
+          <p:cNvPicPr>
+            <a:picLocks noChangeAspect="1" noChangeArrowheads="1"/>
+          </p:cNvPicPr>
           <p:nvPr/>
-        </p:nvGrpSpPr>
-        <p:grpSpPr>
-          <a:xfrm>
-            <a:off x="568258" y="3580539"/>
-            <a:ext cx="819411" cy="1038030"/>
-            <a:chOff x="457939" y="4797152"/>
-            <a:chExt cx="819411" cy="1038030"/>
-          </a:xfrm>
-        </p:grpSpPr>
-        <p:pic>
-          <p:nvPicPr>
-            <p:cNvPr id="31" name="Picture 4" descr="C:\Users\anhorni\Desktop\Picture1.png"/>
-            <p:cNvPicPr>
-              <a:picLocks noChangeAspect="1" noChangeArrowheads="1"/>
-            </p:cNvPicPr>
-            <p:nvPr/>
-          </p:nvPicPr>
-          <p:blipFill>
-            <a:blip r:embed="rId3">
-              <a:extLst>
-                <a:ext uri="{28A0092B-C50C-407E-A947-70E740481C1C}">
-                  <a14:useLocalDpi xmlns:a14="http://schemas.microsoft.com/office/drawing/2010/main" val="0"/>
-                </a:ext>
-              </a:extLst>
-            </a:blip>
-            <a:srcRect/>
-            <a:stretch>
-              <a:fillRect/>
-            </a:stretch>
-          </p:blipFill>
-          <p:spPr bwMode="auto">
-            <a:xfrm rot="16200000">
-              <a:off x="420136" y="4955108"/>
-              <a:ext cx="712787" cy="396875"/>
-            </a:xfrm>
-            <a:prstGeom prst="rect">
-              <a:avLst/>
-            </a:prstGeom>
-            <a:noFill/>
+        </p:nvPicPr>
+        <p:blipFill>
+          <a:blip r:embed="rId3">
             <a:extLst>
-              <a:ext uri="{909E8E84-426E-40DD-AFC4-6F175D3DCCD1}">
-                <a14:hiddenFill xmlns:a14="http://schemas.microsoft.com/office/drawing/2010/main">
-                  <a:solidFill>
-                    <a:srgbClr val="FFFFFF"/>
-                  </a:solidFill>
-                </a14:hiddenFill>
+              <a:ext uri="{28A0092B-C50C-407E-A947-70E740481C1C}">
+                <a14:useLocalDpi xmlns:a14="http://schemas.microsoft.com/office/drawing/2010/main" val="0"/>
               </a:ext>
             </a:extLst>
-          </p:spPr>
-        </p:pic>
-        <p:sp>
-          <p:nvSpPr>
-            <p:cNvPr id="32" name="Rounded Rectangle 31"/>
-            <p:cNvSpPr/>
-            <p:nvPr/>
-          </p:nvSpPr>
-          <p:spPr bwMode="auto">
-            <a:xfrm>
-              <a:off x="457939" y="5373216"/>
-              <a:ext cx="819411" cy="461966"/>
-            </a:xfrm>
-            <a:prstGeom prst="roundRect">
-              <a:avLst/>
-            </a:prstGeom>
+          </a:blip>
+          <a:srcRect/>
+          <a:stretch>
+            <a:fillRect/>
+          </a:stretch>
+        </p:blipFill>
+        <p:spPr bwMode="auto">
+          <a:xfrm rot="16200000">
+            <a:off x="530455" y="3738495"/>
+            <a:ext cx="712787" cy="396875"/>
+          </a:xfrm>
+          <a:prstGeom prst="rect">
+            <a:avLst/>
+          </a:prstGeom>
+          <a:noFill/>
+          <a:extLst>
+            <a:ext uri="{909E8E84-426E-40DD-AFC4-6F175D3DCCD1}">
+              <a14:hiddenFill xmlns:a14="http://schemas.microsoft.com/office/drawing/2010/main">
+                <a:solidFill>
+                  <a:srgbClr val="FFFFFF"/>
+                </a:solidFill>
+              </a14:hiddenFill>
+            </a:ext>
+          </a:extLst>
+        </p:spPr>
+      </p:pic>
+      <p:sp>
+        <p:nvSpPr>
+          <p:cNvPr id="32" name="Rounded Rectangle 31"/>
+          <p:cNvSpPr/>
+          <p:nvPr/>
+        </p:nvSpPr>
+        <p:spPr bwMode="auto">
+          <a:xfrm>
+            <a:off x="147333" y="4156602"/>
+            <a:ext cx="1830820" cy="703677"/>
+          </a:xfrm>
+          <a:prstGeom prst="roundRect">
+            <a:avLst/>
+          </a:prstGeom>
+          <a:solidFill>
+            <a:schemeClr val="bg1"/>
+          </a:solidFill>
+          <a:ln w="19050" cap="flat" cmpd="sng" algn="ctr">
             <a:solidFill>
-              <a:schemeClr val="bg1"/>
+              <a:schemeClr val="tx1"/>
             </a:solidFill>
-            <a:ln w="19050" cap="flat" cmpd="sng" algn="ctr">
-              <a:solidFill>
-                <a:schemeClr val="tx1"/>
-              </a:solidFill>
-              <a:prstDash val="solid"/>
-              <a:round/>
-              <a:headEnd type="none" w="med" len="med"/>
-              <a:tailEnd type="none" w="med" len="med"/>
-            </a:ln>
-            <a:effectLst/>
-          </p:spPr>
-          <p:style>
-            <a:lnRef idx="1">
-              <a:schemeClr val="accent1"/>
-            </a:lnRef>
-            <a:fillRef idx="3">
-              <a:schemeClr val="accent1"/>
-            </a:fillRef>
-            <a:effectRef idx="2">
-              <a:schemeClr val="accent1"/>
-            </a:effectRef>
-            <a:fontRef idx="minor">
-              <a:schemeClr val="lt1"/>
-            </a:fontRef>
-          </p:style>
-          <p:txBody>
-            <a:bodyPr anchor="ctr"/>
-            <a:lstStyle>
-              <a:lvl1pPr eaLnBrk="0" hangingPunct="0">
-                <a:defRPr sz="2400">
-                  <a:solidFill>
-                    <a:schemeClr val="tx1"/>
-                  </a:solidFill>
-                  <a:latin typeface="Arial" charset="0"/>
-                  <a:ea typeface="ＭＳ Ｐゴシック" charset="-128"/>
-                </a:defRPr>
-              </a:lvl1pPr>
-              <a:lvl2pPr marL="37931725" indent="-37474525" eaLnBrk="0" hangingPunct="0">
-                <a:defRPr sz="2400">
-                  <a:solidFill>
-                    <a:schemeClr val="tx1"/>
-                  </a:solidFill>
-                  <a:latin typeface="Arial" charset="0"/>
-                  <a:ea typeface="ＭＳ Ｐゴシック" charset="-128"/>
-                </a:defRPr>
-              </a:lvl2pPr>
-              <a:lvl3pPr eaLnBrk="0" hangingPunct="0">
-                <a:defRPr sz="2400">
-                  <a:solidFill>
-                    <a:schemeClr val="tx1"/>
-                  </a:solidFill>
-                  <a:latin typeface="Arial" charset="0"/>
-                  <a:ea typeface="ＭＳ Ｐゴシック" charset="-128"/>
-                </a:defRPr>
-              </a:lvl3pPr>
-              <a:lvl4pPr eaLnBrk="0" hangingPunct="0">
-                <a:defRPr sz="2400">
-                  <a:solidFill>
-                    <a:schemeClr val="tx1"/>
-                  </a:solidFill>
-                  <a:latin typeface="Arial" charset="0"/>
-                  <a:ea typeface="ＭＳ Ｐゴシック" charset="-128"/>
-                </a:defRPr>
-              </a:lvl4pPr>
-              <a:lvl5pPr eaLnBrk="0" hangingPunct="0">
-                <a:defRPr sz="2400">
-                  <a:solidFill>
-                    <a:schemeClr val="tx1"/>
-                  </a:solidFill>
-                  <a:latin typeface="Arial" charset="0"/>
-                  <a:ea typeface="ＭＳ Ｐゴシック" charset="-128"/>
-                </a:defRPr>
-              </a:lvl5pPr>
-              <a:lvl6pPr marL="457200" eaLnBrk="0" fontAlgn="base" hangingPunct="0">
-                <a:spcBef>
-                  <a:spcPct val="0"/>
-                </a:spcBef>
-                <a:spcAft>
-                  <a:spcPct val="0"/>
-                </a:spcAft>
-                <a:defRPr sz="2400">
-                  <a:solidFill>
-                    <a:schemeClr val="tx1"/>
-                  </a:solidFill>
-                  <a:latin typeface="Arial" charset="0"/>
-                  <a:ea typeface="ＭＳ Ｐゴシック" charset="-128"/>
-                </a:defRPr>
-              </a:lvl6pPr>
-              <a:lvl7pPr marL="914400" eaLnBrk="0" fontAlgn="base" hangingPunct="0">
-                <a:spcBef>
-                  <a:spcPct val="0"/>
-                </a:spcBef>
-                <a:spcAft>
-                  <a:spcPct val="0"/>
-                </a:spcAft>
-                <a:defRPr sz="2400">
-                  <a:solidFill>
-                    <a:schemeClr val="tx1"/>
-                  </a:solidFill>
-                  <a:latin typeface="Arial" charset="0"/>
-                  <a:ea typeface="ＭＳ Ｐゴシック" charset="-128"/>
-                </a:defRPr>
-              </a:lvl7pPr>
-              <a:lvl8pPr marL="1371600" eaLnBrk="0" fontAlgn="base" hangingPunct="0">
-                <a:spcBef>
-                  <a:spcPct val="0"/>
-                </a:spcBef>
-                <a:spcAft>
-                  <a:spcPct val="0"/>
-                </a:spcAft>
-                <a:defRPr sz="2400">
-                  <a:solidFill>
-                    <a:schemeClr val="tx1"/>
-                  </a:solidFill>
-                  <a:latin typeface="Arial" charset="0"/>
-                  <a:ea typeface="ＭＳ Ｐゴシック" charset="-128"/>
-                </a:defRPr>
-              </a:lvl8pPr>
-              <a:lvl9pPr marL="1828800" eaLnBrk="0" fontAlgn="base" hangingPunct="0">
-                <a:spcBef>
-                  <a:spcPct val="0"/>
-                </a:spcBef>
-                <a:spcAft>
-                  <a:spcPct val="0"/>
-                </a:spcAft>
-                <a:defRPr sz="2400">
-                  <a:solidFill>
-                    <a:schemeClr val="tx1"/>
-                  </a:solidFill>
-                  <a:latin typeface="Arial" charset="0"/>
-                  <a:ea typeface="ＭＳ Ｐゴシック" charset="-128"/>
-                </a:defRPr>
-              </a:lvl9pPr>
-            </a:lstStyle>
-            <a:p>
-              <a:pPr algn="ctr" eaLnBrk="1" hangingPunct="1"/>
-              <a:r>
-                <a:rPr lang="en-US" altLang="en-US" sz="1200" b="1" dirty="0">
-                  <a:cs typeface="Arial" charset="0"/>
-                </a:rPr>
-                <a:t>n</a:t>
-              </a:r>
-              <a:r>
-                <a:rPr lang="en-US" altLang="en-US" sz="1200" b="1" dirty="0" smtClean="0">
-                  <a:cs typeface="Arial" charset="0"/>
-                </a:rPr>
-                <a:t>etwork</a:t>
-              </a:r>
-            </a:p>
-            <a:p>
-              <a:pPr algn="ctr" eaLnBrk="1" hangingPunct="1"/>
-              <a:r>
-                <a:rPr lang="en-US" altLang="en-US" sz="1200" b="1" dirty="0" smtClean="0">
-                  <a:cs typeface="Arial" charset="0"/>
-                </a:rPr>
-                <a:t>editors</a:t>
-              </a:r>
-              <a:endParaRPr lang="en-US" altLang="en-US" sz="1200" b="1" dirty="0">
+            <a:prstDash val="solid"/>
+            <a:round/>
+            <a:headEnd type="none" w="med" len="med"/>
+            <a:tailEnd type="none" w="med" len="med"/>
+          </a:ln>
+          <a:effectLst/>
+        </p:spPr>
+        <p:style>
+          <a:lnRef idx="1">
+            <a:schemeClr val="accent1"/>
+          </a:lnRef>
+          <a:fillRef idx="3">
+            <a:schemeClr val="accent1"/>
+          </a:fillRef>
+          <a:effectRef idx="2">
+            <a:schemeClr val="accent1"/>
+          </a:effectRef>
+          <a:fontRef idx="minor">
+            <a:schemeClr val="lt1"/>
+          </a:fontRef>
+        </p:style>
+        <p:txBody>
+          <a:bodyPr anchor="ctr"/>
+          <a:lstStyle>
+            <a:lvl1pPr eaLnBrk="0" hangingPunct="0">
+              <a:defRPr sz="2400">
+                <a:solidFill>
+                  <a:schemeClr val="tx1"/>
+                </a:solidFill>
+                <a:latin typeface="Arial" charset="0"/>
+                <a:ea typeface="ＭＳ Ｐゴシック" charset="-128"/>
+              </a:defRPr>
+            </a:lvl1pPr>
+            <a:lvl2pPr marL="37931725" indent="-37474525" eaLnBrk="0" hangingPunct="0">
+              <a:defRPr sz="2400">
+                <a:solidFill>
+                  <a:schemeClr val="tx1"/>
+                </a:solidFill>
+                <a:latin typeface="Arial" charset="0"/>
+                <a:ea typeface="ＭＳ Ｐゴシック" charset="-128"/>
+              </a:defRPr>
+            </a:lvl2pPr>
+            <a:lvl3pPr eaLnBrk="0" hangingPunct="0">
+              <a:defRPr sz="2400">
+                <a:solidFill>
+                  <a:schemeClr val="tx1"/>
+                </a:solidFill>
+                <a:latin typeface="Arial" charset="0"/>
+                <a:ea typeface="ＭＳ Ｐゴシック" charset="-128"/>
+              </a:defRPr>
+            </a:lvl3pPr>
+            <a:lvl4pPr eaLnBrk="0" hangingPunct="0">
+              <a:defRPr sz="2400">
+                <a:solidFill>
+                  <a:schemeClr val="tx1"/>
+                </a:solidFill>
+                <a:latin typeface="Arial" charset="0"/>
+                <a:ea typeface="ＭＳ Ｐゴシック" charset="-128"/>
+              </a:defRPr>
+            </a:lvl4pPr>
+            <a:lvl5pPr eaLnBrk="0" hangingPunct="0">
+              <a:defRPr sz="2400">
+                <a:solidFill>
+                  <a:schemeClr val="tx1"/>
+                </a:solidFill>
+                <a:latin typeface="Arial" charset="0"/>
+                <a:ea typeface="ＭＳ Ｐゴシック" charset="-128"/>
+              </a:defRPr>
+            </a:lvl5pPr>
+            <a:lvl6pPr marL="457200" eaLnBrk="0" fontAlgn="base" hangingPunct="0">
+              <a:spcBef>
+                <a:spcPct val="0"/>
+              </a:spcBef>
+              <a:spcAft>
+                <a:spcPct val="0"/>
+              </a:spcAft>
+              <a:defRPr sz="2400">
+                <a:solidFill>
+                  <a:schemeClr val="tx1"/>
+                </a:solidFill>
+                <a:latin typeface="Arial" charset="0"/>
+                <a:ea typeface="ＭＳ Ｐゴシック" charset="-128"/>
+              </a:defRPr>
+            </a:lvl6pPr>
+            <a:lvl7pPr marL="914400" eaLnBrk="0" fontAlgn="base" hangingPunct="0">
+              <a:spcBef>
+                <a:spcPct val="0"/>
+              </a:spcBef>
+              <a:spcAft>
+                <a:spcPct val="0"/>
+              </a:spcAft>
+              <a:defRPr sz="2400">
+                <a:solidFill>
+                  <a:schemeClr val="tx1"/>
+                </a:solidFill>
+                <a:latin typeface="Arial" charset="0"/>
+                <a:ea typeface="ＭＳ Ｐゴシック" charset="-128"/>
+              </a:defRPr>
+            </a:lvl7pPr>
+            <a:lvl8pPr marL="1371600" eaLnBrk="0" fontAlgn="base" hangingPunct="0">
+              <a:spcBef>
+                <a:spcPct val="0"/>
+              </a:spcBef>
+              <a:spcAft>
+                <a:spcPct val="0"/>
+              </a:spcAft>
+              <a:defRPr sz="2400">
+                <a:solidFill>
+                  <a:schemeClr val="tx1"/>
+                </a:solidFill>
+                <a:latin typeface="Arial" charset="0"/>
+                <a:ea typeface="ＭＳ Ｐゴシック" charset="-128"/>
+              </a:defRPr>
+            </a:lvl8pPr>
+            <a:lvl9pPr marL="1828800" eaLnBrk="0" fontAlgn="base" hangingPunct="0">
+              <a:spcBef>
+                <a:spcPct val="0"/>
+              </a:spcBef>
+              <a:spcAft>
+                <a:spcPct val="0"/>
+              </a:spcAft>
+              <a:defRPr sz="2400">
+                <a:solidFill>
+                  <a:schemeClr val="tx1"/>
+                </a:solidFill>
+                <a:latin typeface="Arial" charset="0"/>
+                <a:ea typeface="ＭＳ Ｐゴシック" charset="-128"/>
+              </a:defRPr>
+            </a:lvl9pPr>
+          </a:lstStyle>
+          <a:p>
+            <a:pPr eaLnBrk="1" hangingPunct="1"/>
+            <a:r>
+              <a:rPr lang="en-US" altLang="en-US" sz="1200" b="1" dirty="0">
                 <a:cs typeface="Arial" charset="0"/>
-              </a:endParaRPr>
-            </a:p>
-          </p:txBody>
-        </p:sp>
-      </p:grpSp>
+              </a:rPr>
+              <a:t>n</a:t>
+            </a:r>
+            <a:r>
+              <a:rPr lang="en-US" altLang="en-US" sz="1200" b="1" dirty="0" smtClean="0">
+                <a:cs typeface="Arial" charset="0"/>
+              </a:rPr>
+              <a:t>etwork editors</a:t>
+            </a:r>
+          </a:p>
+          <a:p>
+            <a:pPr eaLnBrk="1" hangingPunct="1"/>
+            <a:r>
+              <a:rPr lang="en-US" altLang="en-US" sz="1200" b="1" dirty="0" err="1" smtClean="0">
+                <a:cs typeface="Arial" charset="0"/>
+              </a:rPr>
+              <a:t>freightChainsFromTD</a:t>
+            </a:r>
+            <a:endParaRPr lang="en-US" altLang="en-US" sz="1200" b="1" dirty="0">
+              <a:cs typeface="Arial" charset="0"/>
+            </a:endParaRPr>
+          </a:p>
+        </p:txBody>
+      </p:sp>
       <p:pic>
         <p:nvPicPr>
           <p:cNvPr id="33" name="Picture 3" descr="C:\Users\anhorni\Desktop\logitech-laptop-headset-h555.png"/>
@@ -6312,9 +6297,6 @@
                 </a:rPr>
                 <a:t>scoring</a:t>
               </a:r>
-              <a:endParaRPr lang="en-US" altLang="en-US" sz="1200" b="1" dirty="0" smtClean="0">
-                <a:cs typeface="Arial" charset="0"/>
-              </a:endParaRPr>
             </a:p>
           </p:txBody>
         </p:sp>
@@ -6806,13 +6788,7 @@
               <a:rPr lang="en-US" altLang="en-US" sz="1200" b="1" dirty="0" smtClean="0">
                 <a:cs typeface="Arial" charset="0"/>
               </a:rPr>
-              <a:t>t</a:t>
-            </a:r>
-            <a:r>
-              <a:rPr lang="en-US" altLang="en-US" sz="1200" b="1" dirty="0" smtClean="0">
-                <a:cs typeface="Arial" charset="0"/>
-              </a:rPr>
-              <a:t>ravel time calculator</a:t>
+              <a:t>travel time calculator</a:t>
             </a:r>
           </a:p>
         </p:txBody>
@@ -7165,9 +7141,6 @@
               </a:rPr>
               <a:t>electric vehicles</a:t>
             </a:r>
-            <a:endParaRPr lang="en-US" altLang="en-US" sz="1200" b="1" dirty="0" smtClean="0">
-              <a:cs typeface="Arial" charset="0"/>
-            </a:endParaRPr>
           </a:p>
           <a:p>
             <a:pPr eaLnBrk="1" hangingPunct="1"/>
@@ -7184,13 +7157,7 @@
               <a:rPr lang="en-US" altLang="en-US" sz="1200" b="1" dirty="0" err="1" smtClean="0">
                 <a:cs typeface="Arial" charset="0"/>
               </a:rPr>
-              <a:t>c</a:t>
-            </a:r>
-            <a:r>
-              <a:rPr lang="en-US" altLang="en-US" sz="1200" b="1" dirty="0" err="1" smtClean="0">
-                <a:cs typeface="Arial" charset="0"/>
-              </a:rPr>
-              <a:t>adyts</a:t>
+              <a:t>cadyts</a:t>
             </a:r>
             <a:endParaRPr lang="en-US" altLang="en-US" sz="1200" b="1" dirty="0" smtClean="0">
               <a:cs typeface="Arial" charset="0"/>
@@ -7260,8 +7227,8 @@
         </p:nvSpPr>
         <p:spPr bwMode="auto">
           <a:xfrm>
-            <a:off x="7220089" y="954029"/>
-            <a:ext cx="1547163" cy="1271134"/>
+            <a:off x="7220089" y="323776"/>
+            <a:ext cx="1547163" cy="1901387"/>
           </a:xfrm>
           <a:prstGeom prst="roundRect">
             <a:avLst/>
@@ -7484,8 +7451,26 @@
               <a:rPr lang="en-US" altLang="en-US" sz="1200" b="1" dirty="0" smtClean="0">
                 <a:cs typeface="Arial" charset="0"/>
               </a:rPr>
-              <a:t>ink stats</a:t>
-            </a:r>
+              <a:t>ink </a:t>
+            </a:r>
+            <a:r>
+              <a:rPr lang="en-US" altLang="en-US" sz="1200" b="1" dirty="0" smtClean="0">
+                <a:cs typeface="Arial" charset="0"/>
+              </a:rPr>
+              <a:t>stats</a:t>
+            </a:r>
+          </a:p>
+          <a:p>
+            <a:pPr eaLnBrk="1" hangingPunct="1"/>
+            <a:r>
+              <a:rPr lang="en-US" altLang="en-US" sz="1200" b="1" dirty="0" smtClean="0">
+                <a:cs typeface="Arial" charset="0"/>
+              </a:rPr>
+              <a:t>analysis</a:t>
+            </a:r>
+            <a:endParaRPr lang="en-US" altLang="en-US" sz="1200" b="1" dirty="0" smtClean="0">
+              <a:cs typeface="Arial" charset="0"/>
+            </a:endParaRPr>
           </a:p>
         </p:txBody>
       </p:sp>
@@ -7539,7 +7524,7 @@
         <p:spPr bwMode="auto">
           <a:xfrm>
             <a:off x="3727529" y="7036922"/>
-            <a:ext cx="1592951" cy="798076"/>
+            <a:ext cx="1592951" cy="919702"/>
           </a:xfrm>
           <a:prstGeom prst="roundRect">
             <a:avLst/>
@@ -7748,8 +7733,8 @@
         </p:nvSpPr>
         <p:spPr bwMode="auto">
           <a:xfrm>
-            <a:off x="2534311" y="954028"/>
-            <a:ext cx="1193218" cy="1381295"/>
+            <a:off x="2534311" y="827832"/>
+            <a:ext cx="1193218" cy="1507491"/>
           </a:xfrm>
           <a:prstGeom prst="roundRect">
             <a:avLst/>
@@ -7966,17 +7951,8 @@
               <a:rPr lang="en-US" altLang="en-US" sz="1200" b="1" dirty="0" smtClean="0">
                 <a:cs typeface="Arial" charset="0"/>
               </a:rPr>
-              <a:t>l</a:t>
-            </a:r>
-            <a:r>
-              <a:rPr lang="en-US" altLang="en-US" sz="1200" b="1" dirty="0" smtClean="0">
-                <a:cs typeface="Arial" charset="0"/>
-              </a:rPr>
-              <a:t>anes</a:t>
-            </a:r>
-            <a:endParaRPr lang="en-US" altLang="en-US" sz="1200" b="1" dirty="0" smtClean="0">
-              <a:cs typeface="Arial" charset="0"/>
-            </a:endParaRPr>
+              <a:t>lanes</a:t>
+            </a:r>
           </a:p>
         </p:txBody>
       </p:sp>

--- a/extending/figures/modules.pptx
+++ b/extending/figures/modules.pptx
@@ -7451,13 +7451,7 @@
               <a:rPr lang="en-US" altLang="en-US" sz="1200" b="1" dirty="0" smtClean="0">
                 <a:cs typeface="Arial" charset="0"/>
               </a:rPr>
-              <a:t>ink </a:t>
-            </a:r>
-            <a:r>
-              <a:rPr lang="en-US" altLang="en-US" sz="1200" b="1" dirty="0" smtClean="0">
-                <a:cs typeface="Arial" charset="0"/>
-              </a:rPr>
-              <a:t>stats</a:t>
+              <a:t>ink stats</a:t>
             </a:r>
           </a:p>
           <a:p>
@@ -7468,9 +7462,6 @@
               </a:rPr>
               <a:t>analysis</a:t>
             </a:r>
-            <a:endParaRPr lang="en-US" altLang="en-US" sz="1200" b="1" dirty="0" smtClean="0">
-              <a:cs typeface="Arial" charset="0"/>
-            </a:endParaRPr>
           </a:p>
         </p:txBody>
       </p:sp>
@@ -7523,8 +7514,8 @@
         </p:nvSpPr>
         <p:spPr bwMode="auto">
           <a:xfrm>
-            <a:off x="3727529" y="7036922"/>
-            <a:ext cx="1592951" cy="919702"/>
+            <a:off x="3564458" y="7036922"/>
+            <a:ext cx="1994579" cy="1135726"/>
           </a:xfrm>
           <a:prstGeom prst="roundRect">
             <a:avLst/>
@@ -7717,7 +7708,34 @@
               <a:rPr lang="en-US" altLang="en-US" sz="1200" b="1" dirty="0" smtClean="0">
                 <a:cs typeface="Arial" charset="0"/>
               </a:rPr>
-              <a:t>selectors</a:t>
+              <a:t>Selectors</a:t>
+            </a:r>
+          </a:p>
+          <a:p>
+            <a:pPr eaLnBrk="1" hangingPunct="1"/>
+            <a:r>
+              <a:rPr lang="en-US" altLang="en-US" sz="1200" b="1" dirty="0">
+                <a:cs typeface="Arial" charset="0"/>
+              </a:rPr>
+              <a:t>m</a:t>
+            </a:r>
+            <a:r>
+              <a:rPr lang="en-US" altLang="en-US" sz="1200" b="1" dirty="0" smtClean="0">
+                <a:cs typeface="Arial" charset="0"/>
+              </a:rPr>
+              <a:t>atrix based </a:t>
+            </a:r>
+            <a:r>
+              <a:rPr lang="en-US" altLang="en-US" sz="1200" b="1" dirty="0" err="1" smtClean="0">
+                <a:cs typeface="Arial" charset="0"/>
+              </a:rPr>
+              <a:t>pt</a:t>
+            </a:r>
+            <a:r>
+              <a:rPr lang="en-US" altLang="en-US" sz="1200" b="1" dirty="0" smtClean="0">
+                <a:cs typeface="Arial" charset="0"/>
+              </a:rPr>
+              <a:t> router</a:t>
             </a:r>
             <a:endParaRPr lang="en-US" altLang="en-US" sz="1200" b="1" dirty="0">
               <a:cs typeface="Arial" charset="0"/>

--- a/extending/figures/modules.pptx
+++ b/extending/figures/modules.pptx
@@ -192,7 +192,7 @@
           <a:p>
             <a:fld id="{B331D21E-A933-4E39-927B-0A694CFD8A59}" type="datetimeFigureOut">
               <a:rPr lang="en-US" smtClean="0"/>
-              <a:t>2/17/2015</a:t>
+              <a:t>1/1/2016</a:t>
             </a:fld>
             <a:endParaRPr lang="en-US"/>
           </a:p>
@@ -765,7 +765,7 @@
           <a:p>
             <a:fld id="{4EAC39C6-F0CB-4B34-9E6A-ADED0510816B}" type="datetimeFigureOut">
               <a:rPr lang="en-US" smtClean="0"/>
-              <a:t>2/17/2015</a:t>
+              <a:t>1/1/2016</a:t>
             </a:fld>
             <a:endParaRPr lang="en-US"/>
           </a:p>
@@ -935,7 +935,7 @@
           <a:p>
             <a:fld id="{4EAC39C6-F0CB-4B34-9E6A-ADED0510816B}" type="datetimeFigureOut">
               <a:rPr lang="en-US" smtClean="0"/>
-              <a:t>2/17/2015</a:t>
+              <a:t>1/1/2016</a:t>
             </a:fld>
             <a:endParaRPr lang="en-US"/>
           </a:p>
@@ -1115,7 +1115,7 @@
           <a:p>
             <a:fld id="{4EAC39C6-F0CB-4B34-9E6A-ADED0510816B}" type="datetimeFigureOut">
               <a:rPr lang="en-US" smtClean="0"/>
-              <a:t>2/17/2015</a:t>
+              <a:t>1/1/2016</a:t>
             </a:fld>
             <a:endParaRPr lang="en-US"/>
           </a:p>
@@ -1285,7 +1285,7 @@
           <a:p>
             <a:fld id="{4EAC39C6-F0CB-4B34-9E6A-ADED0510816B}" type="datetimeFigureOut">
               <a:rPr lang="en-US" smtClean="0"/>
-              <a:t>2/17/2015</a:t>
+              <a:t>1/1/2016</a:t>
             </a:fld>
             <a:endParaRPr lang="en-US"/>
           </a:p>
@@ -1531,7 +1531,7 @@
           <a:p>
             <a:fld id="{4EAC39C6-F0CB-4B34-9E6A-ADED0510816B}" type="datetimeFigureOut">
               <a:rPr lang="en-US" smtClean="0"/>
-              <a:t>2/17/2015</a:t>
+              <a:t>1/1/2016</a:t>
             </a:fld>
             <a:endParaRPr lang="en-US"/>
           </a:p>
@@ -1819,7 +1819,7 @@
           <a:p>
             <a:fld id="{4EAC39C6-F0CB-4B34-9E6A-ADED0510816B}" type="datetimeFigureOut">
               <a:rPr lang="en-US" smtClean="0"/>
-              <a:t>2/17/2015</a:t>
+              <a:t>1/1/2016</a:t>
             </a:fld>
             <a:endParaRPr lang="en-US"/>
           </a:p>
@@ -2246,7 +2246,7 @@
           <a:p>
             <a:fld id="{4EAC39C6-F0CB-4B34-9E6A-ADED0510816B}" type="datetimeFigureOut">
               <a:rPr lang="en-US" smtClean="0"/>
-              <a:t>2/17/2015</a:t>
+              <a:t>1/1/2016</a:t>
             </a:fld>
             <a:endParaRPr lang="en-US"/>
           </a:p>
@@ -2364,7 +2364,7 @@
           <a:p>
             <a:fld id="{4EAC39C6-F0CB-4B34-9E6A-ADED0510816B}" type="datetimeFigureOut">
               <a:rPr lang="en-US" smtClean="0"/>
-              <a:t>2/17/2015</a:t>
+              <a:t>1/1/2016</a:t>
             </a:fld>
             <a:endParaRPr lang="en-US"/>
           </a:p>
@@ -2459,7 +2459,7 @@
           <a:p>
             <a:fld id="{4EAC39C6-F0CB-4B34-9E6A-ADED0510816B}" type="datetimeFigureOut">
               <a:rPr lang="en-US" smtClean="0"/>
-              <a:t>2/17/2015</a:t>
+              <a:t>1/1/2016</a:t>
             </a:fld>
             <a:endParaRPr lang="en-US"/>
           </a:p>
@@ -2736,7 +2736,7 @@
           <a:p>
             <a:fld id="{4EAC39C6-F0CB-4B34-9E6A-ADED0510816B}" type="datetimeFigureOut">
               <a:rPr lang="en-US" smtClean="0"/>
-              <a:t>2/17/2015</a:t>
+              <a:t>1/1/2016</a:t>
             </a:fld>
             <a:endParaRPr lang="en-US"/>
           </a:p>
@@ -2989,7 +2989,7 @@
           <a:p>
             <a:fld id="{4EAC39C6-F0CB-4B34-9E6A-ADED0510816B}" type="datetimeFigureOut">
               <a:rPr lang="en-US" smtClean="0"/>
-              <a:t>2/17/2015</a:t>
+              <a:t>1/1/2016</a:t>
             </a:fld>
             <a:endParaRPr lang="en-US"/>
           </a:p>
@@ -3202,7 +3202,7 @@
           <a:p>
             <a:fld id="{4EAC39C6-F0CB-4B34-9E6A-ADED0510816B}" type="datetimeFigureOut">
               <a:rPr lang="en-US" smtClean="0"/>
-              <a:t>2/17/2015</a:t>
+              <a:t>1/1/2016</a:t>
             </a:fld>
             <a:endParaRPr lang="en-US"/>
           </a:p>
@@ -7705,11 +7705,20 @@
           <a:p>
             <a:pPr eaLnBrk="1" hangingPunct="1"/>
             <a:r>
-              <a:rPr lang="en-US" altLang="en-US" sz="1200" b="1" dirty="0" smtClean="0">
+              <a:rPr lang="en-US" altLang="en-US" sz="1200" b="1" dirty="0">
                 <a:cs typeface="Arial" charset="0"/>
               </a:rPr>
-              <a:t>Selectors</a:t>
-            </a:r>
+              <a:t>s</a:t>
+            </a:r>
+            <a:r>
+              <a:rPr lang="en-US" altLang="en-US" sz="1200" b="1" smtClean="0">
+                <a:cs typeface="Arial" charset="0"/>
+              </a:rPr>
+              <a:t>electors</a:t>
+            </a:r>
+            <a:endParaRPr lang="en-US" altLang="en-US" sz="1200" b="1" dirty="0" smtClean="0">
+              <a:cs typeface="Arial" charset="0"/>
+            </a:endParaRPr>
           </a:p>
           <a:p>
             <a:pPr eaLnBrk="1" hangingPunct="1"/>
